--- a/자료구조.pptx
+++ b/자료구조.pptx
@@ -7,12 +7,13 @@
   <p:sldIdLst>
     <p:sldId id="256" r:id="rId2"/>
     <p:sldId id="257" r:id="rId3"/>
-    <p:sldId id="258" r:id="rId4"/>
-    <p:sldId id="259" r:id="rId5"/>
-    <p:sldId id="260" r:id="rId6"/>
-    <p:sldId id="261" r:id="rId7"/>
-    <p:sldId id="262" r:id="rId8"/>
-    <p:sldId id="263" r:id="rId9"/>
+    <p:sldId id="264" r:id="rId4"/>
+    <p:sldId id="258" r:id="rId5"/>
+    <p:sldId id="259" r:id="rId6"/>
+    <p:sldId id="260" r:id="rId7"/>
+    <p:sldId id="261" r:id="rId8"/>
+    <p:sldId id="262" r:id="rId9"/>
+    <p:sldId id="263" r:id="rId10"/>
   </p:sldIdLst>
   <p:sldSz cx="12192000" cy="6858000"/>
   <p:notesSz cx="6858000" cy="9144000"/>
@@ -111,6 +112,11 @@
       </a:defRPr>
     </a:lvl9pPr>
   </p:defaultTextStyle>
+  <p:extLst>
+    <p:ext uri="{EFAFB233-063F-42B5-8137-9DF3F51BA10A}">
+      <p15:sldGuideLst xmlns:p15="http://schemas.microsoft.com/office/powerpoint/2012/main"/>
+    </p:ext>
+  </p:extLst>
 </p:presentation>
 </file>
 
@@ -273,7 +279,7 @@
           <a:p>
             <a:fld id="{A7CD0380-1E5F-4699-AB63-87E69D1B9E5E}" type="datetimeFigureOut">
               <a:rPr kumimoji="1" lang="ja-JP" altLang="en-US" smtClean="0"/>
-              <a:t>2021/1/7</a:t>
+              <a:t>2021/1/14</a:t>
             </a:fld>
             <a:endParaRPr kumimoji="1" lang="ja-JP" altLang="en-US"/>
           </a:p>
@@ -503,7 +509,7 @@
           <a:p>
             <a:fld id="{A7CD0380-1E5F-4699-AB63-87E69D1B9E5E}" type="datetimeFigureOut">
               <a:rPr kumimoji="1" lang="ja-JP" altLang="en-US" smtClean="0"/>
-              <a:t>2021/1/7</a:t>
+              <a:t>2021/1/14</a:t>
             </a:fld>
             <a:endParaRPr kumimoji="1" lang="ja-JP" altLang="en-US"/>
           </a:p>
@@ -743,7 +749,7 @@
           <a:p>
             <a:fld id="{A7CD0380-1E5F-4699-AB63-87E69D1B9E5E}" type="datetimeFigureOut">
               <a:rPr kumimoji="1" lang="ja-JP" altLang="en-US" smtClean="0"/>
-              <a:t>2021/1/7</a:t>
+              <a:t>2021/1/14</a:t>
             </a:fld>
             <a:endParaRPr kumimoji="1" lang="ja-JP" altLang="en-US"/>
           </a:p>
@@ -973,7 +979,7 @@
           <a:p>
             <a:fld id="{A7CD0380-1E5F-4699-AB63-87E69D1B9E5E}" type="datetimeFigureOut">
               <a:rPr kumimoji="1" lang="ja-JP" altLang="en-US" smtClean="0"/>
-              <a:t>2021/1/7</a:t>
+              <a:t>2021/1/14</a:t>
             </a:fld>
             <a:endParaRPr kumimoji="1" lang="ja-JP" altLang="en-US"/>
           </a:p>
@@ -1248,7 +1254,7 @@
           <a:p>
             <a:fld id="{A7CD0380-1E5F-4699-AB63-87E69D1B9E5E}" type="datetimeFigureOut">
               <a:rPr kumimoji="1" lang="ja-JP" altLang="en-US" smtClean="0"/>
-              <a:t>2021/1/7</a:t>
+              <a:t>2021/1/14</a:t>
             </a:fld>
             <a:endParaRPr kumimoji="1" lang="ja-JP" altLang="en-US"/>
           </a:p>
@@ -1577,7 +1583,7 @@
           <a:p>
             <a:fld id="{A7CD0380-1E5F-4699-AB63-87E69D1B9E5E}" type="datetimeFigureOut">
               <a:rPr kumimoji="1" lang="ja-JP" altLang="en-US" smtClean="0"/>
-              <a:t>2021/1/7</a:t>
+              <a:t>2021/1/14</a:t>
             </a:fld>
             <a:endParaRPr kumimoji="1" lang="ja-JP" altLang="en-US"/>
           </a:p>
@@ -2053,7 +2059,7 @@
           <a:p>
             <a:fld id="{A7CD0380-1E5F-4699-AB63-87E69D1B9E5E}" type="datetimeFigureOut">
               <a:rPr kumimoji="1" lang="ja-JP" altLang="en-US" smtClean="0"/>
-              <a:t>2021/1/7</a:t>
+              <a:t>2021/1/14</a:t>
             </a:fld>
             <a:endParaRPr kumimoji="1" lang="ja-JP" altLang="en-US"/>
           </a:p>
@@ -2194,7 +2200,7 @@
           <a:p>
             <a:fld id="{A7CD0380-1E5F-4699-AB63-87E69D1B9E5E}" type="datetimeFigureOut">
               <a:rPr kumimoji="1" lang="ja-JP" altLang="en-US" smtClean="0"/>
-              <a:t>2021/1/7</a:t>
+              <a:t>2021/1/14</a:t>
             </a:fld>
             <a:endParaRPr kumimoji="1" lang="ja-JP" altLang="en-US"/>
           </a:p>
@@ -2307,7 +2313,7 @@
           <a:p>
             <a:fld id="{A7CD0380-1E5F-4699-AB63-87E69D1B9E5E}" type="datetimeFigureOut">
               <a:rPr kumimoji="1" lang="ja-JP" altLang="en-US" smtClean="0"/>
-              <a:t>2021/1/7</a:t>
+              <a:t>2021/1/14</a:t>
             </a:fld>
             <a:endParaRPr kumimoji="1" lang="ja-JP" altLang="en-US"/>
           </a:p>
@@ -2650,7 +2656,7 @@
           <a:p>
             <a:fld id="{A7CD0380-1E5F-4699-AB63-87E69D1B9E5E}" type="datetimeFigureOut">
               <a:rPr kumimoji="1" lang="ja-JP" altLang="en-US" smtClean="0"/>
-              <a:t>2021/1/7</a:t>
+              <a:t>2021/1/14</a:t>
             </a:fld>
             <a:endParaRPr kumimoji="1" lang="ja-JP" altLang="en-US"/>
           </a:p>
@@ -2938,7 +2944,7 @@
           <a:p>
             <a:fld id="{A7CD0380-1E5F-4699-AB63-87E69D1B9E5E}" type="datetimeFigureOut">
               <a:rPr kumimoji="1" lang="ja-JP" altLang="en-US" smtClean="0"/>
-              <a:t>2021/1/7</a:t>
+              <a:t>2021/1/14</a:t>
             </a:fld>
             <a:endParaRPr kumimoji="1" lang="ja-JP" altLang="en-US"/>
           </a:p>
@@ -3211,7 +3217,7 @@
           <a:p>
             <a:fld id="{A7CD0380-1E5F-4699-AB63-87E69D1B9E5E}" type="datetimeFigureOut">
               <a:rPr kumimoji="1" lang="ja-JP" altLang="en-US" smtClean="0"/>
-              <a:t>2021/1/7</a:t>
+              <a:t>2021/1/14</a:t>
             </a:fld>
             <a:endParaRPr kumimoji="1" lang="ja-JP" altLang="en-US"/>
           </a:p>
@@ -3630,251 +3636,6 @@
       </p:grpSpPr>
       <p:graphicFrame>
         <p:nvGraphicFramePr>
-          <p:cNvPr id="4" name="表 4">
-            <a:extLst>
-              <a:ext uri="{FF2B5EF4-FFF2-40B4-BE49-F238E27FC236}">
-                <a16:creationId xmlns:a16="http://schemas.microsoft.com/office/drawing/2014/main" id="{1EE8C17C-6CC6-4CE5-BBF8-0AC27CF2207F}"/>
-              </a:ext>
-            </a:extLst>
-          </p:cNvPr>
-          <p:cNvGraphicFramePr>
-            <a:graphicFrameLocks noGrp="1"/>
-          </p:cNvGraphicFramePr>
-          <p:nvPr>
-            <p:extLst>
-              <p:ext uri="{D42A27DB-BD31-4B8C-83A1-F6EECF244321}">
-                <p14:modId xmlns:p14="http://schemas.microsoft.com/office/powerpoint/2010/main" val="2934022028"/>
-              </p:ext>
-            </p:extLst>
-          </p:nvPr>
-        </p:nvGraphicFramePr>
-        <p:xfrm>
-          <a:off x="3838585" y="1475752"/>
-          <a:ext cx="2883500" cy="1302322"/>
-        </p:xfrm>
-        <a:graphic>
-          <a:graphicData uri="http://schemas.openxmlformats.org/drawingml/2006/table">
-            <a:tbl>
-              <a:tblPr firstRow="1" bandRow="1">
-                <a:tableStyleId>{5C22544A-7EE6-4342-B048-85BDC9FD1C3A}</a:tableStyleId>
-              </a:tblPr>
-              <a:tblGrid>
-                <a:gridCol w="720875">
-                  <a:extLst>
-                    <a:ext uri="{9D8B030D-6E8A-4147-A177-3AD203B41FA5}">
-                      <a16:colId xmlns:a16="http://schemas.microsoft.com/office/drawing/2014/main" val="1329775305"/>
-                    </a:ext>
-                  </a:extLst>
-                </a:gridCol>
-                <a:gridCol w="720875">
-                  <a:extLst>
-                    <a:ext uri="{9D8B030D-6E8A-4147-A177-3AD203B41FA5}">
-                      <a16:colId xmlns:a16="http://schemas.microsoft.com/office/drawing/2014/main" val="2031520191"/>
-                    </a:ext>
-                  </a:extLst>
-                </a:gridCol>
-                <a:gridCol w="720875">
-                  <a:extLst>
-                    <a:ext uri="{9D8B030D-6E8A-4147-A177-3AD203B41FA5}">
-                      <a16:colId xmlns:a16="http://schemas.microsoft.com/office/drawing/2014/main" val="3882892301"/>
-                    </a:ext>
-                  </a:extLst>
-                </a:gridCol>
-                <a:gridCol w="720875">
-                  <a:extLst>
-                    <a:ext uri="{9D8B030D-6E8A-4147-A177-3AD203B41FA5}">
-                      <a16:colId xmlns:a16="http://schemas.microsoft.com/office/drawing/2014/main" val="329657702"/>
-                    </a:ext>
-                  </a:extLst>
-                </a:gridCol>
-              </a:tblGrid>
-              <a:tr h="570802">
-                <a:tc>
-                  <a:txBody>
-                    <a:bodyPr/>
-                    <a:lstStyle/>
-                    <a:p>
-                      <a:r>
-                        <a:rPr kumimoji="1" lang="en-US" altLang="ja-JP" dirty="0"/>
-                        <a:t>Num</a:t>
-                      </a:r>
-                      <a:endParaRPr kumimoji="1" lang="ja-JP" altLang="en-US" dirty="0"/>
-                    </a:p>
-                  </a:txBody>
-                  <a:tcPr/>
-                </a:tc>
-                <a:tc>
-                  <a:txBody>
-                    <a:bodyPr/>
-                    <a:lstStyle/>
-                    <a:p>
-                      <a:r>
-                        <a:rPr kumimoji="1" lang="en-US" altLang="ja-JP" dirty="0"/>
-                        <a:t>Id</a:t>
-                      </a:r>
-                      <a:endParaRPr kumimoji="1" lang="ja-JP" altLang="en-US" dirty="0"/>
-                    </a:p>
-                  </a:txBody>
-                  <a:tcPr/>
-                </a:tc>
-                <a:tc>
-                  <a:txBody>
-                    <a:bodyPr/>
-                    <a:lstStyle/>
-                    <a:p>
-                      <a:r>
-                        <a:rPr kumimoji="1" lang="en-US" altLang="ja-JP" dirty="0"/>
-                        <a:t>Title</a:t>
-                      </a:r>
-                      <a:endParaRPr kumimoji="1" lang="ja-JP" altLang="en-US" dirty="0"/>
-                    </a:p>
-                  </a:txBody>
-                  <a:tcPr/>
-                </a:tc>
-                <a:tc>
-                  <a:txBody>
-                    <a:bodyPr/>
-                    <a:lstStyle/>
-                    <a:p>
-                      <a:r>
-                        <a:rPr kumimoji="1" lang="en-US" altLang="ja-JP" dirty="0"/>
-                        <a:t>Date</a:t>
-                      </a:r>
-                      <a:endParaRPr kumimoji="1" lang="ja-JP" altLang="en-US" dirty="0"/>
-                    </a:p>
-                  </a:txBody>
-                  <a:tcPr/>
-                </a:tc>
-                <a:extLst>
-                  <a:ext uri="{0D108BD9-81ED-4DB2-BD59-A6C34878D82A}">
-                    <a16:rowId xmlns:a16="http://schemas.microsoft.com/office/drawing/2014/main" val="2895069857"/>
-                  </a:ext>
-                </a:extLst>
-              </a:tr>
-              <a:tr h="326173">
-                <a:tc>
-                  <a:txBody>
-                    <a:bodyPr/>
-                    <a:lstStyle/>
-                    <a:p>
-                      <a:r>
-                        <a:rPr kumimoji="1" lang="en-US" altLang="ja-JP" dirty="0"/>
-                        <a:t>1</a:t>
-                      </a:r>
-                      <a:endParaRPr kumimoji="1" lang="ja-JP" altLang="en-US" dirty="0"/>
-                    </a:p>
-                  </a:txBody>
-                  <a:tcPr/>
-                </a:tc>
-                <a:tc>
-                  <a:txBody>
-                    <a:bodyPr/>
-                    <a:lstStyle/>
-                    <a:p>
-                      <a:r>
-                        <a:rPr kumimoji="1" lang="en-US" altLang="ja-JP" dirty="0"/>
-                        <a:t>a123</a:t>
-                      </a:r>
-                      <a:endParaRPr kumimoji="1" lang="ja-JP" altLang="en-US" dirty="0"/>
-                    </a:p>
-                  </a:txBody>
-                  <a:tcPr/>
-                </a:tc>
-                <a:tc>
-                  <a:txBody>
-                    <a:bodyPr/>
-                    <a:lstStyle/>
-                    <a:p>
-                      <a:r>
-                        <a:rPr kumimoji="1" lang="en-US" altLang="ja-JP" dirty="0" err="1"/>
-                        <a:t>aaa</a:t>
-                      </a:r>
-                      <a:endParaRPr kumimoji="1" lang="ja-JP" altLang="en-US" dirty="0"/>
-                    </a:p>
-                  </a:txBody>
-                  <a:tcPr/>
-                </a:tc>
-                <a:tc>
-                  <a:txBody>
-                    <a:bodyPr/>
-                    <a:lstStyle/>
-                    <a:p>
-                      <a:endParaRPr kumimoji="1" lang="ja-JP" altLang="en-US" dirty="0"/>
-                    </a:p>
-                  </a:txBody>
-                  <a:tcPr/>
-                </a:tc>
-                <a:extLst>
-                  <a:ext uri="{0D108BD9-81ED-4DB2-BD59-A6C34878D82A}">
-                    <a16:rowId xmlns:a16="http://schemas.microsoft.com/office/drawing/2014/main" val="4110542620"/>
-                  </a:ext>
-                </a:extLst>
-              </a:tr>
-              <a:tr h="326173">
-                <a:tc>
-                  <a:txBody>
-                    <a:bodyPr/>
-                    <a:lstStyle/>
-                    <a:p>
-                      <a:r>
-                        <a:rPr kumimoji="1" lang="en-US" altLang="ja-JP" dirty="0"/>
-                        <a:t>6</a:t>
-                      </a:r>
-                      <a:endParaRPr kumimoji="1" lang="ja-JP" altLang="en-US" dirty="0"/>
-                    </a:p>
-                  </a:txBody>
-                  <a:tcPr/>
-                </a:tc>
-                <a:tc>
-                  <a:txBody>
-                    <a:bodyPr/>
-                    <a:lstStyle/>
-                    <a:p>
-                      <a:r>
-                        <a:rPr kumimoji="1" lang="en-US" altLang="ja-JP" dirty="0"/>
-                        <a:t>d123</a:t>
-                      </a:r>
-                      <a:endParaRPr kumimoji="1" lang="ja-JP" altLang="en-US" dirty="0"/>
-                    </a:p>
-                  </a:txBody>
-                  <a:tcPr/>
-                </a:tc>
-                <a:tc>
-                  <a:txBody>
-                    <a:bodyPr/>
-                    <a:lstStyle/>
-                    <a:p>
-                      <a:r>
-                        <a:rPr kumimoji="1" lang="en-US" altLang="ja-JP" dirty="0" err="1"/>
-                        <a:t>ddd</a:t>
-                      </a:r>
-                      <a:endParaRPr kumimoji="1" lang="ja-JP" altLang="en-US" dirty="0"/>
-                    </a:p>
-                  </a:txBody>
-                  <a:tcPr/>
-                </a:tc>
-                <a:tc>
-                  <a:txBody>
-                    <a:bodyPr/>
-                    <a:lstStyle/>
-                    <a:p>
-                      <a:endParaRPr kumimoji="1" lang="ja-JP" altLang="en-US" dirty="0"/>
-                    </a:p>
-                  </a:txBody>
-                  <a:tcPr/>
-                </a:tc>
-                <a:extLst>
-                  <a:ext uri="{0D108BD9-81ED-4DB2-BD59-A6C34878D82A}">
-                    <a16:rowId xmlns:a16="http://schemas.microsoft.com/office/drawing/2014/main" val="3784222691"/>
-                  </a:ext>
-                </a:extLst>
-              </a:tr>
-            </a:tbl>
-          </a:graphicData>
-        </a:graphic>
-      </p:graphicFrame>
-      <p:graphicFrame>
-        <p:nvGraphicFramePr>
           <p:cNvPr id="8" name="表 8">
             <a:extLst>
               <a:ext uri="{FF2B5EF4-FFF2-40B4-BE49-F238E27FC236}">
@@ -4533,496 +4294,6 @@
       </p:graphicFrame>
       <p:graphicFrame>
         <p:nvGraphicFramePr>
-          <p:cNvPr id="9" name="表 4">
-            <a:extLst>
-              <a:ext uri="{FF2B5EF4-FFF2-40B4-BE49-F238E27FC236}">
-                <a16:creationId xmlns:a16="http://schemas.microsoft.com/office/drawing/2014/main" id="{382232FD-9786-4CA6-9E07-6DD7E8CAF871}"/>
-              </a:ext>
-            </a:extLst>
-          </p:cNvPr>
-          <p:cNvGraphicFramePr>
-            <a:graphicFrameLocks noGrp="1"/>
-          </p:cNvGraphicFramePr>
-          <p:nvPr>
-            <p:extLst>
-              <p:ext uri="{D42A27DB-BD31-4B8C-83A1-F6EECF244321}">
-                <p14:modId xmlns:p14="http://schemas.microsoft.com/office/powerpoint/2010/main" val="117434200"/>
-              </p:ext>
-            </p:extLst>
-          </p:nvPr>
-        </p:nvGraphicFramePr>
-        <p:xfrm>
-          <a:off x="2187340" y="3204811"/>
-          <a:ext cx="2883500" cy="1302322"/>
-        </p:xfrm>
-        <a:graphic>
-          <a:graphicData uri="http://schemas.openxmlformats.org/drawingml/2006/table">
-            <a:tbl>
-              <a:tblPr firstRow="1" bandRow="1">
-                <a:tableStyleId>{5C22544A-7EE6-4342-B048-85BDC9FD1C3A}</a:tableStyleId>
-              </a:tblPr>
-              <a:tblGrid>
-                <a:gridCol w="720875">
-                  <a:extLst>
-                    <a:ext uri="{9D8B030D-6E8A-4147-A177-3AD203B41FA5}">
-                      <a16:colId xmlns:a16="http://schemas.microsoft.com/office/drawing/2014/main" val="1329775305"/>
-                    </a:ext>
-                  </a:extLst>
-                </a:gridCol>
-                <a:gridCol w="720875">
-                  <a:extLst>
-                    <a:ext uri="{9D8B030D-6E8A-4147-A177-3AD203B41FA5}">
-                      <a16:colId xmlns:a16="http://schemas.microsoft.com/office/drawing/2014/main" val="2031520191"/>
-                    </a:ext>
-                  </a:extLst>
-                </a:gridCol>
-                <a:gridCol w="720875">
-                  <a:extLst>
-                    <a:ext uri="{9D8B030D-6E8A-4147-A177-3AD203B41FA5}">
-                      <a16:colId xmlns:a16="http://schemas.microsoft.com/office/drawing/2014/main" val="3882892301"/>
-                    </a:ext>
-                  </a:extLst>
-                </a:gridCol>
-                <a:gridCol w="720875">
-                  <a:extLst>
-                    <a:ext uri="{9D8B030D-6E8A-4147-A177-3AD203B41FA5}">
-                      <a16:colId xmlns:a16="http://schemas.microsoft.com/office/drawing/2014/main" val="329657702"/>
-                    </a:ext>
-                  </a:extLst>
-                </a:gridCol>
-              </a:tblGrid>
-              <a:tr h="570802">
-                <a:tc>
-                  <a:txBody>
-                    <a:bodyPr/>
-                    <a:lstStyle/>
-                    <a:p>
-                      <a:r>
-                        <a:rPr kumimoji="1" lang="en-US" altLang="ja-JP" dirty="0"/>
-                        <a:t>Num</a:t>
-                      </a:r>
-                      <a:endParaRPr kumimoji="1" lang="ja-JP" altLang="en-US" dirty="0"/>
-                    </a:p>
-                  </a:txBody>
-                  <a:tcPr/>
-                </a:tc>
-                <a:tc>
-                  <a:txBody>
-                    <a:bodyPr/>
-                    <a:lstStyle/>
-                    <a:p>
-                      <a:r>
-                        <a:rPr kumimoji="1" lang="en-US" altLang="ja-JP" dirty="0"/>
-                        <a:t>Id</a:t>
-                      </a:r>
-                      <a:endParaRPr kumimoji="1" lang="ja-JP" altLang="en-US" dirty="0"/>
-                    </a:p>
-                  </a:txBody>
-                  <a:tcPr/>
-                </a:tc>
-                <a:tc>
-                  <a:txBody>
-                    <a:bodyPr/>
-                    <a:lstStyle/>
-                    <a:p>
-                      <a:r>
-                        <a:rPr kumimoji="1" lang="en-US" altLang="ja-JP" dirty="0"/>
-                        <a:t>Title</a:t>
-                      </a:r>
-                      <a:endParaRPr kumimoji="1" lang="ja-JP" altLang="en-US" dirty="0"/>
-                    </a:p>
-                  </a:txBody>
-                  <a:tcPr/>
-                </a:tc>
-                <a:tc>
-                  <a:txBody>
-                    <a:bodyPr/>
-                    <a:lstStyle/>
-                    <a:p>
-                      <a:r>
-                        <a:rPr kumimoji="1" lang="en-US" altLang="ja-JP" dirty="0"/>
-                        <a:t>Date</a:t>
-                      </a:r>
-                      <a:endParaRPr kumimoji="1" lang="ja-JP" altLang="en-US" dirty="0"/>
-                    </a:p>
-                  </a:txBody>
-                  <a:tcPr/>
-                </a:tc>
-                <a:extLst>
-                  <a:ext uri="{0D108BD9-81ED-4DB2-BD59-A6C34878D82A}">
-                    <a16:rowId xmlns:a16="http://schemas.microsoft.com/office/drawing/2014/main" val="2895069857"/>
-                  </a:ext>
-                </a:extLst>
-              </a:tr>
-              <a:tr h="326173">
-                <a:tc>
-                  <a:txBody>
-                    <a:bodyPr/>
-                    <a:lstStyle/>
-                    <a:p>
-                      <a:r>
-                        <a:rPr kumimoji="1" lang="en-US" altLang="ja-JP" dirty="0"/>
-                        <a:t>1</a:t>
-                      </a:r>
-                      <a:endParaRPr kumimoji="1" lang="ja-JP" altLang="en-US" dirty="0"/>
-                    </a:p>
-                  </a:txBody>
-                  <a:tcPr/>
-                </a:tc>
-                <a:tc>
-                  <a:txBody>
-                    <a:bodyPr/>
-                    <a:lstStyle/>
-                    <a:p>
-                      <a:r>
-                        <a:rPr kumimoji="1" lang="en-US" altLang="ja-JP" dirty="0"/>
-                        <a:t>a123</a:t>
-                      </a:r>
-                      <a:endParaRPr kumimoji="1" lang="ja-JP" altLang="en-US" dirty="0"/>
-                    </a:p>
-                  </a:txBody>
-                  <a:tcPr/>
-                </a:tc>
-                <a:tc>
-                  <a:txBody>
-                    <a:bodyPr/>
-                    <a:lstStyle/>
-                    <a:p>
-                      <a:r>
-                        <a:rPr kumimoji="1" lang="en-US" altLang="ja-JP" dirty="0" err="1"/>
-                        <a:t>aaa</a:t>
-                      </a:r>
-                      <a:endParaRPr kumimoji="1" lang="ja-JP" altLang="en-US" dirty="0"/>
-                    </a:p>
-                  </a:txBody>
-                  <a:tcPr/>
-                </a:tc>
-                <a:tc>
-                  <a:txBody>
-                    <a:bodyPr/>
-                    <a:lstStyle/>
-                    <a:p>
-                      <a:endParaRPr kumimoji="1" lang="ja-JP" altLang="en-US" dirty="0"/>
-                    </a:p>
-                  </a:txBody>
-                  <a:tcPr/>
-                </a:tc>
-                <a:extLst>
-                  <a:ext uri="{0D108BD9-81ED-4DB2-BD59-A6C34878D82A}">
-                    <a16:rowId xmlns:a16="http://schemas.microsoft.com/office/drawing/2014/main" val="4110542620"/>
-                  </a:ext>
-                </a:extLst>
-              </a:tr>
-              <a:tr h="326173">
-                <a:tc>
-                  <a:txBody>
-                    <a:bodyPr/>
-                    <a:lstStyle/>
-                    <a:p>
-                      <a:r>
-                        <a:rPr kumimoji="1" lang="en-US" altLang="ja-JP" dirty="0"/>
-                        <a:t>4</a:t>
-                      </a:r>
-                      <a:endParaRPr kumimoji="1" lang="ja-JP" altLang="en-US" dirty="0"/>
-                    </a:p>
-                  </a:txBody>
-                  <a:tcPr/>
-                </a:tc>
-                <a:tc>
-                  <a:txBody>
-                    <a:bodyPr/>
-                    <a:lstStyle/>
-                    <a:p>
-                      <a:r>
-                        <a:rPr kumimoji="1" lang="en-US" altLang="ja-JP" dirty="0"/>
-                        <a:t>c123</a:t>
-                      </a:r>
-                      <a:endParaRPr kumimoji="1" lang="ja-JP" altLang="en-US" dirty="0"/>
-                    </a:p>
-                  </a:txBody>
-                  <a:tcPr/>
-                </a:tc>
-                <a:tc>
-                  <a:txBody>
-                    <a:bodyPr/>
-                    <a:lstStyle/>
-                    <a:p>
-                      <a:r>
-                        <a:rPr kumimoji="1" lang="en-US" altLang="ja-JP" dirty="0"/>
-                        <a:t>ccc</a:t>
-                      </a:r>
-                      <a:endParaRPr kumimoji="1" lang="ja-JP" altLang="en-US" dirty="0"/>
-                    </a:p>
-                  </a:txBody>
-                  <a:tcPr/>
-                </a:tc>
-                <a:tc>
-                  <a:txBody>
-                    <a:bodyPr/>
-                    <a:lstStyle/>
-                    <a:p>
-                      <a:endParaRPr kumimoji="1" lang="ja-JP" altLang="en-US" dirty="0"/>
-                    </a:p>
-                  </a:txBody>
-                  <a:tcPr/>
-                </a:tc>
-                <a:extLst>
-                  <a:ext uri="{0D108BD9-81ED-4DB2-BD59-A6C34878D82A}">
-                    <a16:rowId xmlns:a16="http://schemas.microsoft.com/office/drawing/2014/main" val="3784222691"/>
-                  </a:ext>
-                </a:extLst>
-              </a:tr>
-            </a:tbl>
-          </a:graphicData>
-        </a:graphic>
-      </p:graphicFrame>
-      <p:graphicFrame>
-        <p:nvGraphicFramePr>
-          <p:cNvPr id="10" name="表 4">
-            <a:extLst>
-              <a:ext uri="{FF2B5EF4-FFF2-40B4-BE49-F238E27FC236}">
-                <a16:creationId xmlns:a16="http://schemas.microsoft.com/office/drawing/2014/main" id="{4EA5E549-306E-4A1C-837C-C5AE43FC162B}"/>
-              </a:ext>
-            </a:extLst>
-          </p:cNvPr>
-          <p:cNvGraphicFramePr>
-            <a:graphicFrameLocks noGrp="1"/>
-          </p:cNvGraphicFramePr>
-          <p:nvPr>
-            <p:extLst>
-              <p:ext uri="{D42A27DB-BD31-4B8C-83A1-F6EECF244321}">
-                <p14:modId xmlns:p14="http://schemas.microsoft.com/office/powerpoint/2010/main" val="2679030661"/>
-              </p:ext>
-            </p:extLst>
-          </p:nvPr>
-        </p:nvGraphicFramePr>
-        <p:xfrm>
-          <a:off x="5500188" y="3204811"/>
-          <a:ext cx="2883500" cy="1302322"/>
-        </p:xfrm>
-        <a:graphic>
-          <a:graphicData uri="http://schemas.openxmlformats.org/drawingml/2006/table">
-            <a:tbl>
-              <a:tblPr firstRow="1" bandRow="1">
-                <a:tableStyleId>{5C22544A-7EE6-4342-B048-85BDC9FD1C3A}</a:tableStyleId>
-              </a:tblPr>
-              <a:tblGrid>
-                <a:gridCol w="720875">
-                  <a:extLst>
-                    <a:ext uri="{9D8B030D-6E8A-4147-A177-3AD203B41FA5}">
-                      <a16:colId xmlns:a16="http://schemas.microsoft.com/office/drawing/2014/main" val="1329775305"/>
-                    </a:ext>
-                  </a:extLst>
-                </a:gridCol>
-                <a:gridCol w="720875">
-                  <a:extLst>
-                    <a:ext uri="{9D8B030D-6E8A-4147-A177-3AD203B41FA5}">
-                      <a16:colId xmlns:a16="http://schemas.microsoft.com/office/drawing/2014/main" val="2031520191"/>
-                    </a:ext>
-                  </a:extLst>
-                </a:gridCol>
-                <a:gridCol w="720875">
-                  <a:extLst>
-                    <a:ext uri="{9D8B030D-6E8A-4147-A177-3AD203B41FA5}">
-                      <a16:colId xmlns:a16="http://schemas.microsoft.com/office/drawing/2014/main" val="3882892301"/>
-                    </a:ext>
-                  </a:extLst>
-                </a:gridCol>
-                <a:gridCol w="720875">
-                  <a:extLst>
-                    <a:ext uri="{9D8B030D-6E8A-4147-A177-3AD203B41FA5}">
-                      <a16:colId xmlns:a16="http://schemas.microsoft.com/office/drawing/2014/main" val="329657702"/>
-                    </a:ext>
-                  </a:extLst>
-                </a:gridCol>
-              </a:tblGrid>
-              <a:tr h="570802">
-                <a:tc>
-                  <a:txBody>
-                    <a:bodyPr/>
-                    <a:lstStyle/>
-                    <a:p>
-                      <a:r>
-                        <a:rPr kumimoji="1" lang="en-US" altLang="ja-JP" dirty="0"/>
-                        <a:t>Num</a:t>
-                      </a:r>
-                      <a:endParaRPr kumimoji="1" lang="ja-JP" altLang="en-US" dirty="0"/>
-                    </a:p>
-                  </a:txBody>
-                  <a:tcPr/>
-                </a:tc>
-                <a:tc>
-                  <a:txBody>
-                    <a:bodyPr/>
-                    <a:lstStyle/>
-                    <a:p>
-                      <a:r>
-                        <a:rPr kumimoji="1" lang="en-US" altLang="ja-JP" dirty="0"/>
-                        <a:t>Id</a:t>
-                      </a:r>
-                      <a:endParaRPr kumimoji="1" lang="ja-JP" altLang="en-US" dirty="0"/>
-                    </a:p>
-                  </a:txBody>
-                  <a:tcPr/>
-                </a:tc>
-                <a:tc>
-                  <a:txBody>
-                    <a:bodyPr/>
-                    <a:lstStyle/>
-                    <a:p>
-                      <a:r>
-                        <a:rPr kumimoji="1" lang="en-US" altLang="ja-JP" dirty="0"/>
-                        <a:t>Title</a:t>
-                      </a:r>
-                      <a:endParaRPr kumimoji="1" lang="ja-JP" altLang="en-US" dirty="0"/>
-                    </a:p>
-                  </a:txBody>
-                  <a:tcPr/>
-                </a:tc>
-                <a:tc>
-                  <a:txBody>
-                    <a:bodyPr/>
-                    <a:lstStyle/>
-                    <a:p>
-                      <a:r>
-                        <a:rPr kumimoji="1" lang="en-US" altLang="ja-JP" dirty="0"/>
-                        <a:t>Date</a:t>
-                      </a:r>
-                      <a:endParaRPr kumimoji="1" lang="ja-JP" altLang="en-US" dirty="0"/>
-                    </a:p>
-                  </a:txBody>
-                  <a:tcPr/>
-                </a:tc>
-                <a:extLst>
-                  <a:ext uri="{0D108BD9-81ED-4DB2-BD59-A6C34878D82A}">
-                    <a16:rowId xmlns:a16="http://schemas.microsoft.com/office/drawing/2014/main" val="2895069857"/>
-                  </a:ext>
-                </a:extLst>
-              </a:tr>
-              <a:tr h="326173">
-                <a:tc>
-                  <a:txBody>
-                    <a:bodyPr/>
-                    <a:lstStyle/>
-                    <a:p>
-                      <a:r>
-                        <a:rPr kumimoji="1" lang="en-US" altLang="ja-JP" dirty="0"/>
-                        <a:t>6</a:t>
-                      </a:r>
-                      <a:endParaRPr kumimoji="1" lang="ja-JP" altLang="en-US" dirty="0"/>
-                    </a:p>
-                  </a:txBody>
-                  <a:tcPr/>
-                </a:tc>
-                <a:tc>
-                  <a:txBody>
-                    <a:bodyPr/>
-                    <a:lstStyle/>
-                    <a:p>
-                      <a:r>
-                        <a:rPr kumimoji="1" lang="en-US" altLang="ja-JP" dirty="0"/>
-                        <a:t>f123</a:t>
-                      </a:r>
-                      <a:endParaRPr kumimoji="1" lang="ja-JP" altLang="en-US" dirty="0"/>
-                    </a:p>
-                  </a:txBody>
-                  <a:tcPr/>
-                </a:tc>
-                <a:tc>
-                  <a:txBody>
-                    <a:bodyPr/>
-                    <a:lstStyle/>
-                    <a:p>
-                      <a:r>
-                        <a:rPr kumimoji="1" lang="en-US" altLang="ja-JP" dirty="0" err="1"/>
-                        <a:t>fff</a:t>
-                      </a:r>
-                      <a:endParaRPr kumimoji="1" lang="ja-JP" altLang="en-US" dirty="0"/>
-                    </a:p>
-                  </a:txBody>
-                  <a:tcPr/>
-                </a:tc>
-                <a:tc>
-                  <a:txBody>
-                    <a:bodyPr/>
-                    <a:lstStyle/>
-                    <a:p>
-                      <a:endParaRPr kumimoji="1" lang="ja-JP" altLang="en-US" dirty="0"/>
-                    </a:p>
-                  </a:txBody>
-                  <a:tcPr/>
-                </a:tc>
-                <a:extLst>
-                  <a:ext uri="{0D108BD9-81ED-4DB2-BD59-A6C34878D82A}">
-                    <a16:rowId xmlns:a16="http://schemas.microsoft.com/office/drawing/2014/main" val="4110542620"/>
-                  </a:ext>
-                </a:extLst>
-              </a:tr>
-              <a:tr h="326173">
-                <a:tc>
-                  <a:txBody>
-                    <a:bodyPr/>
-                    <a:lstStyle/>
-                    <a:p>
-                      <a:r>
-                        <a:rPr kumimoji="1" lang="en-US" altLang="ja-JP" dirty="0"/>
-                        <a:t>8</a:t>
-                      </a:r>
-                      <a:endParaRPr kumimoji="1" lang="ja-JP" altLang="en-US" dirty="0"/>
-                    </a:p>
-                  </a:txBody>
-                  <a:tcPr/>
-                </a:tc>
-                <a:tc>
-                  <a:txBody>
-                    <a:bodyPr/>
-                    <a:lstStyle/>
-                    <a:p>
-                      <a:r>
-                        <a:rPr kumimoji="1" lang="en-US" altLang="ja-JP" dirty="0"/>
-                        <a:t>h123</a:t>
-                      </a:r>
-                      <a:endParaRPr kumimoji="1" lang="ja-JP" altLang="en-US" dirty="0"/>
-                    </a:p>
-                  </a:txBody>
-                  <a:tcPr/>
-                </a:tc>
-                <a:tc>
-                  <a:txBody>
-                    <a:bodyPr/>
-                    <a:lstStyle/>
-                    <a:p>
-                      <a:r>
-                        <a:rPr kumimoji="1" lang="en-US" altLang="ja-JP" dirty="0" err="1"/>
-                        <a:t>hhh</a:t>
-                      </a:r>
-                      <a:endParaRPr kumimoji="1" lang="ja-JP" altLang="en-US" dirty="0"/>
-                    </a:p>
-                  </a:txBody>
-                  <a:tcPr/>
-                </a:tc>
-                <a:tc>
-                  <a:txBody>
-                    <a:bodyPr/>
-                    <a:lstStyle/>
-                    <a:p>
-                      <a:endParaRPr kumimoji="1" lang="ja-JP" altLang="en-US" dirty="0"/>
-                    </a:p>
-                  </a:txBody>
-                  <a:tcPr/>
-                </a:tc>
-                <a:extLst>
-                  <a:ext uri="{0D108BD9-81ED-4DB2-BD59-A6C34878D82A}">
-                    <a16:rowId xmlns:a16="http://schemas.microsoft.com/office/drawing/2014/main" val="3784222691"/>
-                  </a:ext>
-                </a:extLst>
-              </a:tr>
-            </a:tbl>
-          </a:graphicData>
-        </a:graphic>
-      </p:graphicFrame>
-      <p:graphicFrame>
-        <p:nvGraphicFramePr>
           <p:cNvPr id="11" name="表 11">
             <a:extLst>
               <a:ext uri="{FF2B5EF4-FFF2-40B4-BE49-F238E27FC236}">
@@ -5829,8 +5100,8 @@
         </p:nvSpPr>
         <p:spPr>
           <a:xfrm>
-            <a:off x="4121250" y="1124478"/>
-            <a:ext cx="2429532" cy="369332"/>
+            <a:off x="3652657" y="1139256"/>
+            <a:ext cx="3868653" cy="369332"/>
           </a:xfrm>
           <a:prstGeom prst="rect">
             <a:avLst/>
@@ -5850,6 +5121,10 @@
             <a:r>
               <a:rPr kumimoji="1" lang="en-US" altLang="ko-KR" dirty="0"/>
               <a:t>(</a:t>
+            </a:r>
+            <a:r>
+              <a:rPr kumimoji="1" lang="ko-KR" altLang="en-US" dirty="0"/>
+              <a:t>테이블을 </a:t>
             </a:r>
             <a:r>
               <a:rPr lang="en-US" altLang="ko-KR" dirty="0"/>
@@ -5901,7 +5176,7 @@
             </a:r>
             <a:r>
               <a:rPr lang="en-US" altLang="ko-KR" dirty="0"/>
-              <a:t>(1~5)</a:t>
+              <a:t>1(1~5)</a:t>
             </a:r>
             <a:endParaRPr kumimoji="1" lang="ja-JP" altLang="en-US" dirty="0"/>
           </a:p>
@@ -5941,7 +5216,7 @@
             </a:r>
             <a:r>
               <a:rPr lang="en-US" altLang="ko-KR" dirty="0"/>
-              <a:t>(6~9)</a:t>
+              <a:t>2(6~9)</a:t>
             </a:r>
             <a:endParaRPr kumimoji="1" lang="ja-JP" altLang="en-US" dirty="0"/>
           </a:p>
@@ -5981,7 +5256,7 @@
             </a:r>
             <a:r>
               <a:rPr kumimoji="1" lang="en-US" altLang="ko-KR" dirty="0"/>
-              <a:t>(</a:t>
+              <a:t>1(</a:t>
             </a:r>
             <a:r>
               <a:rPr lang="en-US" altLang="ko-KR" dirty="0"/>
@@ -6029,7 +5304,7 @@
             </a:r>
             <a:r>
               <a:rPr kumimoji="1" lang="en-US" altLang="ko-KR" dirty="0"/>
-              <a:t>(</a:t>
+              <a:t>2(</a:t>
             </a:r>
             <a:r>
               <a:rPr lang="en-US" altLang="ko-KR" dirty="0"/>
@@ -6077,7 +5352,7 @@
             </a:r>
             <a:r>
               <a:rPr kumimoji="1" lang="en-US" altLang="ko-KR" dirty="0"/>
-              <a:t>(</a:t>
+              <a:t>3(</a:t>
             </a:r>
             <a:r>
               <a:rPr lang="en-US" altLang="ko-KR" dirty="0"/>
@@ -6125,7 +5400,7 @@
             </a:r>
             <a:r>
               <a:rPr kumimoji="1" lang="en-US" altLang="ko-KR" dirty="0"/>
-              <a:t>(</a:t>
+              <a:t>4(</a:t>
             </a:r>
             <a:r>
               <a:rPr lang="en-US" altLang="ko-KR" dirty="0"/>
@@ -6802,6 +6077,591 @@
           </a:graphicData>
         </a:graphic>
       </p:graphicFrame>
+      <p:sp>
+        <p:nvSpPr>
+          <p:cNvPr id="27" name="テキスト ボックス 26">
+            <a:extLst>
+              <a:ext uri="{FF2B5EF4-FFF2-40B4-BE49-F238E27FC236}">
+                <a16:creationId xmlns:a16="http://schemas.microsoft.com/office/drawing/2014/main" id="{366223E3-8DA5-4A3B-B1C6-E926E5063E88}"/>
+              </a:ext>
+            </a:extLst>
+          </p:cNvPr>
+          <p:cNvSpPr txBox="1"/>
+          <p:nvPr/>
+        </p:nvSpPr>
+        <p:spPr>
+          <a:xfrm>
+            <a:off x="149923" y="507592"/>
+            <a:ext cx="5248656" cy="369332"/>
+          </a:xfrm>
+          <a:prstGeom prst="rect">
+            <a:avLst/>
+          </a:prstGeom>
+          <a:noFill/>
+        </p:spPr>
+        <p:txBody>
+          <a:bodyPr wrap="square" rtlCol="0">
+            <a:spAutoFit/>
+          </a:bodyPr>
+          <a:lstStyle/>
+          <a:p>
+            <a:r>
+              <a:rPr lang="ko-KR" altLang="en-US" dirty="0" err="1"/>
+              <a:t>리프노드에</a:t>
+            </a:r>
+            <a:r>
+              <a:rPr lang="ko-KR" altLang="en-US" dirty="0"/>
+              <a:t> 컬럼</a:t>
+            </a:r>
+            <a:r>
+              <a:rPr lang="en-US" altLang="ko-KR" dirty="0"/>
+              <a:t>(</a:t>
+            </a:r>
+            <a:r>
+              <a:rPr lang="ko-KR" altLang="en-US" dirty="0"/>
+              <a:t>데이터</a:t>
+            </a:r>
+            <a:r>
+              <a:rPr lang="en-US" altLang="ko-KR" dirty="0"/>
+              <a:t>)</a:t>
+            </a:r>
+            <a:r>
+              <a:rPr lang="ko-KR" altLang="en-US" dirty="0"/>
+              <a:t>이 존재함</a:t>
+            </a:r>
+            <a:endParaRPr kumimoji="1" lang="ja-JP" altLang="en-US" dirty="0"/>
+          </a:p>
+        </p:txBody>
+      </p:sp>
+      <p:graphicFrame>
+        <p:nvGraphicFramePr>
+          <p:cNvPr id="29" name="表 2">
+            <a:extLst>
+              <a:ext uri="{FF2B5EF4-FFF2-40B4-BE49-F238E27FC236}">
+                <a16:creationId xmlns:a16="http://schemas.microsoft.com/office/drawing/2014/main" id="{A009F9CF-4080-47FE-830E-D8EFE9992D58}"/>
+              </a:ext>
+            </a:extLst>
+          </p:cNvPr>
+          <p:cNvGraphicFramePr>
+            <a:graphicFrameLocks noGrp="1"/>
+          </p:cNvGraphicFramePr>
+          <p:nvPr>
+            <p:extLst>
+              <p:ext uri="{D42A27DB-BD31-4B8C-83A1-F6EECF244321}">
+                <p14:modId xmlns:p14="http://schemas.microsoft.com/office/powerpoint/2010/main" val="1931374584"/>
+              </p:ext>
+            </p:extLst>
+          </p:nvPr>
+        </p:nvGraphicFramePr>
+        <p:xfrm>
+          <a:off x="3955943" y="1562362"/>
+          <a:ext cx="2574182" cy="1112520"/>
+        </p:xfrm>
+        <a:graphic>
+          <a:graphicData uri="http://schemas.openxmlformats.org/drawingml/2006/table">
+            <a:tbl>
+              <a:tblPr firstRow="1" bandRow="1">
+                <a:tableStyleId>{5C22544A-7EE6-4342-B048-85BDC9FD1C3A}</a:tableStyleId>
+              </a:tblPr>
+              <a:tblGrid>
+                <a:gridCol w="1287091">
+                  <a:extLst>
+                    <a:ext uri="{9D8B030D-6E8A-4147-A177-3AD203B41FA5}">
+                      <a16:colId xmlns:a16="http://schemas.microsoft.com/office/drawing/2014/main" val="2953077834"/>
+                    </a:ext>
+                  </a:extLst>
+                </a:gridCol>
+                <a:gridCol w="1287091">
+                  <a:extLst>
+                    <a:ext uri="{9D8B030D-6E8A-4147-A177-3AD203B41FA5}">
+                      <a16:colId xmlns:a16="http://schemas.microsoft.com/office/drawing/2014/main" val="1424621374"/>
+                    </a:ext>
+                  </a:extLst>
+                </a:gridCol>
+              </a:tblGrid>
+              <a:tr h="370840">
+                <a:tc>
+                  <a:txBody>
+                    <a:bodyPr/>
+                    <a:lstStyle/>
+                    <a:p>
+                      <a:r>
+                        <a:rPr kumimoji="1" lang="en-US" altLang="ja-JP" dirty="0"/>
+                        <a:t>Num</a:t>
+                      </a:r>
+                      <a:endParaRPr kumimoji="1" lang="ja-JP" altLang="en-US" dirty="0"/>
+                    </a:p>
+                  </a:txBody>
+                  <a:tcPr/>
+                </a:tc>
+                <a:tc>
+                  <a:txBody>
+                    <a:bodyPr/>
+                    <a:lstStyle/>
+                    <a:p>
+                      <a:r>
+                        <a:rPr kumimoji="1" lang="ko-KR" altLang="en-US" dirty="0"/>
+                        <a:t>주소</a:t>
+                      </a:r>
+                      <a:endParaRPr kumimoji="1" lang="ja-JP" altLang="en-US" dirty="0"/>
+                    </a:p>
+                  </a:txBody>
+                  <a:tcPr/>
+                </a:tc>
+                <a:extLst>
+                  <a:ext uri="{0D108BD9-81ED-4DB2-BD59-A6C34878D82A}">
+                    <a16:rowId xmlns:a16="http://schemas.microsoft.com/office/drawing/2014/main" val="4134553298"/>
+                  </a:ext>
+                </a:extLst>
+              </a:tr>
+              <a:tr h="370840">
+                <a:tc>
+                  <a:txBody>
+                    <a:bodyPr/>
+                    <a:lstStyle/>
+                    <a:p>
+                      <a:r>
+                        <a:rPr kumimoji="1" lang="en-US" altLang="ja-JP" dirty="0"/>
+                        <a:t>1</a:t>
+                      </a:r>
+                      <a:endParaRPr kumimoji="1" lang="ja-JP" altLang="en-US" dirty="0"/>
+                    </a:p>
+                  </a:txBody>
+                  <a:tcPr/>
+                </a:tc>
+                <a:tc>
+                  <a:txBody>
+                    <a:bodyPr/>
+                    <a:lstStyle/>
+                    <a:p>
+                      <a:r>
+                        <a:rPr kumimoji="1" lang="ko-KR" altLang="en-US" dirty="0"/>
+                        <a:t>중간</a:t>
+                      </a:r>
+                      <a:r>
+                        <a:rPr kumimoji="1" lang="en-US" altLang="ko-KR" dirty="0"/>
+                        <a:t>1</a:t>
+                      </a:r>
+                      <a:endParaRPr kumimoji="1" lang="ja-JP" altLang="en-US" dirty="0"/>
+                    </a:p>
+                  </a:txBody>
+                  <a:tcPr/>
+                </a:tc>
+                <a:extLst>
+                  <a:ext uri="{0D108BD9-81ED-4DB2-BD59-A6C34878D82A}">
+                    <a16:rowId xmlns:a16="http://schemas.microsoft.com/office/drawing/2014/main" val="1845512106"/>
+                  </a:ext>
+                </a:extLst>
+              </a:tr>
+              <a:tr h="370840">
+                <a:tc>
+                  <a:txBody>
+                    <a:bodyPr/>
+                    <a:lstStyle/>
+                    <a:p>
+                      <a:r>
+                        <a:rPr kumimoji="1" lang="en-US" altLang="ja-JP" dirty="0"/>
+                        <a:t>6</a:t>
+                      </a:r>
+                      <a:endParaRPr kumimoji="1" lang="ja-JP" altLang="en-US" dirty="0"/>
+                    </a:p>
+                  </a:txBody>
+                  <a:tcPr/>
+                </a:tc>
+                <a:tc>
+                  <a:txBody>
+                    <a:bodyPr/>
+                    <a:lstStyle/>
+                    <a:p>
+                      <a:r>
+                        <a:rPr kumimoji="1" lang="ko-KR" altLang="en-US" dirty="0"/>
+                        <a:t>중간</a:t>
+                      </a:r>
+                      <a:r>
+                        <a:rPr kumimoji="1" lang="en-US" altLang="ko-KR" dirty="0"/>
+                        <a:t>2</a:t>
+                      </a:r>
+                      <a:endParaRPr kumimoji="1" lang="ja-JP" altLang="en-US" dirty="0"/>
+                    </a:p>
+                  </a:txBody>
+                  <a:tcPr/>
+                </a:tc>
+                <a:extLst>
+                  <a:ext uri="{0D108BD9-81ED-4DB2-BD59-A6C34878D82A}">
+                    <a16:rowId xmlns:a16="http://schemas.microsoft.com/office/drawing/2014/main" val="3692975475"/>
+                  </a:ext>
+                </a:extLst>
+              </a:tr>
+            </a:tbl>
+          </a:graphicData>
+        </a:graphic>
+      </p:graphicFrame>
+      <p:graphicFrame>
+        <p:nvGraphicFramePr>
+          <p:cNvPr id="30" name="表 2">
+            <a:extLst>
+              <a:ext uri="{FF2B5EF4-FFF2-40B4-BE49-F238E27FC236}">
+                <a16:creationId xmlns:a16="http://schemas.microsoft.com/office/drawing/2014/main" id="{37027414-CEFD-48D4-8FFD-FB4FE2A19BF1}"/>
+              </a:ext>
+            </a:extLst>
+          </p:cNvPr>
+          <p:cNvGraphicFramePr>
+            <a:graphicFrameLocks noGrp="1"/>
+          </p:cNvGraphicFramePr>
+          <p:nvPr>
+            <p:extLst>
+              <p:ext uri="{D42A27DB-BD31-4B8C-83A1-F6EECF244321}">
+                <p14:modId xmlns:p14="http://schemas.microsoft.com/office/powerpoint/2010/main" val="147115986"/>
+              </p:ext>
+            </p:extLst>
+          </p:nvPr>
+        </p:nvGraphicFramePr>
+        <p:xfrm>
+          <a:off x="1913153" y="3341833"/>
+          <a:ext cx="2574182" cy="1112520"/>
+        </p:xfrm>
+        <a:graphic>
+          <a:graphicData uri="http://schemas.openxmlformats.org/drawingml/2006/table">
+            <a:tbl>
+              <a:tblPr firstRow="1" bandRow="1">
+                <a:tableStyleId>{5C22544A-7EE6-4342-B048-85BDC9FD1C3A}</a:tableStyleId>
+              </a:tblPr>
+              <a:tblGrid>
+                <a:gridCol w="1287091">
+                  <a:extLst>
+                    <a:ext uri="{9D8B030D-6E8A-4147-A177-3AD203B41FA5}">
+                      <a16:colId xmlns:a16="http://schemas.microsoft.com/office/drawing/2014/main" val="2953077834"/>
+                    </a:ext>
+                  </a:extLst>
+                </a:gridCol>
+                <a:gridCol w="1287091">
+                  <a:extLst>
+                    <a:ext uri="{9D8B030D-6E8A-4147-A177-3AD203B41FA5}">
+                      <a16:colId xmlns:a16="http://schemas.microsoft.com/office/drawing/2014/main" val="1424621374"/>
+                    </a:ext>
+                  </a:extLst>
+                </a:gridCol>
+              </a:tblGrid>
+              <a:tr h="370840">
+                <a:tc>
+                  <a:txBody>
+                    <a:bodyPr/>
+                    <a:lstStyle/>
+                    <a:p>
+                      <a:r>
+                        <a:rPr kumimoji="1" lang="en-US" altLang="ja-JP" dirty="0"/>
+                        <a:t>Num</a:t>
+                      </a:r>
+                      <a:endParaRPr kumimoji="1" lang="ja-JP" altLang="en-US" dirty="0"/>
+                    </a:p>
+                  </a:txBody>
+                  <a:tcPr/>
+                </a:tc>
+                <a:tc>
+                  <a:txBody>
+                    <a:bodyPr/>
+                    <a:lstStyle/>
+                    <a:p>
+                      <a:r>
+                        <a:rPr kumimoji="1" lang="ko-KR" altLang="en-US" dirty="0"/>
+                        <a:t>주소</a:t>
+                      </a:r>
+                      <a:endParaRPr kumimoji="1" lang="ja-JP" altLang="en-US" dirty="0"/>
+                    </a:p>
+                  </a:txBody>
+                  <a:tcPr/>
+                </a:tc>
+                <a:extLst>
+                  <a:ext uri="{0D108BD9-81ED-4DB2-BD59-A6C34878D82A}">
+                    <a16:rowId xmlns:a16="http://schemas.microsoft.com/office/drawing/2014/main" val="4134553298"/>
+                  </a:ext>
+                </a:extLst>
+              </a:tr>
+              <a:tr h="370840">
+                <a:tc>
+                  <a:txBody>
+                    <a:bodyPr/>
+                    <a:lstStyle/>
+                    <a:p>
+                      <a:r>
+                        <a:rPr kumimoji="1" lang="en-US" altLang="ja-JP" dirty="0"/>
+                        <a:t>1</a:t>
+                      </a:r>
+                      <a:endParaRPr kumimoji="1" lang="ja-JP" altLang="en-US" dirty="0"/>
+                    </a:p>
+                  </a:txBody>
+                  <a:tcPr/>
+                </a:tc>
+                <a:tc>
+                  <a:txBody>
+                    <a:bodyPr/>
+                    <a:lstStyle/>
+                    <a:p>
+                      <a:r>
+                        <a:rPr kumimoji="1" lang="ko-KR" altLang="en-US" dirty="0"/>
+                        <a:t>리프</a:t>
+                      </a:r>
+                      <a:r>
+                        <a:rPr kumimoji="1" lang="en-US" altLang="ko-KR" dirty="0"/>
+                        <a:t>1</a:t>
+                      </a:r>
+                      <a:endParaRPr kumimoji="1" lang="ja-JP" altLang="en-US" dirty="0"/>
+                    </a:p>
+                  </a:txBody>
+                  <a:tcPr/>
+                </a:tc>
+                <a:extLst>
+                  <a:ext uri="{0D108BD9-81ED-4DB2-BD59-A6C34878D82A}">
+                    <a16:rowId xmlns:a16="http://schemas.microsoft.com/office/drawing/2014/main" val="1845512106"/>
+                  </a:ext>
+                </a:extLst>
+              </a:tr>
+              <a:tr h="370840">
+                <a:tc>
+                  <a:txBody>
+                    <a:bodyPr/>
+                    <a:lstStyle/>
+                    <a:p>
+                      <a:r>
+                        <a:rPr kumimoji="1" lang="en-US" altLang="ja-JP" dirty="0"/>
+                        <a:t>4</a:t>
+                      </a:r>
+                      <a:endParaRPr kumimoji="1" lang="ja-JP" altLang="en-US" dirty="0"/>
+                    </a:p>
+                  </a:txBody>
+                  <a:tcPr/>
+                </a:tc>
+                <a:tc>
+                  <a:txBody>
+                    <a:bodyPr/>
+                    <a:lstStyle/>
+                    <a:p>
+                      <a:r>
+                        <a:rPr kumimoji="1" lang="ko-KR" altLang="en-US" dirty="0"/>
+                        <a:t>리프</a:t>
+                      </a:r>
+                      <a:r>
+                        <a:rPr kumimoji="1" lang="en-US" altLang="ko-KR" dirty="0"/>
+                        <a:t>2</a:t>
+                      </a:r>
+                      <a:endParaRPr kumimoji="1" lang="ja-JP" altLang="en-US" dirty="0"/>
+                    </a:p>
+                  </a:txBody>
+                  <a:tcPr/>
+                </a:tc>
+                <a:extLst>
+                  <a:ext uri="{0D108BD9-81ED-4DB2-BD59-A6C34878D82A}">
+                    <a16:rowId xmlns:a16="http://schemas.microsoft.com/office/drawing/2014/main" val="3692975475"/>
+                  </a:ext>
+                </a:extLst>
+              </a:tr>
+            </a:tbl>
+          </a:graphicData>
+        </a:graphic>
+      </p:graphicFrame>
+      <p:graphicFrame>
+        <p:nvGraphicFramePr>
+          <p:cNvPr id="31" name="表 2">
+            <a:extLst>
+              <a:ext uri="{FF2B5EF4-FFF2-40B4-BE49-F238E27FC236}">
+                <a16:creationId xmlns:a16="http://schemas.microsoft.com/office/drawing/2014/main" id="{EDD529DC-C2C8-487B-A0A1-1CB0462D00CC}"/>
+              </a:ext>
+            </a:extLst>
+          </p:cNvPr>
+          <p:cNvGraphicFramePr>
+            <a:graphicFrameLocks noGrp="1"/>
+          </p:cNvGraphicFramePr>
+          <p:nvPr>
+            <p:extLst>
+              <p:ext uri="{D42A27DB-BD31-4B8C-83A1-F6EECF244321}">
+                <p14:modId xmlns:p14="http://schemas.microsoft.com/office/powerpoint/2010/main" val="2765200035"/>
+              </p:ext>
+            </p:extLst>
+          </p:nvPr>
+        </p:nvGraphicFramePr>
+        <p:xfrm>
+          <a:off x="5586984" y="3326141"/>
+          <a:ext cx="2574182" cy="1112520"/>
+        </p:xfrm>
+        <a:graphic>
+          <a:graphicData uri="http://schemas.openxmlformats.org/drawingml/2006/table">
+            <a:tbl>
+              <a:tblPr firstRow="1" bandRow="1">
+                <a:tableStyleId>{5C22544A-7EE6-4342-B048-85BDC9FD1C3A}</a:tableStyleId>
+              </a:tblPr>
+              <a:tblGrid>
+                <a:gridCol w="1287091">
+                  <a:extLst>
+                    <a:ext uri="{9D8B030D-6E8A-4147-A177-3AD203B41FA5}">
+                      <a16:colId xmlns:a16="http://schemas.microsoft.com/office/drawing/2014/main" val="2953077834"/>
+                    </a:ext>
+                  </a:extLst>
+                </a:gridCol>
+                <a:gridCol w="1287091">
+                  <a:extLst>
+                    <a:ext uri="{9D8B030D-6E8A-4147-A177-3AD203B41FA5}">
+                      <a16:colId xmlns:a16="http://schemas.microsoft.com/office/drawing/2014/main" val="1424621374"/>
+                    </a:ext>
+                  </a:extLst>
+                </a:gridCol>
+              </a:tblGrid>
+              <a:tr h="370840">
+                <a:tc>
+                  <a:txBody>
+                    <a:bodyPr/>
+                    <a:lstStyle/>
+                    <a:p>
+                      <a:r>
+                        <a:rPr kumimoji="1" lang="en-US" altLang="ja-JP" dirty="0"/>
+                        <a:t>Num</a:t>
+                      </a:r>
+                      <a:endParaRPr kumimoji="1" lang="ja-JP" altLang="en-US" dirty="0"/>
+                    </a:p>
+                  </a:txBody>
+                  <a:tcPr/>
+                </a:tc>
+                <a:tc>
+                  <a:txBody>
+                    <a:bodyPr/>
+                    <a:lstStyle/>
+                    <a:p>
+                      <a:r>
+                        <a:rPr kumimoji="1" lang="ko-KR" altLang="en-US" dirty="0"/>
+                        <a:t>주소</a:t>
+                      </a:r>
+                      <a:endParaRPr kumimoji="1" lang="ja-JP" altLang="en-US" dirty="0"/>
+                    </a:p>
+                  </a:txBody>
+                  <a:tcPr/>
+                </a:tc>
+                <a:extLst>
+                  <a:ext uri="{0D108BD9-81ED-4DB2-BD59-A6C34878D82A}">
+                    <a16:rowId xmlns:a16="http://schemas.microsoft.com/office/drawing/2014/main" val="4134553298"/>
+                  </a:ext>
+                </a:extLst>
+              </a:tr>
+              <a:tr h="370840">
+                <a:tc>
+                  <a:txBody>
+                    <a:bodyPr/>
+                    <a:lstStyle/>
+                    <a:p>
+                      <a:r>
+                        <a:rPr kumimoji="1" lang="en-US" altLang="ja-JP" dirty="0"/>
+                        <a:t>6</a:t>
+                      </a:r>
+                      <a:endParaRPr kumimoji="1" lang="ja-JP" altLang="en-US" dirty="0"/>
+                    </a:p>
+                  </a:txBody>
+                  <a:tcPr/>
+                </a:tc>
+                <a:tc>
+                  <a:txBody>
+                    <a:bodyPr/>
+                    <a:lstStyle/>
+                    <a:p>
+                      <a:r>
+                        <a:rPr kumimoji="1" lang="ko-KR" altLang="en-US" dirty="0"/>
+                        <a:t>리프</a:t>
+                      </a:r>
+                      <a:r>
+                        <a:rPr kumimoji="1" lang="en-US" altLang="ko-KR" dirty="0"/>
+                        <a:t>3</a:t>
+                      </a:r>
+                      <a:endParaRPr kumimoji="1" lang="ja-JP" altLang="en-US" dirty="0"/>
+                    </a:p>
+                  </a:txBody>
+                  <a:tcPr/>
+                </a:tc>
+                <a:extLst>
+                  <a:ext uri="{0D108BD9-81ED-4DB2-BD59-A6C34878D82A}">
+                    <a16:rowId xmlns:a16="http://schemas.microsoft.com/office/drawing/2014/main" val="1845512106"/>
+                  </a:ext>
+                </a:extLst>
+              </a:tr>
+              <a:tr h="370840">
+                <a:tc>
+                  <a:txBody>
+                    <a:bodyPr/>
+                    <a:lstStyle/>
+                    <a:p>
+                      <a:r>
+                        <a:rPr kumimoji="1" lang="en-US" altLang="ja-JP" dirty="0"/>
+                        <a:t>8</a:t>
+                      </a:r>
+                      <a:endParaRPr kumimoji="1" lang="ja-JP" altLang="en-US" dirty="0"/>
+                    </a:p>
+                  </a:txBody>
+                  <a:tcPr/>
+                </a:tc>
+                <a:tc>
+                  <a:txBody>
+                    <a:bodyPr/>
+                    <a:lstStyle/>
+                    <a:p>
+                      <a:r>
+                        <a:rPr kumimoji="1" lang="ko-KR" altLang="en-US" dirty="0"/>
+                        <a:t>리프</a:t>
+                      </a:r>
+                      <a:r>
+                        <a:rPr kumimoji="1" lang="en-US" altLang="ko-KR" dirty="0"/>
+                        <a:t>4</a:t>
+                      </a:r>
+                      <a:endParaRPr kumimoji="1" lang="ja-JP" altLang="en-US" dirty="0"/>
+                    </a:p>
+                  </a:txBody>
+                  <a:tcPr/>
+                </a:tc>
+                <a:extLst>
+                  <a:ext uri="{0D108BD9-81ED-4DB2-BD59-A6C34878D82A}">
+                    <a16:rowId xmlns:a16="http://schemas.microsoft.com/office/drawing/2014/main" val="3692975475"/>
+                  </a:ext>
+                </a:extLst>
+              </a:tr>
+            </a:tbl>
+          </a:graphicData>
+        </a:graphic>
+      </p:graphicFrame>
+      <p:sp>
+        <p:nvSpPr>
+          <p:cNvPr id="33" name="テキスト ボックス 32">
+            <a:extLst>
+              <a:ext uri="{FF2B5EF4-FFF2-40B4-BE49-F238E27FC236}">
+                <a16:creationId xmlns:a16="http://schemas.microsoft.com/office/drawing/2014/main" id="{E419F1F8-DEA1-4B3D-9727-FE4BCC0CF910}"/>
+              </a:ext>
+            </a:extLst>
+          </p:cNvPr>
+          <p:cNvSpPr txBox="1"/>
+          <p:nvPr/>
+        </p:nvSpPr>
+        <p:spPr>
+          <a:xfrm>
+            <a:off x="-106616" y="3603968"/>
+            <a:ext cx="2132340" cy="369332"/>
+          </a:xfrm>
+          <a:prstGeom prst="rect">
+            <a:avLst/>
+          </a:prstGeom>
+          <a:noFill/>
+        </p:spPr>
+        <p:txBody>
+          <a:bodyPr wrap="square" rtlCol="0">
+            <a:spAutoFit/>
+          </a:bodyPr>
+          <a:lstStyle/>
+          <a:p>
+            <a:r>
+              <a:rPr lang="en-US" altLang="ko-KR" dirty="0"/>
+              <a:t>1~5</a:t>
+            </a:r>
+            <a:r>
+              <a:rPr lang="ko-KR" altLang="en-US" dirty="0"/>
+              <a:t>를 반으로 쪼갬</a:t>
+            </a:r>
+            <a:endParaRPr kumimoji="1" lang="ja-JP" altLang="en-US" dirty="0"/>
+          </a:p>
+        </p:txBody>
+      </p:sp>
     </p:spTree>
     <p:extLst>
       <p:ext uri="{BB962C8B-B14F-4D97-AF65-F5344CB8AC3E}">
@@ -6847,7 +6707,7 @@
           <p:nvPr>
             <p:extLst>
               <p:ext uri="{D42A27DB-BD31-4B8C-83A1-F6EECF244321}">
-                <p14:modId xmlns:p14="http://schemas.microsoft.com/office/powerpoint/2010/main" val="2326871104"/>
+                <p14:modId xmlns:p14="http://schemas.microsoft.com/office/powerpoint/2010/main" val="904773232"/>
               </p:ext>
             </p:extLst>
           </p:nvPr>
@@ -6941,8 +6801,8 @@
                     <a:lstStyle/>
                     <a:p>
                       <a:r>
-                        <a:rPr kumimoji="1" lang="en-US" altLang="ja-JP" dirty="0"/>
-                        <a:t>RID</a:t>
+                        <a:rPr kumimoji="1" lang="ko-KR" altLang="en-US" dirty="0"/>
+                        <a:t>주소</a:t>
                       </a:r>
                       <a:endParaRPr kumimoji="1" lang="ja-JP" altLang="en-US" dirty="0"/>
                     </a:p>
@@ -7608,7 +7468,7 @@
             </a:r>
             <a:r>
               <a:rPr lang="en-US" altLang="ko-KR" dirty="0"/>
-              <a:t>(1~5)</a:t>
+              <a:t>1(1~5)</a:t>
             </a:r>
             <a:endParaRPr kumimoji="1" lang="ja-JP" altLang="en-US" dirty="0"/>
           </a:p>
@@ -7648,7 +7508,7 @@
             </a:r>
             <a:r>
               <a:rPr lang="en-US" altLang="ko-KR" dirty="0"/>
-              <a:t>(6~9)</a:t>
+              <a:t>2(6~9)</a:t>
             </a:r>
             <a:endParaRPr kumimoji="1" lang="ja-JP" altLang="en-US" dirty="0"/>
           </a:p>
@@ -7688,7 +7548,7 @@
             </a:r>
             <a:r>
               <a:rPr kumimoji="1" lang="en-US" altLang="ko-KR" dirty="0"/>
-              <a:t>(</a:t>
+              <a:t>1(</a:t>
             </a:r>
             <a:r>
               <a:rPr lang="en-US" altLang="ko-KR" dirty="0"/>
@@ -7736,7 +7596,7 @@
             </a:r>
             <a:r>
               <a:rPr kumimoji="1" lang="en-US" altLang="ko-KR" dirty="0"/>
-              <a:t>(</a:t>
+              <a:t>2(</a:t>
             </a:r>
             <a:r>
               <a:rPr lang="en-US" altLang="ko-KR" dirty="0"/>
@@ -7784,7 +7644,7 @@
             </a:r>
             <a:r>
               <a:rPr kumimoji="1" lang="en-US" altLang="ko-KR" dirty="0"/>
-              <a:t>(</a:t>
+              <a:t>3(</a:t>
             </a:r>
             <a:r>
               <a:rPr lang="en-US" altLang="ko-KR" dirty="0"/>
@@ -7832,7 +7692,7 @@
             </a:r>
             <a:r>
               <a:rPr kumimoji="1" lang="en-US" altLang="ko-KR" dirty="0"/>
-              <a:t>(</a:t>
+              <a:t>4(</a:t>
             </a:r>
             <a:r>
               <a:rPr lang="en-US" altLang="ko-KR" dirty="0"/>
@@ -8096,8 +7956,8 @@
         </p:nvSpPr>
         <p:spPr>
           <a:xfrm>
-            <a:off x="9409031" y="70140"/>
-            <a:ext cx="2132340" cy="646331"/>
+            <a:off x="9977630" y="240114"/>
+            <a:ext cx="2132340" cy="369332"/>
           </a:xfrm>
           <a:prstGeom prst="rect">
             <a:avLst/>
@@ -8111,34 +7971,12 @@
           <a:lstStyle/>
           <a:p>
             <a:r>
-              <a:rPr kumimoji="1" lang="ko-KR" altLang="en-US" dirty="0"/>
-              <a:t>테이블</a:t>
-            </a:r>
-            <a:r>
-              <a:rPr kumimoji="1" lang="en-US" altLang="ko-KR" dirty="0"/>
-              <a:t>(</a:t>
-            </a:r>
-            <a:r>
-              <a:rPr kumimoji="1" lang="ko-KR" altLang="en-US" dirty="0"/>
-              <a:t>오름차순</a:t>
-            </a:r>
-            <a:r>
-              <a:rPr kumimoji="1" lang="en-US" altLang="ko-KR" dirty="0"/>
-              <a:t>)</a:t>
-            </a:r>
-          </a:p>
-          <a:p>
-            <a:r>
-              <a:rPr kumimoji="1" lang="en-US" altLang="ja-JP" dirty="0"/>
-              <a:t>Num</a:t>
-            </a:r>
-            <a:r>
-              <a:rPr kumimoji="1" lang="ko-KR" altLang="en-US" dirty="0"/>
-              <a:t>이 </a:t>
-            </a:r>
-            <a:r>
-              <a:rPr kumimoji="1" lang="ko-KR" altLang="en-US" dirty="0" err="1"/>
-              <a:t>기본키</a:t>
+              <a:rPr lang="ko-KR" altLang="en-US" dirty="0"/>
+              <a:t> 테이블</a:t>
+            </a:r>
+            <a:r>
+              <a:rPr lang="en-US" altLang="ko-KR" dirty="0"/>
+              <a:t>1</a:t>
             </a:r>
             <a:endParaRPr kumimoji="1" lang="ja-JP" altLang="en-US" dirty="0"/>
           </a:p>
@@ -8158,8 +7996,8 @@
         </p:nvSpPr>
         <p:spPr>
           <a:xfrm>
-            <a:off x="155448" y="117208"/>
-            <a:ext cx="3044796" cy="369332"/>
+            <a:off x="215917" y="124690"/>
+            <a:ext cx="7188059" cy="369332"/>
           </a:xfrm>
           <a:prstGeom prst="rect">
             <a:avLst/>
@@ -8183,6 +8021,22 @@
             <a:r>
               <a:rPr lang="ko-KR" altLang="en-US" dirty="0"/>
               <a:t> 인덱스 구조</a:t>
+            </a:r>
+            <a:r>
+              <a:rPr lang="en-US" altLang="ko-KR" dirty="0"/>
+              <a:t>(</a:t>
+            </a:r>
+            <a:r>
+              <a:rPr lang="ko-KR" altLang="en-US" dirty="0" err="1"/>
+              <a:t>클러스터드</a:t>
+            </a:r>
+            <a:r>
+              <a:rPr lang="ko-KR" altLang="en-US" dirty="0"/>
+              <a:t> 인덱스와 동시에 존재할 경우</a:t>
+            </a:r>
+            <a:r>
+              <a:rPr lang="en-US" altLang="ko-KR" dirty="0"/>
+              <a:t>)</a:t>
             </a:r>
             <a:endParaRPr kumimoji="1" lang="ja-JP" altLang="en-US" dirty="0"/>
           </a:p>
@@ -8283,7 +8137,7 @@
           <p:nvPr>
             <p:extLst>
               <p:ext uri="{D42A27DB-BD31-4B8C-83A1-F6EECF244321}">
-                <p14:modId xmlns:p14="http://schemas.microsoft.com/office/powerpoint/2010/main" val="1022419160"/>
+                <p14:modId xmlns:p14="http://schemas.microsoft.com/office/powerpoint/2010/main" val="3141851340"/>
               </p:ext>
             </p:extLst>
           </p:nvPr>
@@ -8335,8 +8189,8 @@
                     <a:lstStyle/>
                     <a:p>
                       <a:r>
-                        <a:rPr kumimoji="1" lang="en-US" altLang="ja-JP" dirty="0"/>
-                        <a:t>RID</a:t>
+                        <a:rPr kumimoji="1" lang="ko-KR" altLang="en-US" dirty="0"/>
+                        <a:t>주소</a:t>
                       </a:r>
                       <a:endParaRPr kumimoji="1" lang="ja-JP" altLang="en-US" dirty="0"/>
                     </a:p>
@@ -8370,8 +8224,12 @@
                     <a:lstStyle/>
                     <a:p>
                       <a:r>
-                        <a:rPr kumimoji="1" lang="en-US" altLang="ja-JP" dirty="0"/>
-                        <a:t>0x01</a:t>
+                        <a:rPr kumimoji="1" lang="ko-KR" altLang="en-US" dirty="0"/>
+                        <a:t>중간</a:t>
+                      </a:r>
+                      <a:r>
+                        <a:rPr kumimoji="1" lang="en-US" altLang="ko-KR" dirty="0"/>
+                        <a:t>1</a:t>
                       </a:r>
                       <a:endParaRPr kumimoji="1" lang="ja-JP" altLang="en-US" dirty="0"/>
                     </a:p>
@@ -8405,8 +8263,12 @@
                     <a:lstStyle/>
                     <a:p>
                       <a:r>
-                        <a:rPr kumimoji="1" lang="en-US" altLang="ja-JP" dirty="0"/>
-                        <a:t>0x06</a:t>
+                        <a:rPr kumimoji="1" lang="ko-KR" altLang="en-US" dirty="0"/>
+                        <a:t>중간</a:t>
+                      </a:r>
+                      <a:r>
+                        <a:rPr kumimoji="1" lang="en-US" altLang="ko-KR" dirty="0"/>
+                        <a:t>2</a:t>
                       </a:r>
                       <a:endParaRPr kumimoji="1" lang="ja-JP" altLang="en-US" dirty="0"/>
                     </a:p>
@@ -8438,7 +8300,7 @@
           <p:nvPr>
             <p:extLst>
               <p:ext uri="{D42A27DB-BD31-4B8C-83A1-F6EECF244321}">
-                <p14:modId xmlns:p14="http://schemas.microsoft.com/office/powerpoint/2010/main" val="2439927532"/>
+                <p14:modId xmlns:p14="http://schemas.microsoft.com/office/powerpoint/2010/main" val="1694326432"/>
               </p:ext>
             </p:extLst>
           </p:nvPr>
@@ -8490,8 +8352,8 @@
                     <a:lstStyle/>
                     <a:p>
                       <a:r>
-                        <a:rPr kumimoji="1" lang="en-US" altLang="ja-JP" dirty="0"/>
-                        <a:t>RID</a:t>
+                        <a:rPr kumimoji="1" lang="ko-KR" altLang="en-US" dirty="0"/>
+                        <a:t>주소</a:t>
                       </a:r>
                       <a:endParaRPr kumimoji="1" lang="ja-JP" altLang="en-US" dirty="0"/>
                     </a:p>
@@ -8525,8 +8387,12 @@
                     <a:lstStyle/>
                     <a:p>
                       <a:r>
-                        <a:rPr kumimoji="1" lang="en-US" altLang="ja-JP" dirty="0"/>
-                        <a:t>0x01</a:t>
+                        <a:rPr kumimoji="1" lang="ko-KR" altLang="en-US" dirty="0"/>
+                        <a:t>리프</a:t>
+                      </a:r>
+                      <a:r>
+                        <a:rPr kumimoji="1" lang="en-US" altLang="ko-KR" dirty="0"/>
+                        <a:t>1</a:t>
                       </a:r>
                       <a:endParaRPr kumimoji="1" lang="ja-JP" altLang="en-US" dirty="0"/>
                     </a:p>
@@ -8560,8 +8426,12 @@
                     <a:lstStyle/>
                     <a:p>
                       <a:r>
-                        <a:rPr kumimoji="1" lang="en-US" altLang="ja-JP" dirty="0"/>
-                        <a:t>0x04</a:t>
+                        <a:rPr kumimoji="1" lang="ko-KR" altLang="en-US" dirty="0"/>
+                        <a:t>리프</a:t>
+                      </a:r>
+                      <a:r>
+                        <a:rPr kumimoji="1" lang="en-US" altLang="ko-KR" dirty="0"/>
+                        <a:t>2</a:t>
                       </a:r>
                       <a:endParaRPr kumimoji="1" lang="ja-JP" altLang="en-US" dirty="0"/>
                     </a:p>
@@ -8593,7 +8463,7 @@
           <p:nvPr>
             <p:extLst>
               <p:ext uri="{D42A27DB-BD31-4B8C-83A1-F6EECF244321}">
-                <p14:modId xmlns:p14="http://schemas.microsoft.com/office/powerpoint/2010/main" val="616665294"/>
+                <p14:modId xmlns:p14="http://schemas.microsoft.com/office/powerpoint/2010/main" val="1876660811"/>
               </p:ext>
             </p:extLst>
           </p:nvPr>
@@ -8645,8 +8515,8 @@
                     <a:lstStyle/>
                     <a:p>
                       <a:r>
-                        <a:rPr kumimoji="1" lang="en-US" altLang="ja-JP" dirty="0"/>
-                        <a:t>RID</a:t>
+                        <a:rPr kumimoji="1" lang="ko-KR" altLang="en-US" dirty="0"/>
+                        <a:t>주소</a:t>
                       </a:r>
                       <a:endParaRPr kumimoji="1" lang="ja-JP" altLang="en-US" dirty="0"/>
                     </a:p>
@@ -8680,8 +8550,12 @@
                     <a:lstStyle/>
                     <a:p>
                       <a:r>
-                        <a:rPr kumimoji="1" lang="en-US" altLang="ja-JP" dirty="0"/>
-                        <a:t>0x06</a:t>
+                        <a:rPr kumimoji="1" lang="ko-KR" altLang="en-US" dirty="0"/>
+                        <a:t>리프</a:t>
+                      </a:r>
+                      <a:r>
+                        <a:rPr kumimoji="1" lang="en-US" altLang="ko-KR" dirty="0"/>
+                        <a:t>3</a:t>
                       </a:r>
                       <a:endParaRPr kumimoji="1" lang="ja-JP" altLang="en-US" dirty="0"/>
                     </a:p>
@@ -8715,8 +8589,12 @@
                     <a:lstStyle/>
                     <a:p>
                       <a:r>
-                        <a:rPr kumimoji="1" lang="en-US" altLang="ja-JP" dirty="0"/>
-                        <a:t>0x08</a:t>
+                        <a:rPr kumimoji="1" lang="ko-KR" altLang="en-US" dirty="0"/>
+                        <a:t>리프</a:t>
+                      </a:r>
+                      <a:r>
+                        <a:rPr kumimoji="1" lang="en-US" altLang="ko-KR" dirty="0"/>
+                        <a:t>4</a:t>
                       </a:r>
                       <a:endParaRPr kumimoji="1" lang="ja-JP" altLang="en-US" dirty="0"/>
                     </a:p>
@@ -8748,7 +8626,7 @@
           <p:nvPr>
             <p:extLst>
               <p:ext uri="{D42A27DB-BD31-4B8C-83A1-F6EECF244321}">
-                <p14:modId xmlns:p14="http://schemas.microsoft.com/office/powerpoint/2010/main" val="1343081127"/>
+                <p14:modId xmlns:p14="http://schemas.microsoft.com/office/powerpoint/2010/main" val="140878627"/>
               </p:ext>
             </p:extLst>
           </p:nvPr>
@@ -8800,8 +8678,20 @@
                     <a:lstStyle/>
                     <a:p>
                       <a:r>
-                        <a:rPr kumimoji="1" lang="en-US" altLang="ja-JP" dirty="0"/>
-                        <a:t>RID</a:t>
+                        <a:rPr kumimoji="1" lang="ko-KR" altLang="en-US" dirty="0"/>
+                        <a:t>주소</a:t>
+                      </a:r>
+                      <a:r>
+                        <a:rPr kumimoji="1" lang="en-US" altLang="ko-KR" dirty="0"/>
+                        <a:t>(</a:t>
+                      </a:r>
+                      <a:r>
+                        <a:rPr kumimoji="1" lang="ko-KR" altLang="en-US" dirty="0"/>
+                        <a:t>키</a:t>
+                      </a:r>
+                      <a:r>
+                        <a:rPr kumimoji="1" lang="en-US" altLang="ko-KR" dirty="0"/>
+                        <a:t>)</a:t>
                       </a:r>
                       <a:endParaRPr kumimoji="1" lang="ja-JP" altLang="en-US" dirty="0"/>
                     </a:p>
@@ -8835,8 +8725,12 @@
                     <a:lstStyle/>
                     <a:p>
                       <a:r>
-                        <a:rPr kumimoji="1" lang="en-US" altLang="ja-JP" dirty="0"/>
-                        <a:t>0x04</a:t>
+                        <a:rPr kumimoji="1" lang="ko-KR" altLang="en-US" dirty="0"/>
+                        <a:t>테이블</a:t>
+                      </a:r>
+                      <a:r>
+                        <a:rPr kumimoji="1" lang="en-US" altLang="ko-KR" dirty="0"/>
+                        <a:t>1-4</a:t>
                       </a:r>
                       <a:endParaRPr kumimoji="1" lang="ja-JP" altLang="en-US" dirty="0"/>
                     </a:p>
@@ -8856,7 +8750,7 @@
                     <a:lstStyle/>
                     <a:p>
                       <a:r>
-                        <a:rPr kumimoji="1" lang="en-US" altLang="ja-JP" dirty="0"/>
+                        <a:rPr kumimoji="1" lang="en-US" altLang="ja-JP"/>
                         <a:t>5</a:t>
                       </a:r>
                       <a:endParaRPr kumimoji="1" lang="ja-JP" altLang="en-US" dirty="0"/>
@@ -8870,8 +8764,12 @@
                     <a:lstStyle/>
                     <a:p>
                       <a:r>
-                        <a:rPr kumimoji="1" lang="en-US" altLang="ja-JP" dirty="0"/>
-                        <a:t>0x05</a:t>
+                        <a:rPr kumimoji="1" lang="ko-KR" altLang="en-US" dirty="0"/>
+                        <a:t>테이블</a:t>
+                      </a:r>
+                      <a:r>
+                        <a:rPr kumimoji="1" lang="en-US" altLang="ko-KR" dirty="0"/>
+                        <a:t>1-5</a:t>
                       </a:r>
                       <a:endParaRPr kumimoji="1" lang="ja-JP" altLang="en-US" dirty="0"/>
                     </a:p>
@@ -8903,7 +8801,7 @@
           <p:nvPr>
             <p:extLst>
               <p:ext uri="{D42A27DB-BD31-4B8C-83A1-F6EECF244321}">
-                <p14:modId xmlns:p14="http://schemas.microsoft.com/office/powerpoint/2010/main" val="798696125"/>
+                <p14:modId xmlns:p14="http://schemas.microsoft.com/office/powerpoint/2010/main" val="260619359"/>
               </p:ext>
             </p:extLst>
           </p:nvPr>
@@ -8955,8 +8853,20 @@
                     <a:lstStyle/>
                     <a:p>
                       <a:r>
-                        <a:rPr kumimoji="1" lang="en-US" altLang="ja-JP" dirty="0"/>
-                        <a:t>RID</a:t>
+                        <a:rPr kumimoji="1" lang="ko-KR" altLang="en-US" dirty="0"/>
+                        <a:t>주소</a:t>
+                      </a:r>
+                      <a:r>
+                        <a:rPr kumimoji="1" lang="en-US" altLang="ko-KR" dirty="0"/>
+                        <a:t>(</a:t>
+                      </a:r>
+                      <a:r>
+                        <a:rPr kumimoji="1" lang="ko-KR" altLang="en-US" dirty="0"/>
+                        <a:t>키</a:t>
+                      </a:r>
+                      <a:r>
+                        <a:rPr kumimoji="1" lang="en-US" altLang="ko-KR" dirty="0"/>
+                        <a:t>)</a:t>
                       </a:r>
                       <a:endParaRPr kumimoji="1" lang="ja-JP" altLang="en-US" dirty="0"/>
                     </a:p>
@@ -8990,8 +8900,12 @@
                     <a:lstStyle/>
                     <a:p>
                       <a:r>
-                        <a:rPr kumimoji="1" lang="en-US" altLang="ja-JP" dirty="0"/>
-                        <a:t>0x06</a:t>
+                        <a:rPr kumimoji="1" lang="ko-KR" altLang="en-US" dirty="0"/>
+                        <a:t>테이블</a:t>
+                      </a:r>
+                      <a:r>
+                        <a:rPr kumimoji="1" lang="en-US" altLang="ko-KR" dirty="0"/>
+                        <a:t>1-6</a:t>
                       </a:r>
                       <a:endParaRPr kumimoji="1" lang="ja-JP" altLang="en-US" dirty="0"/>
                     </a:p>
@@ -9025,8 +8939,12 @@
                     <a:lstStyle/>
                     <a:p>
                       <a:r>
-                        <a:rPr kumimoji="1" lang="en-US" altLang="ja-JP" dirty="0"/>
-                        <a:t>0x07</a:t>
+                        <a:rPr kumimoji="1" lang="ko-KR" altLang="en-US" dirty="0"/>
+                        <a:t>테이블</a:t>
+                      </a:r>
+                      <a:r>
+                        <a:rPr kumimoji="1" lang="en-US" altLang="ko-KR" dirty="0"/>
+                        <a:t>1-7</a:t>
                       </a:r>
                       <a:endParaRPr kumimoji="1" lang="ja-JP" altLang="en-US" dirty="0"/>
                     </a:p>
@@ -9058,7 +8976,7 @@
           <p:nvPr>
             <p:extLst>
               <p:ext uri="{D42A27DB-BD31-4B8C-83A1-F6EECF244321}">
-                <p14:modId xmlns:p14="http://schemas.microsoft.com/office/powerpoint/2010/main" val="1693039622"/>
+                <p14:modId xmlns:p14="http://schemas.microsoft.com/office/powerpoint/2010/main" val="1991371074"/>
               </p:ext>
             </p:extLst>
           </p:nvPr>
@@ -9110,8 +9028,20 @@
                     <a:lstStyle/>
                     <a:p>
                       <a:r>
-                        <a:rPr kumimoji="1" lang="en-US" altLang="ja-JP" dirty="0"/>
-                        <a:t>RID</a:t>
+                        <a:rPr kumimoji="1" lang="ko-KR" altLang="en-US" dirty="0"/>
+                        <a:t>주소</a:t>
+                      </a:r>
+                      <a:r>
+                        <a:rPr kumimoji="1" lang="en-US" altLang="ko-KR" dirty="0"/>
+                        <a:t>(</a:t>
+                      </a:r>
+                      <a:r>
+                        <a:rPr kumimoji="1" lang="ko-KR" altLang="en-US" dirty="0"/>
+                        <a:t>키</a:t>
+                      </a:r>
+                      <a:r>
+                        <a:rPr kumimoji="1" lang="en-US" altLang="ko-KR"/>
+                        <a:t>)</a:t>
                       </a:r>
                       <a:endParaRPr kumimoji="1" lang="ja-JP" altLang="en-US" dirty="0"/>
                     </a:p>
@@ -9145,8 +9075,12 @@
                     <a:lstStyle/>
                     <a:p>
                       <a:r>
-                        <a:rPr kumimoji="1" lang="en-US" altLang="ja-JP" dirty="0"/>
-                        <a:t>0x08</a:t>
+                        <a:rPr kumimoji="1" lang="ko-KR" altLang="en-US" dirty="0"/>
+                        <a:t>테이블</a:t>
+                      </a:r>
+                      <a:r>
+                        <a:rPr kumimoji="1" lang="en-US" altLang="ko-KR" dirty="0"/>
+                        <a:t>1-8</a:t>
                       </a:r>
                       <a:endParaRPr kumimoji="1" lang="ja-JP" altLang="en-US" dirty="0"/>
                     </a:p>
@@ -9180,8 +9114,12 @@
                     <a:lstStyle/>
                     <a:p>
                       <a:r>
-                        <a:rPr kumimoji="1" lang="en-US" altLang="ja-JP" dirty="0"/>
-                        <a:t>0x09</a:t>
+                        <a:rPr kumimoji="1" lang="ko-KR" altLang="en-US" dirty="0"/>
+                        <a:t>테이블</a:t>
+                      </a:r>
+                      <a:r>
+                        <a:rPr kumimoji="1" lang="en-US" altLang="ko-KR" dirty="0"/>
+                        <a:t>1-9</a:t>
                       </a:r>
                       <a:endParaRPr kumimoji="1" lang="ja-JP" altLang="en-US" dirty="0"/>
                     </a:p>
@@ -9213,7 +9151,7 @@
           <p:nvPr>
             <p:extLst>
               <p:ext uri="{D42A27DB-BD31-4B8C-83A1-F6EECF244321}">
-                <p14:modId xmlns:p14="http://schemas.microsoft.com/office/powerpoint/2010/main" val="1135676428"/>
+                <p14:modId xmlns:p14="http://schemas.microsoft.com/office/powerpoint/2010/main" val="476275919"/>
               </p:ext>
             </p:extLst>
           </p:nvPr>
@@ -9265,8 +9203,20 @@
                     <a:lstStyle/>
                     <a:p>
                       <a:r>
-                        <a:rPr kumimoji="1" lang="en-US" altLang="ja-JP" dirty="0"/>
-                        <a:t>RID</a:t>
+                        <a:rPr kumimoji="1" lang="ko-KR" altLang="en-US" dirty="0"/>
+                        <a:t>주소</a:t>
+                      </a:r>
+                      <a:r>
+                        <a:rPr kumimoji="1" lang="en-US" altLang="ko-KR" dirty="0"/>
+                        <a:t>(</a:t>
+                      </a:r>
+                      <a:r>
+                        <a:rPr kumimoji="1" lang="ko-KR" altLang="en-US" dirty="0"/>
+                        <a:t>키</a:t>
+                      </a:r>
+                      <a:r>
+                        <a:rPr kumimoji="1" lang="en-US" altLang="ko-KR" dirty="0"/>
+                        <a:t>)</a:t>
                       </a:r>
                       <a:endParaRPr kumimoji="1" lang="ja-JP" altLang="en-US" dirty="0"/>
                     </a:p>
@@ -9300,8 +9250,12 @@
                     <a:lstStyle/>
                     <a:p>
                       <a:r>
-                        <a:rPr kumimoji="1" lang="en-US" altLang="ja-JP" dirty="0"/>
-                        <a:t>0x01</a:t>
+                        <a:rPr kumimoji="1" lang="ko-KR" altLang="en-US" dirty="0"/>
+                        <a:t>테이블</a:t>
+                      </a:r>
+                      <a:r>
+                        <a:rPr kumimoji="1" lang="en-US" altLang="ko-KR" dirty="0"/>
+                        <a:t>1-1</a:t>
                       </a:r>
                       <a:endParaRPr kumimoji="1" lang="ja-JP" altLang="en-US" dirty="0"/>
                     </a:p>
@@ -9335,8 +9289,12 @@
                     <a:lstStyle/>
                     <a:p>
                       <a:r>
-                        <a:rPr kumimoji="1" lang="en-US" altLang="ja-JP" dirty="0"/>
-                        <a:t>0x02</a:t>
+                        <a:rPr kumimoji="1" lang="ko-KR" altLang="en-US" dirty="0"/>
+                        <a:t>테이블</a:t>
+                      </a:r>
+                      <a:r>
+                        <a:rPr kumimoji="1" lang="en-US" altLang="ko-KR" dirty="0"/>
+                        <a:t>1-2</a:t>
                       </a:r>
                       <a:endParaRPr kumimoji="1" lang="ja-JP" altLang="en-US" dirty="0"/>
                     </a:p>
@@ -9369,9 +9327,30 @@
                     <a:bodyPr/>
                     <a:lstStyle/>
                     <a:p>
-                      <a:r>
-                        <a:rPr kumimoji="1" lang="en-US" altLang="ja-JP" dirty="0"/>
-                        <a:t>0x03</a:t>
+                      <a:pPr marL="0" marR="0" lvl="0" indent="0" algn="l" defTabSz="914400" rtl="0" eaLnBrk="1" fontAlgn="auto" latinLnBrk="0" hangingPunct="1">
+                        <a:lnSpc>
+                          <a:spcPct val="100000"/>
+                        </a:lnSpc>
+                        <a:spcBef>
+                          <a:spcPts val="0"/>
+                        </a:spcBef>
+                        <a:spcAft>
+                          <a:spcPts val="0"/>
+                        </a:spcAft>
+                        <a:buClrTx/>
+                        <a:buSzTx/>
+                        <a:buFontTx/>
+                        <a:buNone/>
+                        <a:tabLst/>
+                        <a:defRPr/>
+                      </a:pPr>
+                      <a:r>
+                        <a:rPr kumimoji="1" lang="ko-KR" altLang="en-US" dirty="0"/>
+                        <a:t>테이블</a:t>
+                      </a:r>
+                      <a:r>
+                        <a:rPr kumimoji="1" lang="en-US" altLang="ko-KR" dirty="0"/>
+                        <a:t>1-3</a:t>
                       </a:r>
                       <a:endParaRPr kumimoji="1" lang="ja-JP" altLang="en-US" dirty="0"/>
                     </a:p>
@@ -9404,8 +9383,8 @@
         </p:nvCxnSpPr>
         <p:spPr>
           <a:xfrm flipV="1">
-            <a:off x="2670889" y="1117331"/>
-            <a:ext cx="8648945" cy="4349745"/>
+            <a:off x="2661582" y="1376039"/>
+            <a:ext cx="8604181" cy="4375541"/>
           </a:xfrm>
           <a:prstGeom prst="straightConnector1">
             <a:avLst/>
@@ -9462,20 +9441,52 @@
               <a:t>해당 값을 찾으면 </a:t>
             </a:r>
             <a:r>
-              <a:rPr kumimoji="1" lang="en-US" altLang="ko-KR" dirty="0"/>
-              <a:t>RID</a:t>
+              <a:rPr lang="ko-KR" altLang="en-US" dirty="0"/>
+              <a:t>주소</a:t>
             </a:r>
             <a:r>
               <a:rPr kumimoji="1" lang="ko-KR" altLang="en-US" dirty="0"/>
-              <a:t>로 테이블의 </a:t>
-            </a:r>
-            <a:r>
-              <a:rPr kumimoji="1" lang="en-US" altLang="ko-KR" dirty="0"/>
-              <a:t>RID</a:t>
-            </a:r>
-            <a:r>
-              <a:rPr kumimoji="1" lang="ko-KR" altLang="en-US" dirty="0"/>
-              <a:t>를 참조</a:t>
+              <a:t>로 데이터페이지를 참조</a:t>
+            </a:r>
+            <a:endParaRPr kumimoji="1" lang="ja-JP" altLang="en-US" dirty="0"/>
+          </a:p>
+        </p:txBody>
+      </p:sp>
+      <p:sp>
+        <p:nvSpPr>
+          <p:cNvPr id="39" name="テキスト ボックス 38">
+            <a:extLst>
+              <a:ext uri="{FF2B5EF4-FFF2-40B4-BE49-F238E27FC236}">
+                <a16:creationId xmlns:a16="http://schemas.microsoft.com/office/drawing/2014/main" id="{37BBDA55-4A75-42C3-A1CF-86268E72CC5D}"/>
+              </a:ext>
+            </a:extLst>
+          </p:cNvPr>
+          <p:cNvSpPr txBox="1"/>
+          <p:nvPr/>
+        </p:nvSpPr>
+        <p:spPr>
+          <a:xfrm>
+            <a:off x="-106616" y="3603968"/>
+            <a:ext cx="2132340" cy="369332"/>
+          </a:xfrm>
+          <a:prstGeom prst="rect">
+            <a:avLst/>
+          </a:prstGeom>
+          <a:noFill/>
+        </p:spPr>
+        <p:txBody>
+          <a:bodyPr wrap="square" rtlCol="0">
+            <a:spAutoFit/>
+          </a:bodyPr>
+          <a:lstStyle/>
+          <a:p>
+            <a:r>
+              <a:rPr lang="en-US" altLang="ko-KR" dirty="0"/>
+              <a:t>1~5</a:t>
+            </a:r>
+            <a:r>
+              <a:rPr lang="ko-KR" altLang="en-US" dirty="0"/>
+              <a:t>를 반으로 쪼갬</a:t>
             </a:r>
             <a:endParaRPr kumimoji="1" lang="ja-JP" altLang="en-US" dirty="0"/>
           </a:p>
@@ -9495,6 +9506,2711 @@
 </file>
 
 <file path=ppt/slides/slide3.xml><?xml version="1.0" encoding="utf-8"?>
+<p:sld xmlns:a="http://schemas.openxmlformats.org/drawingml/2006/main" xmlns:r="http://schemas.openxmlformats.org/officeDocument/2006/relationships" xmlns:p="http://schemas.openxmlformats.org/presentationml/2006/main">
+  <p:cSld>
+    <p:spTree>
+      <p:nvGrpSpPr>
+        <p:cNvPr id="1" name=""/>
+        <p:cNvGrpSpPr/>
+        <p:nvPr/>
+      </p:nvGrpSpPr>
+      <p:grpSpPr>
+        <a:xfrm>
+          <a:off x="0" y="0"/>
+          <a:ext cx="0" cy="0"/>
+          <a:chOff x="0" y="0"/>
+          <a:chExt cx="0" cy="0"/>
+        </a:xfrm>
+      </p:grpSpPr>
+      <p:graphicFrame>
+        <p:nvGraphicFramePr>
+          <p:cNvPr id="8" name="表 8">
+            <a:extLst>
+              <a:ext uri="{FF2B5EF4-FFF2-40B4-BE49-F238E27FC236}">
+                <a16:creationId xmlns:a16="http://schemas.microsoft.com/office/drawing/2014/main" id="{F33D9C0B-EECA-4E5A-8241-2704DFBBD792}"/>
+              </a:ext>
+            </a:extLst>
+          </p:cNvPr>
+          <p:cNvGraphicFramePr>
+            <a:graphicFrameLocks noGrp="1"/>
+          </p:cNvGraphicFramePr>
+          <p:nvPr/>
+        </p:nvGraphicFramePr>
+        <p:xfrm>
+          <a:off x="8930916" y="741866"/>
+          <a:ext cx="2947384" cy="3708400"/>
+        </p:xfrm>
+        <a:graphic>
+          <a:graphicData uri="http://schemas.openxmlformats.org/drawingml/2006/table">
+            <a:tbl>
+              <a:tblPr firstRow="1" bandRow="1">
+                <a:tableStyleId>{5C22544A-7EE6-4342-B048-85BDC9FD1C3A}</a:tableStyleId>
+              </a:tblPr>
+              <a:tblGrid>
+                <a:gridCol w="736846">
+                  <a:extLst>
+                    <a:ext uri="{9D8B030D-6E8A-4147-A177-3AD203B41FA5}">
+                      <a16:colId xmlns:a16="http://schemas.microsoft.com/office/drawing/2014/main" val="4155257041"/>
+                    </a:ext>
+                  </a:extLst>
+                </a:gridCol>
+                <a:gridCol w="736846">
+                  <a:extLst>
+                    <a:ext uri="{9D8B030D-6E8A-4147-A177-3AD203B41FA5}">
+                      <a16:colId xmlns:a16="http://schemas.microsoft.com/office/drawing/2014/main" val="2167895197"/>
+                    </a:ext>
+                  </a:extLst>
+                </a:gridCol>
+                <a:gridCol w="736846">
+                  <a:extLst>
+                    <a:ext uri="{9D8B030D-6E8A-4147-A177-3AD203B41FA5}">
+                      <a16:colId xmlns:a16="http://schemas.microsoft.com/office/drawing/2014/main" val="1782991451"/>
+                    </a:ext>
+                  </a:extLst>
+                </a:gridCol>
+                <a:gridCol w="736846">
+                  <a:extLst>
+                    <a:ext uri="{9D8B030D-6E8A-4147-A177-3AD203B41FA5}">
+                      <a16:colId xmlns:a16="http://schemas.microsoft.com/office/drawing/2014/main" val="33742852"/>
+                    </a:ext>
+                  </a:extLst>
+                </a:gridCol>
+              </a:tblGrid>
+              <a:tr h="370840">
+                <a:tc>
+                  <a:txBody>
+                    <a:bodyPr/>
+                    <a:lstStyle/>
+                    <a:p>
+                      <a:r>
+                        <a:rPr kumimoji="1" lang="en-US" altLang="ja-JP" dirty="0"/>
+                        <a:t>Num</a:t>
+                      </a:r>
+                      <a:endParaRPr kumimoji="1" lang="ja-JP" altLang="en-US" dirty="0"/>
+                    </a:p>
+                  </a:txBody>
+                  <a:tcPr/>
+                </a:tc>
+                <a:tc>
+                  <a:txBody>
+                    <a:bodyPr/>
+                    <a:lstStyle/>
+                    <a:p>
+                      <a:r>
+                        <a:rPr kumimoji="1" lang="en-US" altLang="ja-JP" dirty="0"/>
+                        <a:t>Id</a:t>
+                      </a:r>
+                      <a:endParaRPr kumimoji="1" lang="ja-JP" altLang="en-US" dirty="0"/>
+                    </a:p>
+                  </a:txBody>
+                  <a:tcPr/>
+                </a:tc>
+                <a:tc>
+                  <a:txBody>
+                    <a:bodyPr/>
+                    <a:lstStyle/>
+                    <a:p>
+                      <a:r>
+                        <a:rPr kumimoji="1" lang="en-US" altLang="ja-JP" dirty="0"/>
+                        <a:t>Title</a:t>
+                      </a:r>
+                      <a:endParaRPr kumimoji="1" lang="ja-JP" altLang="en-US" dirty="0"/>
+                    </a:p>
+                  </a:txBody>
+                  <a:tcPr/>
+                </a:tc>
+                <a:tc>
+                  <a:txBody>
+                    <a:bodyPr/>
+                    <a:lstStyle/>
+                    <a:p>
+                      <a:r>
+                        <a:rPr kumimoji="1" lang="ko-KR" altLang="en-US" dirty="0"/>
+                        <a:t>주소</a:t>
+                      </a:r>
+                      <a:endParaRPr kumimoji="1" lang="ja-JP" altLang="en-US" dirty="0"/>
+                    </a:p>
+                  </a:txBody>
+                  <a:tcPr/>
+                </a:tc>
+                <a:extLst>
+                  <a:ext uri="{0D108BD9-81ED-4DB2-BD59-A6C34878D82A}">
+                    <a16:rowId xmlns:a16="http://schemas.microsoft.com/office/drawing/2014/main" val="3791912083"/>
+                  </a:ext>
+                </a:extLst>
+              </a:tr>
+              <a:tr h="370840">
+                <a:tc>
+                  <a:txBody>
+                    <a:bodyPr/>
+                    <a:lstStyle/>
+                    <a:p>
+                      <a:r>
+                        <a:rPr kumimoji="1" lang="en-US" altLang="ja-JP" dirty="0"/>
+                        <a:t>1</a:t>
+                      </a:r>
+                      <a:endParaRPr kumimoji="1" lang="ja-JP" altLang="en-US" dirty="0"/>
+                    </a:p>
+                  </a:txBody>
+                  <a:tcPr/>
+                </a:tc>
+                <a:tc>
+                  <a:txBody>
+                    <a:bodyPr/>
+                    <a:lstStyle/>
+                    <a:p>
+                      <a:r>
+                        <a:rPr kumimoji="1" lang="en-US" altLang="ja-JP" dirty="0"/>
+                        <a:t>a123</a:t>
+                      </a:r>
+                      <a:endParaRPr kumimoji="1" lang="ja-JP" altLang="en-US" dirty="0"/>
+                    </a:p>
+                  </a:txBody>
+                  <a:tcPr/>
+                </a:tc>
+                <a:tc>
+                  <a:txBody>
+                    <a:bodyPr/>
+                    <a:lstStyle/>
+                    <a:p>
+                      <a:r>
+                        <a:rPr kumimoji="1" lang="en-US" altLang="ja-JP" dirty="0" err="1"/>
+                        <a:t>aaa</a:t>
+                      </a:r>
+                      <a:endParaRPr kumimoji="1" lang="ja-JP" altLang="en-US" dirty="0"/>
+                    </a:p>
+                  </a:txBody>
+                  <a:tcPr/>
+                </a:tc>
+                <a:tc>
+                  <a:txBody>
+                    <a:bodyPr/>
+                    <a:lstStyle/>
+                    <a:p>
+                      <a:r>
+                        <a:rPr kumimoji="1" lang="en-US" altLang="ja-JP" dirty="0"/>
+                        <a:t>0x01</a:t>
+                      </a:r>
+                      <a:endParaRPr kumimoji="1" lang="ja-JP" altLang="en-US" dirty="0"/>
+                    </a:p>
+                  </a:txBody>
+                  <a:tcPr/>
+                </a:tc>
+                <a:extLst>
+                  <a:ext uri="{0D108BD9-81ED-4DB2-BD59-A6C34878D82A}">
+                    <a16:rowId xmlns:a16="http://schemas.microsoft.com/office/drawing/2014/main" val="2178967598"/>
+                  </a:ext>
+                </a:extLst>
+              </a:tr>
+              <a:tr h="370840">
+                <a:tc>
+                  <a:txBody>
+                    <a:bodyPr/>
+                    <a:lstStyle/>
+                    <a:p>
+                      <a:r>
+                        <a:rPr kumimoji="1" lang="en-US" altLang="ja-JP" dirty="0"/>
+                        <a:t>2</a:t>
+                      </a:r>
+                      <a:endParaRPr kumimoji="1" lang="ja-JP" altLang="en-US" dirty="0"/>
+                    </a:p>
+                  </a:txBody>
+                  <a:tcPr/>
+                </a:tc>
+                <a:tc>
+                  <a:txBody>
+                    <a:bodyPr/>
+                    <a:lstStyle/>
+                    <a:p>
+                      <a:r>
+                        <a:rPr kumimoji="1" lang="en-US" altLang="ja-JP" dirty="0"/>
+                        <a:t>b123</a:t>
+                      </a:r>
+                      <a:endParaRPr kumimoji="1" lang="ja-JP" altLang="en-US" dirty="0"/>
+                    </a:p>
+                  </a:txBody>
+                  <a:tcPr/>
+                </a:tc>
+                <a:tc>
+                  <a:txBody>
+                    <a:bodyPr/>
+                    <a:lstStyle/>
+                    <a:p>
+                      <a:r>
+                        <a:rPr kumimoji="1" lang="en-US" altLang="ja-JP" dirty="0" err="1"/>
+                        <a:t>bbb</a:t>
+                      </a:r>
+                      <a:endParaRPr kumimoji="1" lang="ja-JP" altLang="en-US" dirty="0"/>
+                    </a:p>
+                  </a:txBody>
+                  <a:tcPr/>
+                </a:tc>
+                <a:tc>
+                  <a:txBody>
+                    <a:bodyPr/>
+                    <a:lstStyle/>
+                    <a:p>
+                      <a:r>
+                        <a:rPr kumimoji="1" lang="en-US" altLang="ja-JP" dirty="0"/>
+                        <a:t>0x02</a:t>
+                      </a:r>
+                      <a:endParaRPr kumimoji="1" lang="ja-JP" altLang="en-US" dirty="0"/>
+                    </a:p>
+                  </a:txBody>
+                  <a:tcPr/>
+                </a:tc>
+                <a:extLst>
+                  <a:ext uri="{0D108BD9-81ED-4DB2-BD59-A6C34878D82A}">
+                    <a16:rowId xmlns:a16="http://schemas.microsoft.com/office/drawing/2014/main" val="4000462573"/>
+                  </a:ext>
+                </a:extLst>
+              </a:tr>
+              <a:tr h="370840">
+                <a:tc>
+                  <a:txBody>
+                    <a:bodyPr/>
+                    <a:lstStyle/>
+                    <a:p>
+                      <a:r>
+                        <a:rPr kumimoji="1" lang="en-US" altLang="ja-JP" dirty="0"/>
+                        <a:t>3</a:t>
+                      </a:r>
+                      <a:endParaRPr kumimoji="1" lang="ja-JP" altLang="en-US" dirty="0"/>
+                    </a:p>
+                  </a:txBody>
+                  <a:tcPr/>
+                </a:tc>
+                <a:tc>
+                  <a:txBody>
+                    <a:bodyPr/>
+                    <a:lstStyle/>
+                    <a:p>
+                      <a:r>
+                        <a:rPr kumimoji="1" lang="en-US" altLang="ja-JP" dirty="0"/>
+                        <a:t>c123</a:t>
+                      </a:r>
+                      <a:endParaRPr kumimoji="1" lang="ja-JP" altLang="en-US" dirty="0"/>
+                    </a:p>
+                  </a:txBody>
+                  <a:tcPr/>
+                </a:tc>
+                <a:tc>
+                  <a:txBody>
+                    <a:bodyPr/>
+                    <a:lstStyle/>
+                    <a:p>
+                      <a:r>
+                        <a:rPr kumimoji="1" lang="en-US" altLang="ja-JP" dirty="0"/>
+                        <a:t>ccc</a:t>
+                      </a:r>
+                      <a:endParaRPr kumimoji="1" lang="ja-JP" altLang="en-US" dirty="0"/>
+                    </a:p>
+                  </a:txBody>
+                  <a:tcPr/>
+                </a:tc>
+                <a:tc>
+                  <a:txBody>
+                    <a:bodyPr/>
+                    <a:lstStyle/>
+                    <a:p>
+                      <a:r>
+                        <a:rPr kumimoji="1" lang="en-US" altLang="ja-JP" dirty="0"/>
+                        <a:t>0x03</a:t>
+                      </a:r>
+                      <a:endParaRPr kumimoji="1" lang="ja-JP" altLang="en-US" dirty="0"/>
+                    </a:p>
+                  </a:txBody>
+                  <a:tcPr/>
+                </a:tc>
+                <a:extLst>
+                  <a:ext uri="{0D108BD9-81ED-4DB2-BD59-A6C34878D82A}">
+                    <a16:rowId xmlns:a16="http://schemas.microsoft.com/office/drawing/2014/main" val="737319051"/>
+                  </a:ext>
+                </a:extLst>
+              </a:tr>
+              <a:tr h="370840">
+                <a:tc>
+                  <a:txBody>
+                    <a:bodyPr/>
+                    <a:lstStyle/>
+                    <a:p>
+                      <a:r>
+                        <a:rPr kumimoji="1" lang="en-US" altLang="ja-JP" dirty="0"/>
+                        <a:t>4</a:t>
+                      </a:r>
+                      <a:endParaRPr kumimoji="1" lang="ja-JP" altLang="en-US" dirty="0"/>
+                    </a:p>
+                  </a:txBody>
+                  <a:tcPr/>
+                </a:tc>
+                <a:tc>
+                  <a:txBody>
+                    <a:bodyPr/>
+                    <a:lstStyle/>
+                    <a:p>
+                      <a:r>
+                        <a:rPr kumimoji="1" lang="en-US" altLang="ja-JP" dirty="0"/>
+                        <a:t>d123</a:t>
+                      </a:r>
+                      <a:endParaRPr kumimoji="1" lang="ja-JP" altLang="en-US" dirty="0"/>
+                    </a:p>
+                  </a:txBody>
+                  <a:tcPr/>
+                </a:tc>
+                <a:tc>
+                  <a:txBody>
+                    <a:bodyPr/>
+                    <a:lstStyle/>
+                    <a:p>
+                      <a:r>
+                        <a:rPr kumimoji="1" lang="en-US" altLang="ja-JP" dirty="0" err="1"/>
+                        <a:t>ddd</a:t>
+                      </a:r>
+                      <a:endParaRPr kumimoji="1" lang="ja-JP" altLang="en-US" dirty="0"/>
+                    </a:p>
+                  </a:txBody>
+                  <a:tcPr/>
+                </a:tc>
+                <a:tc>
+                  <a:txBody>
+                    <a:bodyPr/>
+                    <a:lstStyle/>
+                    <a:p>
+                      <a:r>
+                        <a:rPr kumimoji="1" lang="en-US" altLang="ja-JP" dirty="0"/>
+                        <a:t>0x04</a:t>
+                      </a:r>
+                      <a:endParaRPr kumimoji="1" lang="ja-JP" altLang="en-US" dirty="0"/>
+                    </a:p>
+                  </a:txBody>
+                  <a:tcPr/>
+                </a:tc>
+                <a:extLst>
+                  <a:ext uri="{0D108BD9-81ED-4DB2-BD59-A6C34878D82A}">
+                    <a16:rowId xmlns:a16="http://schemas.microsoft.com/office/drawing/2014/main" val="957239393"/>
+                  </a:ext>
+                </a:extLst>
+              </a:tr>
+              <a:tr h="370840">
+                <a:tc>
+                  <a:txBody>
+                    <a:bodyPr/>
+                    <a:lstStyle/>
+                    <a:p>
+                      <a:r>
+                        <a:rPr kumimoji="1" lang="en-US" altLang="ja-JP" dirty="0"/>
+                        <a:t>5</a:t>
+                      </a:r>
+                      <a:endParaRPr kumimoji="1" lang="ja-JP" altLang="en-US" dirty="0"/>
+                    </a:p>
+                  </a:txBody>
+                  <a:tcPr/>
+                </a:tc>
+                <a:tc>
+                  <a:txBody>
+                    <a:bodyPr/>
+                    <a:lstStyle/>
+                    <a:p>
+                      <a:r>
+                        <a:rPr kumimoji="1" lang="en-US" altLang="ja-JP" dirty="0"/>
+                        <a:t>e123</a:t>
+                      </a:r>
+                      <a:endParaRPr kumimoji="1" lang="ja-JP" altLang="en-US" dirty="0"/>
+                    </a:p>
+                  </a:txBody>
+                  <a:tcPr/>
+                </a:tc>
+                <a:tc>
+                  <a:txBody>
+                    <a:bodyPr/>
+                    <a:lstStyle/>
+                    <a:p>
+                      <a:r>
+                        <a:rPr kumimoji="1" lang="en-US" altLang="ja-JP" dirty="0" err="1"/>
+                        <a:t>eee</a:t>
+                      </a:r>
+                      <a:endParaRPr kumimoji="1" lang="ja-JP" altLang="en-US" dirty="0"/>
+                    </a:p>
+                  </a:txBody>
+                  <a:tcPr/>
+                </a:tc>
+                <a:tc>
+                  <a:txBody>
+                    <a:bodyPr/>
+                    <a:lstStyle/>
+                    <a:p>
+                      <a:r>
+                        <a:rPr kumimoji="1" lang="en-US" altLang="ja-JP" dirty="0"/>
+                        <a:t>0x05</a:t>
+                      </a:r>
+                      <a:endParaRPr kumimoji="1" lang="ja-JP" altLang="en-US" dirty="0"/>
+                    </a:p>
+                  </a:txBody>
+                  <a:tcPr/>
+                </a:tc>
+                <a:extLst>
+                  <a:ext uri="{0D108BD9-81ED-4DB2-BD59-A6C34878D82A}">
+                    <a16:rowId xmlns:a16="http://schemas.microsoft.com/office/drawing/2014/main" val="2612739710"/>
+                  </a:ext>
+                </a:extLst>
+              </a:tr>
+              <a:tr h="370840">
+                <a:tc>
+                  <a:txBody>
+                    <a:bodyPr/>
+                    <a:lstStyle/>
+                    <a:p>
+                      <a:r>
+                        <a:rPr kumimoji="1" lang="en-US" altLang="ja-JP" dirty="0"/>
+                        <a:t>6</a:t>
+                      </a:r>
+                      <a:endParaRPr kumimoji="1" lang="ja-JP" altLang="en-US" dirty="0"/>
+                    </a:p>
+                  </a:txBody>
+                  <a:tcPr/>
+                </a:tc>
+                <a:tc>
+                  <a:txBody>
+                    <a:bodyPr/>
+                    <a:lstStyle/>
+                    <a:p>
+                      <a:r>
+                        <a:rPr kumimoji="1" lang="en-US" altLang="ja-JP" dirty="0"/>
+                        <a:t>f123</a:t>
+                      </a:r>
+                      <a:endParaRPr kumimoji="1" lang="ja-JP" altLang="en-US" dirty="0"/>
+                    </a:p>
+                  </a:txBody>
+                  <a:tcPr/>
+                </a:tc>
+                <a:tc>
+                  <a:txBody>
+                    <a:bodyPr/>
+                    <a:lstStyle/>
+                    <a:p>
+                      <a:r>
+                        <a:rPr kumimoji="1" lang="en-US" altLang="ja-JP" dirty="0" err="1"/>
+                        <a:t>fff</a:t>
+                      </a:r>
+                      <a:endParaRPr kumimoji="1" lang="ja-JP" altLang="en-US" dirty="0"/>
+                    </a:p>
+                  </a:txBody>
+                  <a:tcPr/>
+                </a:tc>
+                <a:tc>
+                  <a:txBody>
+                    <a:bodyPr/>
+                    <a:lstStyle/>
+                    <a:p>
+                      <a:r>
+                        <a:rPr kumimoji="1" lang="en-US" altLang="ja-JP" dirty="0"/>
+                        <a:t>0x06</a:t>
+                      </a:r>
+                      <a:endParaRPr kumimoji="1" lang="ja-JP" altLang="en-US" dirty="0"/>
+                    </a:p>
+                  </a:txBody>
+                  <a:tcPr/>
+                </a:tc>
+                <a:extLst>
+                  <a:ext uri="{0D108BD9-81ED-4DB2-BD59-A6C34878D82A}">
+                    <a16:rowId xmlns:a16="http://schemas.microsoft.com/office/drawing/2014/main" val="1646190941"/>
+                  </a:ext>
+                </a:extLst>
+              </a:tr>
+              <a:tr h="370840">
+                <a:tc>
+                  <a:txBody>
+                    <a:bodyPr/>
+                    <a:lstStyle/>
+                    <a:p>
+                      <a:r>
+                        <a:rPr kumimoji="1" lang="en-US" altLang="ja-JP" dirty="0"/>
+                        <a:t>7</a:t>
+                      </a:r>
+                      <a:endParaRPr kumimoji="1" lang="ja-JP" altLang="en-US" dirty="0"/>
+                    </a:p>
+                  </a:txBody>
+                  <a:tcPr/>
+                </a:tc>
+                <a:tc>
+                  <a:txBody>
+                    <a:bodyPr/>
+                    <a:lstStyle/>
+                    <a:p>
+                      <a:r>
+                        <a:rPr kumimoji="1" lang="en-US" altLang="ja-JP" dirty="0"/>
+                        <a:t>g123</a:t>
+                      </a:r>
+                      <a:endParaRPr kumimoji="1" lang="ja-JP" altLang="en-US" dirty="0"/>
+                    </a:p>
+                  </a:txBody>
+                  <a:tcPr/>
+                </a:tc>
+                <a:tc>
+                  <a:txBody>
+                    <a:bodyPr/>
+                    <a:lstStyle/>
+                    <a:p>
+                      <a:r>
+                        <a:rPr kumimoji="1" lang="en-US" altLang="ja-JP" dirty="0" err="1"/>
+                        <a:t>ggg</a:t>
+                      </a:r>
+                      <a:endParaRPr kumimoji="1" lang="ja-JP" altLang="en-US" dirty="0"/>
+                    </a:p>
+                  </a:txBody>
+                  <a:tcPr/>
+                </a:tc>
+                <a:tc>
+                  <a:txBody>
+                    <a:bodyPr/>
+                    <a:lstStyle/>
+                    <a:p>
+                      <a:r>
+                        <a:rPr kumimoji="1" lang="en-US" altLang="ja-JP" dirty="0"/>
+                        <a:t>0x07</a:t>
+                      </a:r>
+                      <a:endParaRPr kumimoji="1" lang="ja-JP" altLang="en-US" dirty="0"/>
+                    </a:p>
+                  </a:txBody>
+                  <a:tcPr/>
+                </a:tc>
+                <a:extLst>
+                  <a:ext uri="{0D108BD9-81ED-4DB2-BD59-A6C34878D82A}">
+                    <a16:rowId xmlns:a16="http://schemas.microsoft.com/office/drawing/2014/main" val="2911918989"/>
+                  </a:ext>
+                </a:extLst>
+              </a:tr>
+              <a:tr h="370840">
+                <a:tc>
+                  <a:txBody>
+                    <a:bodyPr/>
+                    <a:lstStyle/>
+                    <a:p>
+                      <a:r>
+                        <a:rPr kumimoji="1" lang="en-US" altLang="ja-JP" dirty="0"/>
+                        <a:t>8</a:t>
+                      </a:r>
+                      <a:endParaRPr kumimoji="1" lang="ja-JP" altLang="en-US" dirty="0"/>
+                    </a:p>
+                  </a:txBody>
+                  <a:tcPr/>
+                </a:tc>
+                <a:tc>
+                  <a:txBody>
+                    <a:bodyPr/>
+                    <a:lstStyle/>
+                    <a:p>
+                      <a:r>
+                        <a:rPr kumimoji="1" lang="en-US" altLang="ja-JP" dirty="0"/>
+                        <a:t>h123</a:t>
+                      </a:r>
+                      <a:endParaRPr kumimoji="1" lang="ja-JP" altLang="en-US" dirty="0"/>
+                    </a:p>
+                  </a:txBody>
+                  <a:tcPr/>
+                </a:tc>
+                <a:tc>
+                  <a:txBody>
+                    <a:bodyPr/>
+                    <a:lstStyle/>
+                    <a:p>
+                      <a:r>
+                        <a:rPr kumimoji="1" lang="en-US" altLang="ja-JP" dirty="0" err="1"/>
+                        <a:t>hhh</a:t>
+                      </a:r>
+                      <a:endParaRPr kumimoji="1" lang="ja-JP" altLang="en-US" dirty="0"/>
+                    </a:p>
+                  </a:txBody>
+                  <a:tcPr/>
+                </a:tc>
+                <a:tc>
+                  <a:txBody>
+                    <a:bodyPr/>
+                    <a:lstStyle/>
+                    <a:p>
+                      <a:r>
+                        <a:rPr kumimoji="1" lang="en-US" altLang="ja-JP" dirty="0"/>
+                        <a:t>0x08</a:t>
+                      </a:r>
+                      <a:endParaRPr kumimoji="1" lang="ja-JP" altLang="en-US" dirty="0"/>
+                    </a:p>
+                  </a:txBody>
+                  <a:tcPr/>
+                </a:tc>
+                <a:extLst>
+                  <a:ext uri="{0D108BD9-81ED-4DB2-BD59-A6C34878D82A}">
+                    <a16:rowId xmlns:a16="http://schemas.microsoft.com/office/drawing/2014/main" val="2816764741"/>
+                  </a:ext>
+                </a:extLst>
+              </a:tr>
+              <a:tr h="370840">
+                <a:tc>
+                  <a:txBody>
+                    <a:bodyPr/>
+                    <a:lstStyle/>
+                    <a:p>
+                      <a:r>
+                        <a:rPr kumimoji="1" lang="en-US" altLang="ja-JP" dirty="0"/>
+                        <a:t>9</a:t>
+                      </a:r>
+                      <a:endParaRPr kumimoji="1" lang="ja-JP" altLang="en-US" dirty="0"/>
+                    </a:p>
+                  </a:txBody>
+                  <a:tcPr/>
+                </a:tc>
+                <a:tc>
+                  <a:txBody>
+                    <a:bodyPr/>
+                    <a:lstStyle/>
+                    <a:p>
+                      <a:r>
+                        <a:rPr kumimoji="1" lang="en-US" altLang="ja-JP" dirty="0"/>
+                        <a:t>i123</a:t>
+                      </a:r>
+                      <a:endParaRPr kumimoji="1" lang="ja-JP" altLang="en-US" dirty="0"/>
+                    </a:p>
+                  </a:txBody>
+                  <a:tcPr/>
+                </a:tc>
+                <a:tc>
+                  <a:txBody>
+                    <a:bodyPr/>
+                    <a:lstStyle/>
+                    <a:p>
+                      <a:r>
+                        <a:rPr kumimoji="1" lang="en-US" altLang="ja-JP" dirty="0"/>
+                        <a:t>iii</a:t>
+                      </a:r>
+                      <a:endParaRPr kumimoji="1" lang="ja-JP" altLang="en-US" dirty="0"/>
+                    </a:p>
+                  </a:txBody>
+                  <a:tcPr/>
+                </a:tc>
+                <a:tc>
+                  <a:txBody>
+                    <a:bodyPr/>
+                    <a:lstStyle/>
+                    <a:p>
+                      <a:r>
+                        <a:rPr kumimoji="1" lang="en-US" altLang="ja-JP" dirty="0"/>
+                        <a:t>0x09</a:t>
+                      </a:r>
+                      <a:endParaRPr kumimoji="1" lang="ja-JP" altLang="en-US" dirty="0"/>
+                    </a:p>
+                  </a:txBody>
+                  <a:tcPr/>
+                </a:tc>
+                <a:extLst>
+                  <a:ext uri="{0D108BD9-81ED-4DB2-BD59-A6C34878D82A}">
+                    <a16:rowId xmlns:a16="http://schemas.microsoft.com/office/drawing/2014/main" val="1316892957"/>
+                  </a:ext>
+                </a:extLst>
+              </a:tr>
+            </a:tbl>
+          </a:graphicData>
+        </a:graphic>
+      </p:graphicFrame>
+      <p:sp>
+        <p:nvSpPr>
+          <p:cNvPr id="15" name="テキスト ボックス 14">
+            <a:extLst>
+              <a:ext uri="{FF2B5EF4-FFF2-40B4-BE49-F238E27FC236}">
+                <a16:creationId xmlns:a16="http://schemas.microsoft.com/office/drawing/2014/main" id="{81B60CD5-1280-455D-A1E2-4ACDB093DE1E}"/>
+              </a:ext>
+            </a:extLst>
+          </p:cNvPr>
+          <p:cNvSpPr txBox="1"/>
+          <p:nvPr/>
+        </p:nvSpPr>
+        <p:spPr>
+          <a:xfrm>
+            <a:off x="4369044" y="1106420"/>
+            <a:ext cx="2132340" cy="369332"/>
+          </a:xfrm>
+          <a:prstGeom prst="rect">
+            <a:avLst/>
+          </a:prstGeom>
+          <a:noFill/>
+        </p:spPr>
+        <p:txBody>
+          <a:bodyPr wrap="square" rtlCol="0">
+            <a:spAutoFit/>
+          </a:bodyPr>
+          <a:lstStyle/>
+          <a:p>
+            <a:r>
+              <a:rPr kumimoji="1" lang="ko-KR" altLang="en-US" dirty="0" err="1"/>
+              <a:t>루트노드</a:t>
+            </a:r>
+            <a:r>
+              <a:rPr kumimoji="1" lang="en-US" altLang="ko-KR" dirty="0"/>
+              <a:t>(</a:t>
+            </a:r>
+            <a:r>
+              <a:rPr kumimoji="1" lang="ko-KR" altLang="en-US" dirty="0"/>
+              <a:t>최상위</a:t>
+            </a:r>
+            <a:r>
+              <a:rPr kumimoji="1" lang="en-US" altLang="ko-KR" dirty="0"/>
+              <a:t>)</a:t>
+            </a:r>
+            <a:endParaRPr kumimoji="1" lang="ja-JP" altLang="en-US" dirty="0"/>
+          </a:p>
+        </p:txBody>
+      </p:sp>
+      <p:sp>
+        <p:nvSpPr>
+          <p:cNvPr id="16" name="テキスト ボックス 15">
+            <a:extLst>
+              <a:ext uri="{FF2B5EF4-FFF2-40B4-BE49-F238E27FC236}">
+                <a16:creationId xmlns:a16="http://schemas.microsoft.com/office/drawing/2014/main" id="{C160166E-37D5-48ED-811E-8A396B248B08}"/>
+              </a:ext>
+            </a:extLst>
+          </p:cNvPr>
+          <p:cNvSpPr txBox="1"/>
+          <p:nvPr/>
+        </p:nvSpPr>
+        <p:spPr>
+          <a:xfrm>
+            <a:off x="2473842" y="2888606"/>
+            <a:ext cx="2132340" cy="369332"/>
+          </a:xfrm>
+          <a:prstGeom prst="rect">
+            <a:avLst/>
+          </a:prstGeom>
+          <a:noFill/>
+        </p:spPr>
+        <p:txBody>
+          <a:bodyPr wrap="square" rtlCol="0">
+            <a:spAutoFit/>
+          </a:bodyPr>
+          <a:lstStyle/>
+          <a:p>
+            <a:r>
+              <a:rPr lang="ko-KR" altLang="en-US" dirty="0" err="1"/>
+              <a:t>중간노드</a:t>
+            </a:r>
+            <a:r>
+              <a:rPr lang="en-US" altLang="ko-KR" dirty="0"/>
+              <a:t>1(1~5)</a:t>
+            </a:r>
+            <a:endParaRPr kumimoji="1" lang="ja-JP" altLang="en-US" dirty="0"/>
+          </a:p>
+        </p:txBody>
+      </p:sp>
+      <p:sp>
+        <p:nvSpPr>
+          <p:cNvPr id="18" name="テキスト ボックス 17">
+            <a:extLst>
+              <a:ext uri="{FF2B5EF4-FFF2-40B4-BE49-F238E27FC236}">
+                <a16:creationId xmlns:a16="http://schemas.microsoft.com/office/drawing/2014/main" id="{B7FEF81C-12C3-4B59-8555-47C4ED71D867}"/>
+              </a:ext>
+            </a:extLst>
+          </p:cNvPr>
+          <p:cNvSpPr txBox="1"/>
+          <p:nvPr/>
+        </p:nvSpPr>
+        <p:spPr>
+          <a:xfrm>
+            <a:off x="6051642" y="2879509"/>
+            <a:ext cx="2132340" cy="369332"/>
+          </a:xfrm>
+          <a:prstGeom prst="rect">
+            <a:avLst/>
+          </a:prstGeom>
+          <a:noFill/>
+        </p:spPr>
+        <p:txBody>
+          <a:bodyPr wrap="square" rtlCol="0">
+            <a:spAutoFit/>
+          </a:bodyPr>
+          <a:lstStyle/>
+          <a:p>
+            <a:r>
+              <a:rPr lang="ko-KR" altLang="en-US" dirty="0" err="1"/>
+              <a:t>중간노드</a:t>
+            </a:r>
+            <a:r>
+              <a:rPr lang="en-US" altLang="ko-KR" dirty="0"/>
+              <a:t>2(6~9)</a:t>
+            </a:r>
+            <a:endParaRPr kumimoji="1" lang="ja-JP" altLang="en-US" dirty="0"/>
+          </a:p>
+        </p:txBody>
+      </p:sp>
+      <p:sp>
+        <p:nvSpPr>
+          <p:cNvPr id="19" name="テキスト ボックス 18">
+            <a:extLst>
+              <a:ext uri="{FF2B5EF4-FFF2-40B4-BE49-F238E27FC236}">
+                <a16:creationId xmlns:a16="http://schemas.microsoft.com/office/drawing/2014/main" id="{894F053E-A58D-490C-8C79-96C17B90210F}"/>
+              </a:ext>
+            </a:extLst>
+          </p:cNvPr>
+          <p:cNvSpPr txBox="1"/>
+          <p:nvPr/>
+        </p:nvSpPr>
+        <p:spPr>
+          <a:xfrm>
+            <a:off x="641911" y="4742590"/>
+            <a:ext cx="2132340" cy="369332"/>
+          </a:xfrm>
+          <a:prstGeom prst="rect">
+            <a:avLst/>
+          </a:prstGeom>
+          <a:noFill/>
+        </p:spPr>
+        <p:txBody>
+          <a:bodyPr wrap="square" rtlCol="0">
+            <a:spAutoFit/>
+          </a:bodyPr>
+          <a:lstStyle/>
+          <a:p>
+            <a:r>
+              <a:rPr kumimoji="1" lang="ko-KR" altLang="en-US" dirty="0" err="1"/>
+              <a:t>리프노드</a:t>
+            </a:r>
+            <a:r>
+              <a:rPr kumimoji="1" lang="en-US" altLang="ko-KR" dirty="0"/>
+              <a:t>1(</a:t>
+            </a:r>
+            <a:r>
+              <a:rPr lang="en-US" altLang="ko-KR" dirty="0"/>
+              <a:t>1~3</a:t>
+            </a:r>
+            <a:r>
+              <a:rPr kumimoji="1" lang="en-US" altLang="ko-KR" dirty="0"/>
+              <a:t>)</a:t>
+            </a:r>
+            <a:endParaRPr kumimoji="1" lang="ja-JP" altLang="en-US" dirty="0"/>
+          </a:p>
+        </p:txBody>
+      </p:sp>
+      <p:sp>
+        <p:nvSpPr>
+          <p:cNvPr id="22" name="テキスト ボックス 21">
+            <a:extLst>
+              <a:ext uri="{FF2B5EF4-FFF2-40B4-BE49-F238E27FC236}">
+                <a16:creationId xmlns:a16="http://schemas.microsoft.com/office/drawing/2014/main" id="{E5074632-423D-43C9-923A-3CF272808621}"/>
+              </a:ext>
+            </a:extLst>
+          </p:cNvPr>
+          <p:cNvSpPr txBox="1"/>
+          <p:nvPr/>
+        </p:nvSpPr>
+        <p:spPr>
+          <a:xfrm>
+            <a:off x="3540012" y="4749204"/>
+            <a:ext cx="2132340" cy="369332"/>
+          </a:xfrm>
+          <a:prstGeom prst="rect">
+            <a:avLst/>
+          </a:prstGeom>
+          <a:noFill/>
+        </p:spPr>
+        <p:txBody>
+          <a:bodyPr wrap="square" rtlCol="0">
+            <a:spAutoFit/>
+          </a:bodyPr>
+          <a:lstStyle/>
+          <a:p>
+            <a:r>
+              <a:rPr kumimoji="1" lang="ko-KR" altLang="en-US" dirty="0" err="1"/>
+              <a:t>리프노드</a:t>
+            </a:r>
+            <a:r>
+              <a:rPr kumimoji="1" lang="en-US" altLang="ko-KR" dirty="0"/>
+              <a:t>2(</a:t>
+            </a:r>
+            <a:r>
+              <a:rPr lang="en-US" altLang="ko-KR" dirty="0"/>
+              <a:t>4~5</a:t>
+            </a:r>
+            <a:r>
+              <a:rPr kumimoji="1" lang="en-US" altLang="ko-KR" dirty="0"/>
+              <a:t>)</a:t>
+            </a:r>
+            <a:endParaRPr kumimoji="1" lang="ja-JP" altLang="en-US" dirty="0"/>
+          </a:p>
+        </p:txBody>
+      </p:sp>
+      <p:sp>
+        <p:nvSpPr>
+          <p:cNvPr id="23" name="テキスト ボックス 22">
+            <a:extLst>
+              <a:ext uri="{FF2B5EF4-FFF2-40B4-BE49-F238E27FC236}">
+                <a16:creationId xmlns:a16="http://schemas.microsoft.com/office/drawing/2014/main" id="{2B4891FC-F8E0-400D-8934-DD5B368C4AEE}"/>
+              </a:ext>
+            </a:extLst>
+          </p:cNvPr>
+          <p:cNvSpPr txBox="1"/>
+          <p:nvPr/>
+        </p:nvSpPr>
+        <p:spPr>
+          <a:xfrm>
+            <a:off x="6550782" y="4707178"/>
+            <a:ext cx="2132340" cy="369332"/>
+          </a:xfrm>
+          <a:prstGeom prst="rect">
+            <a:avLst/>
+          </a:prstGeom>
+          <a:noFill/>
+        </p:spPr>
+        <p:txBody>
+          <a:bodyPr wrap="square" rtlCol="0">
+            <a:spAutoFit/>
+          </a:bodyPr>
+          <a:lstStyle/>
+          <a:p>
+            <a:r>
+              <a:rPr kumimoji="1" lang="ko-KR" altLang="en-US" dirty="0" err="1"/>
+              <a:t>리프노드</a:t>
+            </a:r>
+            <a:r>
+              <a:rPr kumimoji="1" lang="en-US" altLang="ko-KR" dirty="0"/>
+              <a:t>3(</a:t>
+            </a:r>
+            <a:r>
+              <a:rPr lang="en-US" altLang="ko-KR" dirty="0"/>
+              <a:t>6~7</a:t>
+            </a:r>
+            <a:r>
+              <a:rPr kumimoji="1" lang="en-US" altLang="ko-KR" dirty="0"/>
+              <a:t>)</a:t>
+            </a:r>
+            <a:endParaRPr kumimoji="1" lang="ja-JP" altLang="en-US" dirty="0"/>
+          </a:p>
+        </p:txBody>
+      </p:sp>
+      <p:sp>
+        <p:nvSpPr>
+          <p:cNvPr id="24" name="テキスト ボックス 23">
+            <a:extLst>
+              <a:ext uri="{FF2B5EF4-FFF2-40B4-BE49-F238E27FC236}">
+                <a16:creationId xmlns:a16="http://schemas.microsoft.com/office/drawing/2014/main" id="{C2733BE6-3A7D-439A-A851-F135349E10D8}"/>
+              </a:ext>
+            </a:extLst>
+          </p:cNvPr>
+          <p:cNvSpPr txBox="1"/>
+          <p:nvPr/>
+        </p:nvSpPr>
+        <p:spPr>
+          <a:xfrm>
+            <a:off x="9491453" y="4685723"/>
+            <a:ext cx="2132340" cy="369332"/>
+          </a:xfrm>
+          <a:prstGeom prst="rect">
+            <a:avLst/>
+          </a:prstGeom>
+          <a:noFill/>
+        </p:spPr>
+        <p:txBody>
+          <a:bodyPr wrap="square" rtlCol="0">
+            <a:spAutoFit/>
+          </a:bodyPr>
+          <a:lstStyle/>
+          <a:p>
+            <a:r>
+              <a:rPr kumimoji="1" lang="ko-KR" altLang="en-US" dirty="0" err="1"/>
+              <a:t>리프노드</a:t>
+            </a:r>
+            <a:r>
+              <a:rPr kumimoji="1" lang="en-US" altLang="ko-KR" dirty="0"/>
+              <a:t>4(</a:t>
+            </a:r>
+            <a:r>
+              <a:rPr lang="en-US" altLang="ko-KR" dirty="0"/>
+              <a:t>8~9</a:t>
+            </a:r>
+            <a:r>
+              <a:rPr kumimoji="1" lang="en-US" altLang="ko-KR" dirty="0"/>
+              <a:t>)</a:t>
+            </a:r>
+            <a:endParaRPr kumimoji="1" lang="ja-JP" altLang="en-US" dirty="0"/>
+          </a:p>
+        </p:txBody>
+      </p:sp>
+      <p:cxnSp>
+        <p:nvCxnSpPr>
+          <p:cNvPr id="26" name="直線矢印コネクタ 25">
+            <a:extLst>
+              <a:ext uri="{FF2B5EF4-FFF2-40B4-BE49-F238E27FC236}">
+                <a16:creationId xmlns:a16="http://schemas.microsoft.com/office/drawing/2014/main" id="{F7344A50-31B1-4426-9B30-3FCF0DD9F67B}"/>
+              </a:ext>
+            </a:extLst>
+          </p:cNvPr>
+          <p:cNvCxnSpPr/>
+          <p:nvPr/>
+        </p:nvCxnSpPr>
+        <p:spPr>
+          <a:xfrm flipH="1">
+            <a:off x="4369044" y="2895802"/>
+            <a:ext cx="138948" cy="220600"/>
+          </a:xfrm>
+          <a:prstGeom prst="straightConnector1">
+            <a:avLst/>
+          </a:prstGeom>
+          <a:ln>
+            <a:tailEnd type="triangle"/>
+          </a:ln>
+        </p:spPr>
+        <p:style>
+          <a:lnRef idx="1">
+            <a:schemeClr val="accent1"/>
+          </a:lnRef>
+          <a:fillRef idx="0">
+            <a:schemeClr val="accent1"/>
+          </a:fillRef>
+          <a:effectRef idx="0">
+            <a:schemeClr val="accent1"/>
+          </a:effectRef>
+          <a:fontRef idx="minor">
+            <a:schemeClr val="tx1"/>
+          </a:fontRef>
+        </p:style>
+      </p:cxnSp>
+      <p:cxnSp>
+        <p:nvCxnSpPr>
+          <p:cNvPr id="28" name="直線矢印コネクタ 27">
+            <a:extLst>
+              <a:ext uri="{FF2B5EF4-FFF2-40B4-BE49-F238E27FC236}">
+                <a16:creationId xmlns:a16="http://schemas.microsoft.com/office/drawing/2014/main" id="{78207EDA-93D5-48CB-B3C4-579CE15D9C2C}"/>
+              </a:ext>
+            </a:extLst>
+          </p:cNvPr>
+          <p:cNvCxnSpPr/>
+          <p:nvPr/>
+        </p:nvCxnSpPr>
+        <p:spPr>
+          <a:xfrm>
+            <a:off x="5586984" y="2861702"/>
+            <a:ext cx="159756" cy="254700"/>
+          </a:xfrm>
+          <a:prstGeom prst="straightConnector1">
+            <a:avLst/>
+          </a:prstGeom>
+          <a:ln>
+            <a:tailEnd type="triangle"/>
+          </a:ln>
+        </p:spPr>
+        <p:style>
+          <a:lnRef idx="1">
+            <a:schemeClr val="accent1"/>
+          </a:lnRef>
+          <a:fillRef idx="0">
+            <a:schemeClr val="accent1"/>
+          </a:fillRef>
+          <a:effectRef idx="0">
+            <a:schemeClr val="accent1"/>
+          </a:effectRef>
+          <a:fontRef idx="minor">
+            <a:schemeClr val="tx1"/>
+          </a:fontRef>
+        </p:style>
+      </p:cxnSp>
+      <p:cxnSp>
+        <p:nvCxnSpPr>
+          <p:cNvPr id="32" name="直線矢印コネクタ 31">
+            <a:extLst>
+              <a:ext uri="{FF2B5EF4-FFF2-40B4-BE49-F238E27FC236}">
+                <a16:creationId xmlns:a16="http://schemas.microsoft.com/office/drawing/2014/main" id="{F54A93A8-A1C4-40EA-A5B9-E42296AAE9ED}"/>
+              </a:ext>
+            </a:extLst>
+          </p:cNvPr>
+          <p:cNvCxnSpPr>
+            <a:cxnSpLocks/>
+          </p:cNvCxnSpPr>
+          <p:nvPr/>
+        </p:nvCxnSpPr>
+        <p:spPr>
+          <a:xfrm flipH="1">
+            <a:off x="2661582" y="4685723"/>
+            <a:ext cx="246211" cy="369332"/>
+          </a:xfrm>
+          <a:prstGeom prst="straightConnector1">
+            <a:avLst/>
+          </a:prstGeom>
+          <a:ln>
+            <a:tailEnd type="triangle"/>
+          </a:ln>
+        </p:spPr>
+        <p:style>
+          <a:lnRef idx="1">
+            <a:schemeClr val="accent1"/>
+          </a:lnRef>
+          <a:fillRef idx="0">
+            <a:schemeClr val="accent1"/>
+          </a:fillRef>
+          <a:effectRef idx="0">
+            <a:schemeClr val="accent1"/>
+          </a:effectRef>
+          <a:fontRef idx="minor">
+            <a:schemeClr val="tx1"/>
+          </a:fontRef>
+        </p:style>
+      </p:cxnSp>
+      <p:cxnSp>
+        <p:nvCxnSpPr>
+          <p:cNvPr id="34" name="直線矢印コネクタ 33">
+            <a:extLst>
+              <a:ext uri="{FF2B5EF4-FFF2-40B4-BE49-F238E27FC236}">
+                <a16:creationId xmlns:a16="http://schemas.microsoft.com/office/drawing/2014/main" id="{BCB85936-FB2A-4143-A08A-B85F7F9A47A2}"/>
+              </a:ext>
+            </a:extLst>
+          </p:cNvPr>
+          <p:cNvCxnSpPr/>
+          <p:nvPr/>
+        </p:nvCxnSpPr>
+        <p:spPr>
+          <a:xfrm>
+            <a:off x="3260714" y="4685723"/>
+            <a:ext cx="143322" cy="369332"/>
+          </a:xfrm>
+          <a:prstGeom prst="straightConnector1">
+            <a:avLst/>
+          </a:prstGeom>
+          <a:ln>
+            <a:tailEnd type="triangle"/>
+          </a:ln>
+        </p:spPr>
+        <p:style>
+          <a:lnRef idx="1">
+            <a:schemeClr val="accent1"/>
+          </a:lnRef>
+          <a:fillRef idx="0">
+            <a:schemeClr val="accent1"/>
+          </a:fillRef>
+          <a:effectRef idx="0">
+            <a:schemeClr val="accent1"/>
+          </a:effectRef>
+          <a:fontRef idx="minor">
+            <a:schemeClr val="tx1"/>
+          </a:fontRef>
+        </p:style>
+      </p:cxnSp>
+      <p:cxnSp>
+        <p:nvCxnSpPr>
+          <p:cNvPr id="36" name="直線矢印コネクタ 35">
+            <a:extLst>
+              <a:ext uri="{FF2B5EF4-FFF2-40B4-BE49-F238E27FC236}">
+                <a16:creationId xmlns:a16="http://schemas.microsoft.com/office/drawing/2014/main" id="{886A5113-DD2C-4D5C-ABB3-B9A343100153}"/>
+              </a:ext>
+            </a:extLst>
+          </p:cNvPr>
+          <p:cNvCxnSpPr/>
+          <p:nvPr/>
+        </p:nvCxnSpPr>
+        <p:spPr>
+          <a:xfrm>
+            <a:off x="7159752" y="4564000"/>
+            <a:ext cx="0" cy="305851"/>
+          </a:xfrm>
+          <a:prstGeom prst="straightConnector1">
+            <a:avLst/>
+          </a:prstGeom>
+          <a:ln>
+            <a:tailEnd type="triangle"/>
+          </a:ln>
+        </p:spPr>
+        <p:style>
+          <a:lnRef idx="1">
+            <a:schemeClr val="accent1"/>
+          </a:lnRef>
+          <a:fillRef idx="0">
+            <a:schemeClr val="accent1"/>
+          </a:fillRef>
+          <a:effectRef idx="0">
+            <a:schemeClr val="accent1"/>
+          </a:effectRef>
+          <a:fontRef idx="minor">
+            <a:schemeClr val="tx1"/>
+          </a:fontRef>
+        </p:style>
+      </p:cxnSp>
+      <p:cxnSp>
+        <p:nvCxnSpPr>
+          <p:cNvPr id="38" name="直線矢印コネクタ 37">
+            <a:extLst>
+              <a:ext uri="{FF2B5EF4-FFF2-40B4-BE49-F238E27FC236}">
+                <a16:creationId xmlns:a16="http://schemas.microsoft.com/office/drawing/2014/main" id="{D55FF79D-F2B3-4A36-A619-0A86A1D50528}"/>
+              </a:ext>
+            </a:extLst>
+          </p:cNvPr>
+          <p:cNvCxnSpPr/>
+          <p:nvPr/>
+        </p:nvCxnSpPr>
+        <p:spPr>
+          <a:xfrm>
+            <a:off x="8547196" y="4507133"/>
+            <a:ext cx="669956" cy="463469"/>
+          </a:xfrm>
+          <a:prstGeom prst="straightConnector1">
+            <a:avLst/>
+          </a:prstGeom>
+          <a:ln>
+            <a:tailEnd type="triangle"/>
+          </a:ln>
+        </p:spPr>
+        <p:style>
+          <a:lnRef idx="1">
+            <a:schemeClr val="accent1"/>
+          </a:lnRef>
+          <a:fillRef idx="0">
+            <a:schemeClr val="accent1"/>
+          </a:fillRef>
+          <a:effectRef idx="0">
+            <a:schemeClr val="accent1"/>
+          </a:effectRef>
+          <a:fontRef idx="minor">
+            <a:schemeClr val="tx1"/>
+          </a:fontRef>
+        </p:style>
+      </p:cxnSp>
+      <p:sp>
+        <p:nvSpPr>
+          <p:cNvPr id="40" name="テキスト ボックス 39">
+            <a:extLst>
+              <a:ext uri="{FF2B5EF4-FFF2-40B4-BE49-F238E27FC236}">
+                <a16:creationId xmlns:a16="http://schemas.microsoft.com/office/drawing/2014/main" id="{02A444BD-3E40-4E41-8DB9-C74B43CBE546}"/>
+              </a:ext>
+            </a:extLst>
+          </p:cNvPr>
+          <p:cNvSpPr txBox="1"/>
+          <p:nvPr/>
+        </p:nvSpPr>
+        <p:spPr>
+          <a:xfrm>
+            <a:off x="9977630" y="240114"/>
+            <a:ext cx="2132340" cy="369332"/>
+          </a:xfrm>
+          <a:prstGeom prst="rect">
+            <a:avLst/>
+          </a:prstGeom>
+          <a:noFill/>
+        </p:spPr>
+        <p:txBody>
+          <a:bodyPr wrap="square" rtlCol="0">
+            <a:spAutoFit/>
+          </a:bodyPr>
+          <a:lstStyle/>
+          <a:p>
+            <a:r>
+              <a:rPr lang="ko-KR" altLang="en-US" dirty="0"/>
+              <a:t> 데이터 페이지</a:t>
+            </a:r>
+            <a:endParaRPr kumimoji="1" lang="ja-JP" altLang="en-US" dirty="0"/>
+          </a:p>
+        </p:txBody>
+      </p:sp>
+      <p:sp>
+        <p:nvSpPr>
+          <p:cNvPr id="41" name="テキスト ボックス 40">
+            <a:extLst>
+              <a:ext uri="{FF2B5EF4-FFF2-40B4-BE49-F238E27FC236}">
+                <a16:creationId xmlns:a16="http://schemas.microsoft.com/office/drawing/2014/main" id="{7A6CF1A5-654E-402F-B55F-D170ABA7355F}"/>
+              </a:ext>
+            </a:extLst>
+          </p:cNvPr>
+          <p:cNvSpPr txBox="1"/>
+          <p:nvPr/>
+        </p:nvSpPr>
+        <p:spPr>
+          <a:xfrm>
+            <a:off x="155448" y="117208"/>
+            <a:ext cx="8005718" cy="369332"/>
+          </a:xfrm>
+          <a:prstGeom prst="rect">
+            <a:avLst/>
+          </a:prstGeom>
+          <a:noFill/>
+        </p:spPr>
+        <p:txBody>
+          <a:bodyPr wrap="square" rtlCol="0">
+            <a:spAutoFit/>
+          </a:bodyPr>
+          <a:lstStyle/>
+          <a:p>
+            <a:r>
+              <a:rPr lang="ko-KR" altLang="en-US" dirty="0"/>
+              <a:t>논 </a:t>
+            </a:r>
+            <a:r>
+              <a:rPr lang="ko-KR" altLang="en-US" dirty="0" err="1"/>
+              <a:t>클러스터드</a:t>
+            </a:r>
+            <a:r>
+              <a:rPr lang="ko-KR" altLang="en-US" dirty="0"/>
+              <a:t> 인덱스 구조</a:t>
+            </a:r>
+            <a:r>
+              <a:rPr lang="en-US" altLang="ko-KR" dirty="0"/>
+              <a:t>(</a:t>
+            </a:r>
+            <a:r>
+              <a:rPr lang="ko-KR" altLang="en-US" dirty="0"/>
+              <a:t>테이블에 </a:t>
+            </a:r>
+            <a:r>
+              <a:rPr lang="ko-KR" altLang="en-US" dirty="0" err="1"/>
+              <a:t>논클러스터드</a:t>
+            </a:r>
+            <a:r>
+              <a:rPr lang="ko-KR" altLang="en-US" dirty="0"/>
+              <a:t> 인덱스만 존재할 경우</a:t>
+            </a:r>
+            <a:r>
+              <a:rPr lang="en-US" altLang="ko-KR" dirty="0"/>
+              <a:t>)</a:t>
+            </a:r>
+            <a:endParaRPr kumimoji="1" lang="ja-JP" altLang="en-US" dirty="0"/>
+          </a:p>
+        </p:txBody>
+      </p:sp>
+      <p:cxnSp>
+        <p:nvCxnSpPr>
+          <p:cNvPr id="43" name="直線矢印コネクタ 42">
+            <a:extLst>
+              <a:ext uri="{FF2B5EF4-FFF2-40B4-BE49-F238E27FC236}">
+                <a16:creationId xmlns:a16="http://schemas.microsoft.com/office/drawing/2014/main" id="{8DD54260-210E-400F-95E3-6EE2241A5F33}"/>
+              </a:ext>
+            </a:extLst>
+          </p:cNvPr>
+          <p:cNvCxnSpPr>
+            <a:cxnSpLocks/>
+          </p:cNvCxnSpPr>
+          <p:nvPr/>
+        </p:nvCxnSpPr>
+        <p:spPr>
+          <a:xfrm flipH="1">
+            <a:off x="6798576" y="1243584"/>
+            <a:ext cx="2132340" cy="969264"/>
+          </a:xfrm>
+          <a:prstGeom prst="straightConnector1">
+            <a:avLst/>
+          </a:prstGeom>
+          <a:ln>
+            <a:tailEnd type="triangle"/>
+          </a:ln>
+        </p:spPr>
+        <p:style>
+          <a:lnRef idx="1">
+            <a:schemeClr val="accent1"/>
+          </a:lnRef>
+          <a:fillRef idx="0">
+            <a:schemeClr val="accent1"/>
+          </a:fillRef>
+          <a:effectRef idx="0">
+            <a:schemeClr val="accent1"/>
+          </a:effectRef>
+          <a:fontRef idx="minor">
+            <a:schemeClr val="tx1"/>
+          </a:fontRef>
+        </p:style>
+      </p:cxnSp>
+      <p:cxnSp>
+        <p:nvCxnSpPr>
+          <p:cNvPr id="45" name="直線矢印コネクタ 44">
+            <a:extLst>
+              <a:ext uri="{FF2B5EF4-FFF2-40B4-BE49-F238E27FC236}">
+                <a16:creationId xmlns:a16="http://schemas.microsoft.com/office/drawing/2014/main" id="{62F6BE15-96AD-4F50-99FD-47D7AB518C6A}"/>
+              </a:ext>
+            </a:extLst>
+          </p:cNvPr>
+          <p:cNvCxnSpPr/>
+          <p:nvPr/>
+        </p:nvCxnSpPr>
+        <p:spPr>
+          <a:xfrm flipH="1" flipV="1">
+            <a:off x="6798576" y="2642616"/>
+            <a:ext cx="2132340" cy="473786"/>
+          </a:xfrm>
+          <a:prstGeom prst="straightConnector1">
+            <a:avLst/>
+          </a:prstGeom>
+          <a:ln>
+            <a:tailEnd type="triangle"/>
+          </a:ln>
+        </p:spPr>
+        <p:style>
+          <a:lnRef idx="1">
+            <a:schemeClr val="accent1"/>
+          </a:lnRef>
+          <a:fillRef idx="0">
+            <a:schemeClr val="accent1"/>
+          </a:fillRef>
+          <a:effectRef idx="0">
+            <a:schemeClr val="accent1"/>
+          </a:effectRef>
+          <a:fontRef idx="minor">
+            <a:schemeClr val="tx1"/>
+          </a:fontRef>
+        </p:style>
+      </p:cxnSp>
+      <p:graphicFrame>
+        <p:nvGraphicFramePr>
+          <p:cNvPr id="2" name="表 2">
+            <a:extLst>
+              <a:ext uri="{FF2B5EF4-FFF2-40B4-BE49-F238E27FC236}">
+                <a16:creationId xmlns:a16="http://schemas.microsoft.com/office/drawing/2014/main" id="{D3411F3A-E657-470F-B3E8-D76FBC18CE28}"/>
+              </a:ext>
+            </a:extLst>
+          </p:cNvPr>
+          <p:cNvGraphicFramePr>
+            <a:graphicFrameLocks noGrp="1"/>
+          </p:cNvGraphicFramePr>
+          <p:nvPr/>
+        </p:nvGraphicFramePr>
+        <p:xfrm>
+          <a:off x="3955943" y="1562362"/>
+          <a:ext cx="2574182" cy="1112520"/>
+        </p:xfrm>
+        <a:graphic>
+          <a:graphicData uri="http://schemas.openxmlformats.org/drawingml/2006/table">
+            <a:tbl>
+              <a:tblPr firstRow="1" bandRow="1">
+                <a:tableStyleId>{5C22544A-7EE6-4342-B048-85BDC9FD1C3A}</a:tableStyleId>
+              </a:tblPr>
+              <a:tblGrid>
+                <a:gridCol w="1287091">
+                  <a:extLst>
+                    <a:ext uri="{9D8B030D-6E8A-4147-A177-3AD203B41FA5}">
+                      <a16:colId xmlns:a16="http://schemas.microsoft.com/office/drawing/2014/main" val="2953077834"/>
+                    </a:ext>
+                  </a:extLst>
+                </a:gridCol>
+                <a:gridCol w="1287091">
+                  <a:extLst>
+                    <a:ext uri="{9D8B030D-6E8A-4147-A177-3AD203B41FA5}">
+                      <a16:colId xmlns:a16="http://schemas.microsoft.com/office/drawing/2014/main" val="1424621374"/>
+                    </a:ext>
+                  </a:extLst>
+                </a:gridCol>
+              </a:tblGrid>
+              <a:tr h="370840">
+                <a:tc>
+                  <a:txBody>
+                    <a:bodyPr/>
+                    <a:lstStyle/>
+                    <a:p>
+                      <a:r>
+                        <a:rPr kumimoji="1" lang="en-US" altLang="ja-JP" dirty="0"/>
+                        <a:t>Num</a:t>
+                      </a:r>
+                      <a:endParaRPr kumimoji="1" lang="ja-JP" altLang="en-US" dirty="0"/>
+                    </a:p>
+                  </a:txBody>
+                  <a:tcPr/>
+                </a:tc>
+                <a:tc>
+                  <a:txBody>
+                    <a:bodyPr/>
+                    <a:lstStyle/>
+                    <a:p>
+                      <a:r>
+                        <a:rPr kumimoji="1" lang="ko-KR" altLang="en-US" dirty="0"/>
+                        <a:t>주소</a:t>
+                      </a:r>
+                      <a:endParaRPr kumimoji="1" lang="ja-JP" altLang="en-US" dirty="0"/>
+                    </a:p>
+                  </a:txBody>
+                  <a:tcPr/>
+                </a:tc>
+                <a:extLst>
+                  <a:ext uri="{0D108BD9-81ED-4DB2-BD59-A6C34878D82A}">
+                    <a16:rowId xmlns:a16="http://schemas.microsoft.com/office/drawing/2014/main" val="4134553298"/>
+                  </a:ext>
+                </a:extLst>
+              </a:tr>
+              <a:tr h="370840">
+                <a:tc>
+                  <a:txBody>
+                    <a:bodyPr/>
+                    <a:lstStyle/>
+                    <a:p>
+                      <a:r>
+                        <a:rPr kumimoji="1" lang="en-US" altLang="ja-JP" dirty="0"/>
+                        <a:t>1</a:t>
+                      </a:r>
+                      <a:endParaRPr kumimoji="1" lang="ja-JP" altLang="en-US" dirty="0"/>
+                    </a:p>
+                  </a:txBody>
+                  <a:tcPr/>
+                </a:tc>
+                <a:tc>
+                  <a:txBody>
+                    <a:bodyPr/>
+                    <a:lstStyle/>
+                    <a:p>
+                      <a:r>
+                        <a:rPr kumimoji="1" lang="ko-KR" altLang="en-US" dirty="0"/>
+                        <a:t>중간</a:t>
+                      </a:r>
+                      <a:r>
+                        <a:rPr kumimoji="1" lang="en-US" altLang="ko-KR" dirty="0"/>
+                        <a:t>1</a:t>
+                      </a:r>
+                      <a:endParaRPr kumimoji="1" lang="ja-JP" altLang="en-US" dirty="0"/>
+                    </a:p>
+                  </a:txBody>
+                  <a:tcPr/>
+                </a:tc>
+                <a:extLst>
+                  <a:ext uri="{0D108BD9-81ED-4DB2-BD59-A6C34878D82A}">
+                    <a16:rowId xmlns:a16="http://schemas.microsoft.com/office/drawing/2014/main" val="1845512106"/>
+                  </a:ext>
+                </a:extLst>
+              </a:tr>
+              <a:tr h="370840">
+                <a:tc>
+                  <a:txBody>
+                    <a:bodyPr/>
+                    <a:lstStyle/>
+                    <a:p>
+                      <a:r>
+                        <a:rPr kumimoji="1" lang="en-US" altLang="ja-JP" dirty="0"/>
+                        <a:t>6</a:t>
+                      </a:r>
+                      <a:endParaRPr kumimoji="1" lang="ja-JP" altLang="en-US" dirty="0"/>
+                    </a:p>
+                  </a:txBody>
+                  <a:tcPr/>
+                </a:tc>
+                <a:tc>
+                  <a:txBody>
+                    <a:bodyPr/>
+                    <a:lstStyle/>
+                    <a:p>
+                      <a:r>
+                        <a:rPr kumimoji="1" lang="ko-KR" altLang="en-US" dirty="0"/>
+                        <a:t>중간</a:t>
+                      </a:r>
+                      <a:r>
+                        <a:rPr kumimoji="1" lang="en-US" altLang="ko-KR" dirty="0"/>
+                        <a:t>2</a:t>
+                      </a:r>
+                      <a:endParaRPr kumimoji="1" lang="ja-JP" altLang="en-US" dirty="0"/>
+                    </a:p>
+                  </a:txBody>
+                  <a:tcPr/>
+                </a:tc>
+                <a:extLst>
+                  <a:ext uri="{0D108BD9-81ED-4DB2-BD59-A6C34878D82A}">
+                    <a16:rowId xmlns:a16="http://schemas.microsoft.com/office/drawing/2014/main" val="3692975475"/>
+                  </a:ext>
+                </a:extLst>
+              </a:tr>
+            </a:tbl>
+          </a:graphicData>
+        </a:graphic>
+      </p:graphicFrame>
+      <p:graphicFrame>
+        <p:nvGraphicFramePr>
+          <p:cNvPr id="29" name="表 2">
+            <a:extLst>
+              <a:ext uri="{FF2B5EF4-FFF2-40B4-BE49-F238E27FC236}">
+                <a16:creationId xmlns:a16="http://schemas.microsoft.com/office/drawing/2014/main" id="{9129C230-0008-434B-9700-0909E5360131}"/>
+              </a:ext>
+            </a:extLst>
+          </p:cNvPr>
+          <p:cNvGraphicFramePr>
+            <a:graphicFrameLocks noGrp="1"/>
+          </p:cNvGraphicFramePr>
+          <p:nvPr/>
+        </p:nvGraphicFramePr>
+        <p:xfrm>
+          <a:off x="1913153" y="3341833"/>
+          <a:ext cx="2574182" cy="1112520"/>
+        </p:xfrm>
+        <a:graphic>
+          <a:graphicData uri="http://schemas.openxmlformats.org/drawingml/2006/table">
+            <a:tbl>
+              <a:tblPr firstRow="1" bandRow="1">
+                <a:tableStyleId>{5C22544A-7EE6-4342-B048-85BDC9FD1C3A}</a:tableStyleId>
+              </a:tblPr>
+              <a:tblGrid>
+                <a:gridCol w="1287091">
+                  <a:extLst>
+                    <a:ext uri="{9D8B030D-6E8A-4147-A177-3AD203B41FA5}">
+                      <a16:colId xmlns:a16="http://schemas.microsoft.com/office/drawing/2014/main" val="2953077834"/>
+                    </a:ext>
+                  </a:extLst>
+                </a:gridCol>
+                <a:gridCol w="1287091">
+                  <a:extLst>
+                    <a:ext uri="{9D8B030D-6E8A-4147-A177-3AD203B41FA5}">
+                      <a16:colId xmlns:a16="http://schemas.microsoft.com/office/drawing/2014/main" val="1424621374"/>
+                    </a:ext>
+                  </a:extLst>
+                </a:gridCol>
+              </a:tblGrid>
+              <a:tr h="370840">
+                <a:tc>
+                  <a:txBody>
+                    <a:bodyPr/>
+                    <a:lstStyle/>
+                    <a:p>
+                      <a:r>
+                        <a:rPr kumimoji="1" lang="en-US" altLang="ja-JP" dirty="0"/>
+                        <a:t>Num</a:t>
+                      </a:r>
+                      <a:endParaRPr kumimoji="1" lang="ja-JP" altLang="en-US" dirty="0"/>
+                    </a:p>
+                  </a:txBody>
+                  <a:tcPr/>
+                </a:tc>
+                <a:tc>
+                  <a:txBody>
+                    <a:bodyPr/>
+                    <a:lstStyle/>
+                    <a:p>
+                      <a:r>
+                        <a:rPr kumimoji="1" lang="ko-KR" altLang="en-US" dirty="0"/>
+                        <a:t>주소</a:t>
+                      </a:r>
+                      <a:endParaRPr kumimoji="1" lang="ja-JP" altLang="en-US" dirty="0"/>
+                    </a:p>
+                  </a:txBody>
+                  <a:tcPr/>
+                </a:tc>
+                <a:extLst>
+                  <a:ext uri="{0D108BD9-81ED-4DB2-BD59-A6C34878D82A}">
+                    <a16:rowId xmlns:a16="http://schemas.microsoft.com/office/drawing/2014/main" val="4134553298"/>
+                  </a:ext>
+                </a:extLst>
+              </a:tr>
+              <a:tr h="370840">
+                <a:tc>
+                  <a:txBody>
+                    <a:bodyPr/>
+                    <a:lstStyle/>
+                    <a:p>
+                      <a:r>
+                        <a:rPr kumimoji="1" lang="en-US" altLang="ja-JP" dirty="0"/>
+                        <a:t>1</a:t>
+                      </a:r>
+                      <a:endParaRPr kumimoji="1" lang="ja-JP" altLang="en-US" dirty="0"/>
+                    </a:p>
+                  </a:txBody>
+                  <a:tcPr/>
+                </a:tc>
+                <a:tc>
+                  <a:txBody>
+                    <a:bodyPr/>
+                    <a:lstStyle/>
+                    <a:p>
+                      <a:r>
+                        <a:rPr kumimoji="1" lang="ko-KR" altLang="en-US" dirty="0"/>
+                        <a:t>리프</a:t>
+                      </a:r>
+                      <a:r>
+                        <a:rPr kumimoji="1" lang="en-US" altLang="ko-KR" dirty="0"/>
+                        <a:t>1</a:t>
+                      </a:r>
+                      <a:endParaRPr kumimoji="1" lang="ja-JP" altLang="en-US" dirty="0"/>
+                    </a:p>
+                  </a:txBody>
+                  <a:tcPr/>
+                </a:tc>
+                <a:extLst>
+                  <a:ext uri="{0D108BD9-81ED-4DB2-BD59-A6C34878D82A}">
+                    <a16:rowId xmlns:a16="http://schemas.microsoft.com/office/drawing/2014/main" val="1845512106"/>
+                  </a:ext>
+                </a:extLst>
+              </a:tr>
+              <a:tr h="370840">
+                <a:tc>
+                  <a:txBody>
+                    <a:bodyPr/>
+                    <a:lstStyle/>
+                    <a:p>
+                      <a:r>
+                        <a:rPr kumimoji="1" lang="en-US" altLang="ja-JP" dirty="0"/>
+                        <a:t>4</a:t>
+                      </a:r>
+                      <a:endParaRPr kumimoji="1" lang="ja-JP" altLang="en-US" dirty="0"/>
+                    </a:p>
+                  </a:txBody>
+                  <a:tcPr/>
+                </a:tc>
+                <a:tc>
+                  <a:txBody>
+                    <a:bodyPr/>
+                    <a:lstStyle/>
+                    <a:p>
+                      <a:r>
+                        <a:rPr kumimoji="1" lang="ko-KR" altLang="en-US" dirty="0"/>
+                        <a:t>리프</a:t>
+                      </a:r>
+                      <a:r>
+                        <a:rPr kumimoji="1" lang="en-US" altLang="ko-KR" dirty="0"/>
+                        <a:t>2</a:t>
+                      </a:r>
+                      <a:endParaRPr kumimoji="1" lang="ja-JP" altLang="en-US" dirty="0"/>
+                    </a:p>
+                  </a:txBody>
+                  <a:tcPr/>
+                </a:tc>
+                <a:extLst>
+                  <a:ext uri="{0D108BD9-81ED-4DB2-BD59-A6C34878D82A}">
+                    <a16:rowId xmlns:a16="http://schemas.microsoft.com/office/drawing/2014/main" val="3692975475"/>
+                  </a:ext>
+                </a:extLst>
+              </a:tr>
+            </a:tbl>
+          </a:graphicData>
+        </a:graphic>
+      </p:graphicFrame>
+      <p:graphicFrame>
+        <p:nvGraphicFramePr>
+          <p:cNvPr id="30" name="表 2">
+            <a:extLst>
+              <a:ext uri="{FF2B5EF4-FFF2-40B4-BE49-F238E27FC236}">
+                <a16:creationId xmlns:a16="http://schemas.microsoft.com/office/drawing/2014/main" id="{A159E0B3-88A8-4B80-AF79-5109E1C6D5E1}"/>
+              </a:ext>
+            </a:extLst>
+          </p:cNvPr>
+          <p:cNvGraphicFramePr>
+            <a:graphicFrameLocks noGrp="1"/>
+          </p:cNvGraphicFramePr>
+          <p:nvPr/>
+        </p:nvGraphicFramePr>
+        <p:xfrm>
+          <a:off x="5586984" y="3326141"/>
+          <a:ext cx="2574182" cy="1112520"/>
+        </p:xfrm>
+        <a:graphic>
+          <a:graphicData uri="http://schemas.openxmlformats.org/drawingml/2006/table">
+            <a:tbl>
+              <a:tblPr firstRow="1" bandRow="1">
+                <a:tableStyleId>{5C22544A-7EE6-4342-B048-85BDC9FD1C3A}</a:tableStyleId>
+              </a:tblPr>
+              <a:tblGrid>
+                <a:gridCol w="1287091">
+                  <a:extLst>
+                    <a:ext uri="{9D8B030D-6E8A-4147-A177-3AD203B41FA5}">
+                      <a16:colId xmlns:a16="http://schemas.microsoft.com/office/drawing/2014/main" val="2953077834"/>
+                    </a:ext>
+                  </a:extLst>
+                </a:gridCol>
+                <a:gridCol w="1287091">
+                  <a:extLst>
+                    <a:ext uri="{9D8B030D-6E8A-4147-A177-3AD203B41FA5}">
+                      <a16:colId xmlns:a16="http://schemas.microsoft.com/office/drawing/2014/main" val="1424621374"/>
+                    </a:ext>
+                  </a:extLst>
+                </a:gridCol>
+              </a:tblGrid>
+              <a:tr h="370840">
+                <a:tc>
+                  <a:txBody>
+                    <a:bodyPr/>
+                    <a:lstStyle/>
+                    <a:p>
+                      <a:r>
+                        <a:rPr kumimoji="1" lang="en-US" altLang="ja-JP" dirty="0"/>
+                        <a:t>Num</a:t>
+                      </a:r>
+                      <a:endParaRPr kumimoji="1" lang="ja-JP" altLang="en-US" dirty="0"/>
+                    </a:p>
+                  </a:txBody>
+                  <a:tcPr/>
+                </a:tc>
+                <a:tc>
+                  <a:txBody>
+                    <a:bodyPr/>
+                    <a:lstStyle/>
+                    <a:p>
+                      <a:r>
+                        <a:rPr kumimoji="1" lang="ko-KR" altLang="en-US" dirty="0"/>
+                        <a:t>주소</a:t>
+                      </a:r>
+                      <a:endParaRPr kumimoji="1" lang="ja-JP" altLang="en-US" dirty="0"/>
+                    </a:p>
+                  </a:txBody>
+                  <a:tcPr/>
+                </a:tc>
+                <a:extLst>
+                  <a:ext uri="{0D108BD9-81ED-4DB2-BD59-A6C34878D82A}">
+                    <a16:rowId xmlns:a16="http://schemas.microsoft.com/office/drawing/2014/main" val="4134553298"/>
+                  </a:ext>
+                </a:extLst>
+              </a:tr>
+              <a:tr h="370840">
+                <a:tc>
+                  <a:txBody>
+                    <a:bodyPr/>
+                    <a:lstStyle/>
+                    <a:p>
+                      <a:r>
+                        <a:rPr kumimoji="1" lang="en-US" altLang="ja-JP" dirty="0"/>
+                        <a:t>6</a:t>
+                      </a:r>
+                      <a:endParaRPr kumimoji="1" lang="ja-JP" altLang="en-US" dirty="0"/>
+                    </a:p>
+                  </a:txBody>
+                  <a:tcPr/>
+                </a:tc>
+                <a:tc>
+                  <a:txBody>
+                    <a:bodyPr/>
+                    <a:lstStyle/>
+                    <a:p>
+                      <a:r>
+                        <a:rPr kumimoji="1" lang="ko-KR" altLang="en-US" dirty="0"/>
+                        <a:t>리프</a:t>
+                      </a:r>
+                      <a:r>
+                        <a:rPr kumimoji="1" lang="en-US" altLang="ko-KR" dirty="0"/>
+                        <a:t>3</a:t>
+                      </a:r>
+                      <a:endParaRPr kumimoji="1" lang="ja-JP" altLang="en-US" dirty="0"/>
+                    </a:p>
+                  </a:txBody>
+                  <a:tcPr/>
+                </a:tc>
+                <a:extLst>
+                  <a:ext uri="{0D108BD9-81ED-4DB2-BD59-A6C34878D82A}">
+                    <a16:rowId xmlns:a16="http://schemas.microsoft.com/office/drawing/2014/main" val="1845512106"/>
+                  </a:ext>
+                </a:extLst>
+              </a:tr>
+              <a:tr h="370840">
+                <a:tc>
+                  <a:txBody>
+                    <a:bodyPr/>
+                    <a:lstStyle/>
+                    <a:p>
+                      <a:r>
+                        <a:rPr kumimoji="1" lang="en-US" altLang="ja-JP" dirty="0"/>
+                        <a:t>8</a:t>
+                      </a:r>
+                      <a:endParaRPr kumimoji="1" lang="ja-JP" altLang="en-US" dirty="0"/>
+                    </a:p>
+                  </a:txBody>
+                  <a:tcPr/>
+                </a:tc>
+                <a:tc>
+                  <a:txBody>
+                    <a:bodyPr/>
+                    <a:lstStyle/>
+                    <a:p>
+                      <a:r>
+                        <a:rPr kumimoji="1" lang="ko-KR" altLang="en-US" dirty="0"/>
+                        <a:t>리프</a:t>
+                      </a:r>
+                      <a:r>
+                        <a:rPr kumimoji="1" lang="en-US" altLang="ko-KR" dirty="0"/>
+                        <a:t>4</a:t>
+                      </a:r>
+                      <a:endParaRPr kumimoji="1" lang="ja-JP" altLang="en-US" dirty="0"/>
+                    </a:p>
+                  </a:txBody>
+                  <a:tcPr/>
+                </a:tc>
+                <a:extLst>
+                  <a:ext uri="{0D108BD9-81ED-4DB2-BD59-A6C34878D82A}">
+                    <a16:rowId xmlns:a16="http://schemas.microsoft.com/office/drawing/2014/main" val="3692975475"/>
+                  </a:ext>
+                </a:extLst>
+              </a:tr>
+            </a:tbl>
+          </a:graphicData>
+        </a:graphic>
+      </p:graphicFrame>
+      <p:graphicFrame>
+        <p:nvGraphicFramePr>
+          <p:cNvPr id="31" name="表 2">
+            <a:extLst>
+              <a:ext uri="{FF2B5EF4-FFF2-40B4-BE49-F238E27FC236}">
+                <a16:creationId xmlns:a16="http://schemas.microsoft.com/office/drawing/2014/main" id="{A97F3DEC-2A0E-4616-A251-202D0526CBB8}"/>
+              </a:ext>
+            </a:extLst>
+          </p:cNvPr>
+          <p:cNvGraphicFramePr>
+            <a:graphicFrameLocks noGrp="1"/>
+          </p:cNvGraphicFramePr>
+          <p:nvPr>
+            <p:extLst>
+              <p:ext uri="{D42A27DB-BD31-4B8C-83A1-F6EECF244321}">
+                <p14:modId xmlns:p14="http://schemas.microsoft.com/office/powerpoint/2010/main" val="2751233474"/>
+              </p:ext>
+            </p:extLst>
+          </p:nvPr>
+        </p:nvGraphicFramePr>
+        <p:xfrm>
+          <a:off x="3200244" y="5190724"/>
+          <a:ext cx="2574182" cy="1112520"/>
+        </p:xfrm>
+        <a:graphic>
+          <a:graphicData uri="http://schemas.openxmlformats.org/drawingml/2006/table">
+            <a:tbl>
+              <a:tblPr firstRow="1" bandRow="1">
+                <a:tableStyleId>{5C22544A-7EE6-4342-B048-85BDC9FD1C3A}</a:tableStyleId>
+              </a:tblPr>
+              <a:tblGrid>
+                <a:gridCol w="1287091">
+                  <a:extLst>
+                    <a:ext uri="{9D8B030D-6E8A-4147-A177-3AD203B41FA5}">
+                      <a16:colId xmlns:a16="http://schemas.microsoft.com/office/drawing/2014/main" val="2953077834"/>
+                    </a:ext>
+                  </a:extLst>
+                </a:gridCol>
+                <a:gridCol w="1287091">
+                  <a:extLst>
+                    <a:ext uri="{9D8B030D-6E8A-4147-A177-3AD203B41FA5}">
+                      <a16:colId xmlns:a16="http://schemas.microsoft.com/office/drawing/2014/main" val="1424621374"/>
+                    </a:ext>
+                  </a:extLst>
+                </a:gridCol>
+              </a:tblGrid>
+              <a:tr h="370840">
+                <a:tc>
+                  <a:txBody>
+                    <a:bodyPr/>
+                    <a:lstStyle/>
+                    <a:p>
+                      <a:r>
+                        <a:rPr kumimoji="1" lang="en-US" altLang="ja-JP" dirty="0"/>
+                        <a:t>Num</a:t>
+                      </a:r>
+                      <a:endParaRPr kumimoji="1" lang="ja-JP" altLang="en-US" dirty="0"/>
+                    </a:p>
+                  </a:txBody>
+                  <a:tcPr/>
+                </a:tc>
+                <a:tc>
+                  <a:txBody>
+                    <a:bodyPr/>
+                    <a:lstStyle/>
+                    <a:p>
+                      <a:r>
+                        <a:rPr kumimoji="1" lang="en-US" altLang="ko-KR" dirty="0"/>
+                        <a:t>RID</a:t>
+                      </a:r>
+                      <a:endParaRPr kumimoji="1" lang="ja-JP" altLang="en-US" dirty="0"/>
+                    </a:p>
+                  </a:txBody>
+                  <a:tcPr/>
+                </a:tc>
+                <a:extLst>
+                  <a:ext uri="{0D108BD9-81ED-4DB2-BD59-A6C34878D82A}">
+                    <a16:rowId xmlns:a16="http://schemas.microsoft.com/office/drawing/2014/main" val="4134553298"/>
+                  </a:ext>
+                </a:extLst>
+              </a:tr>
+              <a:tr h="370840">
+                <a:tc>
+                  <a:txBody>
+                    <a:bodyPr/>
+                    <a:lstStyle/>
+                    <a:p>
+                      <a:r>
+                        <a:rPr kumimoji="1" lang="en-US" altLang="ja-JP" dirty="0"/>
+                        <a:t>4</a:t>
+                      </a:r>
+                      <a:endParaRPr kumimoji="1" lang="ja-JP" altLang="en-US" dirty="0"/>
+                    </a:p>
+                  </a:txBody>
+                  <a:tcPr/>
+                </a:tc>
+                <a:tc>
+                  <a:txBody>
+                    <a:bodyPr/>
+                    <a:lstStyle/>
+                    <a:p>
+                      <a:r>
+                        <a:rPr kumimoji="1" lang="en-US" altLang="ja-JP" dirty="0"/>
+                        <a:t>0x04</a:t>
+                      </a:r>
+                      <a:endParaRPr kumimoji="1" lang="ja-JP" altLang="en-US" dirty="0"/>
+                    </a:p>
+                  </a:txBody>
+                  <a:tcPr/>
+                </a:tc>
+                <a:extLst>
+                  <a:ext uri="{0D108BD9-81ED-4DB2-BD59-A6C34878D82A}">
+                    <a16:rowId xmlns:a16="http://schemas.microsoft.com/office/drawing/2014/main" val="1845512106"/>
+                  </a:ext>
+                </a:extLst>
+              </a:tr>
+              <a:tr h="370840">
+                <a:tc>
+                  <a:txBody>
+                    <a:bodyPr/>
+                    <a:lstStyle/>
+                    <a:p>
+                      <a:r>
+                        <a:rPr kumimoji="1" lang="en-US" altLang="ja-JP" dirty="0"/>
+                        <a:t>5</a:t>
+                      </a:r>
+                      <a:endParaRPr kumimoji="1" lang="ja-JP" altLang="en-US" dirty="0"/>
+                    </a:p>
+                  </a:txBody>
+                  <a:tcPr/>
+                </a:tc>
+                <a:tc>
+                  <a:txBody>
+                    <a:bodyPr/>
+                    <a:lstStyle/>
+                    <a:p>
+                      <a:r>
+                        <a:rPr kumimoji="1" lang="en-US" altLang="ja-JP" dirty="0"/>
+                        <a:t>0x05</a:t>
+                      </a:r>
+                      <a:endParaRPr kumimoji="1" lang="ja-JP" altLang="en-US" dirty="0"/>
+                    </a:p>
+                  </a:txBody>
+                  <a:tcPr/>
+                </a:tc>
+                <a:extLst>
+                  <a:ext uri="{0D108BD9-81ED-4DB2-BD59-A6C34878D82A}">
+                    <a16:rowId xmlns:a16="http://schemas.microsoft.com/office/drawing/2014/main" val="3692975475"/>
+                  </a:ext>
+                </a:extLst>
+              </a:tr>
+            </a:tbl>
+          </a:graphicData>
+        </a:graphic>
+      </p:graphicFrame>
+      <p:graphicFrame>
+        <p:nvGraphicFramePr>
+          <p:cNvPr id="33" name="表 2">
+            <a:extLst>
+              <a:ext uri="{FF2B5EF4-FFF2-40B4-BE49-F238E27FC236}">
+                <a16:creationId xmlns:a16="http://schemas.microsoft.com/office/drawing/2014/main" id="{23AF44D8-C3E5-4BF8-AF12-ABD64A244B28}"/>
+              </a:ext>
+            </a:extLst>
+          </p:cNvPr>
+          <p:cNvGraphicFramePr>
+            <a:graphicFrameLocks noGrp="1"/>
+          </p:cNvGraphicFramePr>
+          <p:nvPr>
+            <p:extLst>
+              <p:ext uri="{D42A27DB-BD31-4B8C-83A1-F6EECF244321}">
+                <p14:modId xmlns:p14="http://schemas.microsoft.com/office/powerpoint/2010/main" val="1692536286"/>
+              </p:ext>
+            </p:extLst>
+          </p:nvPr>
+        </p:nvGraphicFramePr>
+        <p:xfrm>
+          <a:off x="6072306" y="5138368"/>
+          <a:ext cx="2574182" cy="1112520"/>
+        </p:xfrm>
+        <a:graphic>
+          <a:graphicData uri="http://schemas.openxmlformats.org/drawingml/2006/table">
+            <a:tbl>
+              <a:tblPr firstRow="1" bandRow="1">
+                <a:tableStyleId>{5C22544A-7EE6-4342-B048-85BDC9FD1C3A}</a:tableStyleId>
+              </a:tblPr>
+              <a:tblGrid>
+                <a:gridCol w="1287091">
+                  <a:extLst>
+                    <a:ext uri="{9D8B030D-6E8A-4147-A177-3AD203B41FA5}">
+                      <a16:colId xmlns:a16="http://schemas.microsoft.com/office/drawing/2014/main" val="2953077834"/>
+                    </a:ext>
+                  </a:extLst>
+                </a:gridCol>
+                <a:gridCol w="1287091">
+                  <a:extLst>
+                    <a:ext uri="{9D8B030D-6E8A-4147-A177-3AD203B41FA5}">
+                      <a16:colId xmlns:a16="http://schemas.microsoft.com/office/drawing/2014/main" val="1424621374"/>
+                    </a:ext>
+                  </a:extLst>
+                </a:gridCol>
+              </a:tblGrid>
+              <a:tr h="370840">
+                <a:tc>
+                  <a:txBody>
+                    <a:bodyPr/>
+                    <a:lstStyle/>
+                    <a:p>
+                      <a:r>
+                        <a:rPr kumimoji="1" lang="en-US" altLang="ja-JP" dirty="0"/>
+                        <a:t>Num</a:t>
+                      </a:r>
+                      <a:endParaRPr kumimoji="1" lang="ja-JP" altLang="en-US" dirty="0"/>
+                    </a:p>
+                  </a:txBody>
+                  <a:tcPr/>
+                </a:tc>
+                <a:tc>
+                  <a:txBody>
+                    <a:bodyPr/>
+                    <a:lstStyle/>
+                    <a:p>
+                      <a:r>
+                        <a:rPr kumimoji="1" lang="en-US" altLang="ko-KR" dirty="0"/>
+                        <a:t>RID</a:t>
+                      </a:r>
+                      <a:endParaRPr kumimoji="1" lang="ja-JP" altLang="en-US" dirty="0"/>
+                    </a:p>
+                  </a:txBody>
+                  <a:tcPr/>
+                </a:tc>
+                <a:extLst>
+                  <a:ext uri="{0D108BD9-81ED-4DB2-BD59-A6C34878D82A}">
+                    <a16:rowId xmlns:a16="http://schemas.microsoft.com/office/drawing/2014/main" val="4134553298"/>
+                  </a:ext>
+                </a:extLst>
+              </a:tr>
+              <a:tr h="370840">
+                <a:tc>
+                  <a:txBody>
+                    <a:bodyPr/>
+                    <a:lstStyle/>
+                    <a:p>
+                      <a:r>
+                        <a:rPr kumimoji="1" lang="en-US" altLang="ja-JP" dirty="0"/>
+                        <a:t>6</a:t>
+                      </a:r>
+                      <a:endParaRPr kumimoji="1" lang="ja-JP" altLang="en-US" dirty="0"/>
+                    </a:p>
+                  </a:txBody>
+                  <a:tcPr/>
+                </a:tc>
+                <a:tc>
+                  <a:txBody>
+                    <a:bodyPr/>
+                    <a:lstStyle/>
+                    <a:p>
+                      <a:r>
+                        <a:rPr kumimoji="1" lang="en-US" altLang="ja-JP" dirty="0"/>
+                        <a:t>0x06</a:t>
+                      </a:r>
+                      <a:endParaRPr kumimoji="1" lang="ja-JP" altLang="en-US" dirty="0"/>
+                    </a:p>
+                  </a:txBody>
+                  <a:tcPr/>
+                </a:tc>
+                <a:extLst>
+                  <a:ext uri="{0D108BD9-81ED-4DB2-BD59-A6C34878D82A}">
+                    <a16:rowId xmlns:a16="http://schemas.microsoft.com/office/drawing/2014/main" val="1845512106"/>
+                  </a:ext>
+                </a:extLst>
+              </a:tr>
+              <a:tr h="370840">
+                <a:tc>
+                  <a:txBody>
+                    <a:bodyPr/>
+                    <a:lstStyle/>
+                    <a:p>
+                      <a:r>
+                        <a:rPr kumimoji="1" lang="en-US" altLang="ja-JP" dirty="0"/>
+                        <a:t>7</a:t>
+                      </a:r>
+                      <a:endParaRPr kumimoji="1" lang="ja-JP" altLang="en-US" dirty="0"/>
+                    </a:p>
+                  </a:txBody>
+                  <a:tcPr/>
+                </a:tc>
+                <a:tc>
+                  <a:txBody>
+                    <a:bodyPr/>
+                    <a:lstStyle/>
+                    <a:p>
+                      <a:r>
+                        <a:rPr kumimoji="1" lang="en-US" altLang="ja-JP" dirty="0"/>
+                        <a:t>0x07</a:t>
+                      </a:r>
+                      <a:endParaRPr kumimoji="1" lang="ja-JP" altLang="en-US" dirty="0"/>
+                    </a:p>
+                  </a:txBody>
+                  <a:tcPr/>
+                </a:tc>
+                <a:extLst>
+                  <a:ext uri="{0D108BD9-81ED-4DB2-BD59-A6C34878D82A}">
+                    <a16:rowId xmlns:a16="http://schemas.microsoft.com/office/drawing/2014/main" val="3692975475"/>
+                  </a:ext>
+                </a:extLst>
+              </a:tr>
+            </a:tbl>
+          </a:graphicData>
+        </a:graphic>
+      </p:graphicFrame>
+      <p:graphicFrame>
+        <p:nvGraphicFramePr>
+          <p:cNvPr id="35" name="表 2">
+            <a:extLst>
+              <a:ext uri="{FF2B5EF4-FFF2-40B4-BE49-F238E27FC236}">
+                <a16:creationId xmlns:a16="http://schemas.microsoft.com/office/drawing/2014/main" id="{8B082492-DA18-4FDC-902D-784FE53344A8}"/>
+              </a:ext>
+            </a:extLst>
+          </p:cNvPr>
+          <p:cNvGraphicFramePr>
+            <a:graphicFrameLocks noGrp="1"/>
+          </p:cNvGraphicFramePr>
+          <p:nvPr>
+            <p:extLst>
+              <p:ext uri="{D42A27DB-BD31-4B8C-83A1-F6EECF244321}">
+                <p14:modId xmlns:p14="http://schemas.microsoft.com/office/powerpoint/2010/main" val="2110376789"/>
+              </p:ext>
+            </p:extLst>
+          </p:nvPr>
+        </p:nvGraphicFramePr>
+        <p:xfrm>
+          <a:off x="9217152" y="5081057"/>
+          <a:ext cx="2574182" cy="1112520"/>
+        </p:xfrm>
+        <a:graphic>
+          <a:graphicData uri="http://schemas.openxmlformats.org/drawingml/2006/table">
+            <a:tbl>
+              <a:tblPr firstRow="1" bandRow="1">
+                <a:tableStyleId>{5C22544A-7EE6-4342-B048-85BDC9FD1C3A}</a:tableStyleId>
+              </a:tblPr>
+              <a:tblGrid>
+                <a:gridCol w="1287091">
+                  <a:extLst>
+                    <a:ext uri="{9D8B030D-6E8A-4147-A177-3AD203B41FA5}">
+                      <a16:colId xmlns:a16="http://schemas.microsoft.com/office/drawing/2014/main" val="2953077834"/>
+                    </a:ext>
+                  </a:extLst>
+                </a:gridCol>
+                <a:gridCol w="1287091">
+                  <a:extLst>
+                    <a:ext uri="{9D8B030D-6E8A-4147-A177-3AD203B41FA5}">
+                      <a16:colId xmlns:a16="http://schemas.microsoft.com/office/drawing/2014/main" val="1424621374"/>
+                    </a:ext>
+                  </a:extLst>
+                </a:gridCol>
+              </a:tblGrid>
+              <a:tr h="370840">
+                <a:tc>
+                  <a:txBody>
+                    <a:bodyPr/>
+                    <a:lstStyle/>
+                    <a:p>
+                      <a:r>
+                        <a:rPr kumimoji="1" lang="en-US" altLang="ja-JP" dirty="0"/>
+                        <a:t>Num</a:t>
+                      </a:r>
+                      <a:endParaRPr kumimoji="1" lang="ja-JP" altLang="en-US" dirty="0"/>
+                    </a:p>
+                  </a:txBody>
+                  <a:tcPr/>
+                </a:tc>
+                <a:tc>
+                  <a:txBody>
+                    <a:bodyPr/>
+                    <a:lstStyle/>
+                    <a:p>
+                      <a:r>
+                        <a:rPr kumimoji="1" lang="en-US" altLang="ko-KR" dirty="0"/>
+                        <a:t>RID</a:t>
+                      </a:r>
+                      <a:endParaRPr kumimoji="1" lang="ja-JP" altLang="en-US" dirty="0"/>
+                    </a:p>
+                  </a:txBody>
+                  <a:tcPr/>
+                </a:tc>
+                <a:extLst>
+                  <a:ext uri="{0D108BD9-81ED-4DB2-BD59-A6C34878D82A}">
+                    <a16:rowId xmlns:a16="http://schemas.microsoft.com/office/drawing/2014/main" val="4134553298"/>
+                  </a:ext>
+                </a:extLst>
+              </a:tr>
+              <a:tr h="370840">
+                <a:tc>
+                  <a:txBody>
+                    <a:bodyPr/>
+                    <a:lstStyle/>
+                    <a:p>
+                      <a:r>
+                        <a:rPr kumimoji="1" lang="en-US" altLang="ja-JP" dirty="0"/>
+                        <a:t>8</a:t>
+                      </a:r>
+                      <a:endParaRPr kumimoji="1" lang="ja-JP" altLang="en-US" dirty="0"/>
+                    </a:p>
+                  </a:txBody>
+                  <a:tcPr/>
+                </a:tc>
+                <a:tc>
+                  <a:txBody>
+                    <a:bodyPr/>
+                    <a:lstStyle/>
+                    <a:p>
+                      <a:r>
+                        <a:rPr kumimoji="1" lang="en-US" altLang="ja-JP" dirty="0"/>
+                        <a:t>0x08</a:t>
+                      </a:r>
+                      <a:endParaRPr kumimoji="1" lang="ja-JP" altLang="en-US" dirty="0"/>
+                    </a:p>
+                  </a:txBody>
+                  <a:tcPr/>
+                </a:tc>
+                <a:extLst>
+                  <a:ext uri="{0D108BD9-81ED-4DB2-BD59-A6C34878D82A}">
+                    <a16:rowId xmlns:a16="http://schemas.microsoft.com/office/drawing/2014/main" val="1845512106"/>
+                  </a:ext>
+                </a:extLst>
+              </a:tr>
+              <a:tr h="370840">
+                <a:tc>
+                  <a:txBody>
+                    <a:bodyPr/>
+                    <a:lstStyle/>
+                    <a:p>
+                      <a:r>
+                        <a:rPr kumimoji="1" lang="en-US" altLang="ja-JP" dirty="0"/>
+                        <a:t>9</a:t>
+                      </a:r>
+                      <a:endParaRPr kumimoji="1" lang="ja-JP" altLang="en-US" dirty="0"/>
+                    </a:p>
+                  </a:txBody>
+                  <a:tcPr/>
+                </a:tc>
+                <a:tc>
+                  <a:txBody>
+                    <a:bodyPr/>
+                    <a:lstStyle/>
+                    <a:p>
+                      <a:r>
+                        <a:rPr kumimoji="1" lang="en-US" altLang="ja-JP" dirty="0"/>
+                        <a:t>0x09</a:t>
+                      </a:r>
+                      <a:endParaRPr kumimoji="1" lang="ja-JP" altLang="en-US" dirty="0"/>
+                    </a:p>
+                  </a:txBody>
+                  <a:tcPr/>
+                </a:tc>
+                <a:extLst>
+                  <a:ext uri="{0D108BD9-81ED-4DB2-BD59-A6C34878D82A}">
+                    <a16:rowId xmlns:a16="http://schemas.microsoft.com/office/drawing/2014/main" val="3692975475"/>
+                  </a:ext>
+                </a:extLst>
+              </a:tr>
+            </a:tbl>
+          </a:graphicData>
+        </a:graphic>
+      </p:graphicFrame>
+      <p:graphicFrame>
+        <p:nvGraphicFramePr>
+          <p:cNvPr id="3" name="表 4">
+            <a:extLst>
+              <a:ext uri="{FF2B5EF4-FFF2-40B4-BE49-F238E27FC236}">
+                <a16:creationId xmlns:a16="http://schemas.microsoft.com/office/drawing/2014/main" id="{23779277-3DC5-4E43-8B46-1BB00F2CF410}"/>
+              </a:ext>
+            </a:extLst>
+          </p:cNvPr>
+          <p:cNvGraphicFramePr>
+            <a:graphicFrameLocks noGrp="1"/>
+          </p:cNvGraphicFramePr>
+          <p:nvPr>
+            <p:extLst>
+              <p:ext uri="{D42A27DB-BD31-4B8C-83A1-F6EECF244321}">
+                <p14:modId xmlns:p14="http://schemas.microsoft.com/office/powerpoint/2010/main" val="3529875441"/>
+              </p:ext>
+            </p:extLst>
+          </p:nvPr>
+        </p:nvGraphicFramePr>
+        <p:xfrm>
+          <a:off x="122666" y="5195743"/>
+          <a:ext cx="2779698" cy="1483360"/>
+        </p:xfrm>
+        <a:graphic>
+          <a:graphicData uri="http://schemas.openxmlformats.org/drawingml/2006/table">
+            <a:tbl>
+              <a:tblPr firstRow="1" bandRow="1">
+                <a:tableStyleId>{5C22544A-7EE6-4342-B048-85BDC9FD1C3A}</a:tableStyleId>
+              </a:tblPr>
+              <a:tblGrid>
+                <a:gridCol w="1389849">
+                  <a:extLst>
+                    <a:ext uri="{9D8B030D-6E8A-4147-A177-3AD203B41FA5}">
+                      <a16:colId xmlns:a16="http://schemas.microsoft.com/office/drawing/2014/main" val="4083709133"/>
+                    </a:ext>
+                  </a:extLst>
+                </a:gridCol>
+                <a:gridCol w="1389849">
+                  <a:extLst>
+                    <a:ext uri="{9D8B030D-6E8A-4147-A177-3AD203B41FA5}">
+                      <a16:colId xmlns:a16="http://schemas.microsoft.com/office/drawing/2014/main" val="1409468909"/>
+                    </a:ext>
+                  </a:extLst>
+                </a:gridCol>
+              </a:tblGrid>
+              <a:tr h="370840">
+                <a:tc>
+                  <a:txBody>
+                    <a:bodyPr/>
+                    <a:lstStyle/>
+                    <a:p>
+                      <a:r>
+                        <a:rPr kumimoji="1" lang="en-US" altLang="ja-JP" dirty="0"/>
+                        <a:t>Num</a:t>
+                      </a:r>
+                      <a:endParaRPr kumimoji="1" lang="ja-JP" altLang="en-US" dirty="0"/>
+                    </a:p>
+                  </a:txBody>
+                  <a:tcPr/>
+                </a:tc>
+                <a:tc>
+                  <a:txBody>
+                    <a:bodyPr/>
+                    <a:lstStyle/>
+                    <a:p>
+                      <a:r>
+                        <a:rPr kumimoji="1" lang="en-US" altLang="ko-KR" dirty="0"/>
+                        <a:t>RID</a:t>
+                      </a:r>
+                      <a:endParaRPr kumimoji="1" lang="ja-JP" altLang="en-US" dirty="0"/>
+                    </a:p>
+                  </a:txBody>
+                  <a:tcPr/>
+                </a:tc>
+                <a:extLst>
+                  <a:ext uri="{0D108BD9-81ED-4DB2-BD59-A6C34878D82A}">
+                    <a16:rowId xmlns:a16="http://schemas.microsoft.com/office/drawing/2014/main" val="176268453"/>
+                  </a:ext>
+                </a:extLst>
+              </a:tr>
+              <a:tr h="370840">
+                <a:tc>
+                  <a:txBody>
+                    <a:bodyPr/>
+                    <a:lstStyle/>
+                    <a:p>
+                      <a:r>
+                        <a:rPr kumimoji="1" lang="en-US" altLang="ja-JP" dirty="0"/>
+                        <a:t>1</a:t>
+                      </a:r>
+                      <a:endParaRPr kumimoji="1" lang="ja-JP" altLang="en-US" dirty="0"/>
+                    </a:p>
+                  </a:txBody>
+                  <a:tcPr/>
+                </a:tc>
+                <a:tc>
+                  <a:txBody>
+                    <a:bodyPr/>
+                    <a:lstStyle/>
+                    <a:p>
+                      <a:r>
+                        <a:rPr kumimoji="1" lang="en-US" altLang="ja-JP" dirty="0"/>
+                        <a:t>0x01</a:t>
+                      </a:r>
+                      <a:endParaRPr kumimoji="1" lang="ja-JP" altLang="en-US" dirty="0"/>
+                    </a:p>
+                  </a:txBody>
+                  <a:tcPr/>
+                </a:tc>
+                <a:extLst>
+                  <a:ext uri="{0D108BD9-81ED-4DB2-BD59-A6C34878D82A}">
+                    <a16:rowId xmlns:a16="http://schemas.microsoft.com/office/drawing/2014/main" val="2445301462"/>
+                  </a:ext>
+                </a:extLst>
+              </a:tr>
+              <a:tr h="370840">
+                <a:tc>
+                  <a:txBody>
+                    <a:bodyPr/>
+                    <a:lstStyle/>
+                    <a:p>
+                      <a:r>
+                        <a:rPr kumimoji="1" lang="en-US" altLang="ja-JP" dirty="0"/>
+                        <a:t>2</a:t>
+                      </a:r>
+                      <a:endParaRPr kumimoji="1" lang="ja-JP" altLang="en-US" dirty="0"/>
+                    </a:p>
+                  </a:txBody>
+                  <a:tcPr/>
+                </a:tc>
+                <a:tc>
+                  <a:txBody>
+                    <a:bodyPr/>
+                    <a:lstStyle/>
+                    <a:p>
+                      <a:r>
+                        <a:rPr kumimoji="1" lang="en-US" altLang="ja-JP" dirty="0"/>
+                        <a:t>0x02</a:t>
+                      </a:r>
+                      <a:endParaRPr kumimoji="1" lang="ja-JP" altLang="en-US" dirty="0"/>
+                    </a:p>
+                  </a:txBody>
+                  <a:tcPr/>
+                </a:tc>
+                <a:extLst>
+                  <a:ext uri="{0D108BD9-81ED-4DB2-BD59-A6C34878D82A}">
+                    <a16:rowId xmlns:a16="http://schemas.microsoft.com/office/drawing/2014/main" val="2827712804"/>
+                  </a:ext>
+                </a:extLst>
+              </a:tr>
+              <a:tr h="370840">
+                <a:tc>
+                  <a:txBody>
+                    <a:bodyPr/>
+                    <a:lstStyle/>
+                    <a:p>
+                      <a:r>
+                        <a:rPr kumimoji="1" lang="en-US" altLang="ja-JP" dirty="0"/>
+                        <a:t>3</a:t>
+                      </a:r>
+                      <a:endParaRPr kumimoji="1" lang="ja-JP" altLang="en-US" dirty="0"/>
+                    </a:p>
+                  </a:txBody>
+                  <a:tcPr/>
+                </a:tc>
+                <a:tc>
+                  <a:txBody>
+                    <a:bodyPr/>
+                    <a:lstStyle/>
+                    <a:p>
+                      <a:r>
+                        <a:rPr kumimoji="1" lang="en-US" altLang="ja-JP" dirty="0"/>
+                        <a:t>0x03</a:t>
+                      </a:r>
+                      <a:endParaRPr kumimoji="1" lang="ja-JP" altLang="en-US" dirty="0"/>
+                    </a:p>
+                  </a:txBody>
+                  <a:tcPr/>
+                </a:tc>
+                <a:extLst>
+                  <a:ext uri="{0D108BD9-81ED-4DB2-BD59-A6C34878D82A}">
+                    <a16:rowId xmlns:a16="http://schemas.microsoft.com/office/drawing/2014/main" val="3340495167"/>
+                  </a:ext>
+                </a:extLst>
+              </a:tr>
+            </a:tbl>
+          </a:graphicData>
+        </a:graphic>
+      </p:graphicFrame>
+      <p:cxnSp>
+        <p:nvCxnSpPr>
+          <p:cNvPr id="6" name="直線矢印コネクタ 5">
+            <a:extLst>
+              <a:ext uri="{FF2B5EF4-FFF2-40B4-BE49-F238E27FC236}">
+                <a16:creationId xmlns:a16="http://schemas.microsoft.com/office/drawing/2014/main" id="{E9E06FC7-BB36-4C91-962C-41D904AE01E1}"/>
+              </a:ext>
+            </a:extLst>
+          </p:cNvPr>
+          <p:cNvCxnSpPr>
+            <a:cxnSpLocks/>
+          </p:cNvCxnSpPr>
+          <p:nvPr/>
+        </p:nvCxnSpPr>
+        <p:spPr>
+          <a:xfrm flipV="1">
+            <a:off x="2661582" y="1376039"/>
+            <a:ext cx="8604181" cy="4375541"/>
+          </a:xfrm>
+          <a:prstGeom prst="straightConnector1">
+            <a:avLst/>
+          </a:prstGeom>
+          <a:ln>
+            <a:tailEnd type="triangle"/>
+          </a:ln>
+        </p:spPr>
+        <p:style>
+          <a:lnRef idx="1">
+            <a:schemeClr val="accent1"/>
+          </a:lnRef>
+          <a:fillRef idx="0">
+            <a:schemeClr val="accent1"/>
+          </a:fillRef>
+          <a:effectRef idx="0">
+            <a:schemeClr val="accent1"/>
+          </a:effectRef>
+          <a:fontRef idx="minor">
+            <a:schemeClr val="tx1"/>
+          </a:fontRef>
+        </p:style>
+      </p:cxnSp>
+      <p:sp>
+        <p:nvSpPr>
+          <p:cNvPr id="37" name="テキスト ボックス 36">
+            <a:extLst>
+              <a:ext uri="{FF2B5EF4-FFF2-40B4-BE49-F238E27FC236}">
+                <a16:creationId xmlns:a16="http://schemas.microsoft.com/office/drawing/2014/main" id="{30A73D0A-C454-44F2-B914-9D38BC0BE20F}"/>
+              </a:ext>
+            </a:extLst>
+          </p:cNvPr>
+          <p:cNvSpPr txBox="1"/>
+          <p:nvPr/>
+        </p:nvSpPr>
+        <p:spPr>
+          <a:xfrm>
+            <a:off x="167539" y="794165"/>
+            <a:ext cx="3044796" cy="646331"/>
+          </a:xfrm>
+          <a:prstGeom prst="rect">
+            <a:avLst/>
+          </a:prstGeom>
+          <a:noFill/>
+        </p:spPr>
+        <p:txBody>
+          <a:bodyPr wrap="square" rtlCol="0">
+            <a:spAutoFit/>
+          </a:bodyPr>
+          <a:lstStyle/>
+          <a:p>
+            <a:r>
+              <a:rPr kumimoji="1" lang="ko-KR" altLang="en-US" dirty="0"/>
+              <a:t>해당 값을 찾으면 </a:t>
+            </a:r>
+            <a:r>
+              <a:rPr lang="ko-KR" altLang="en-US" dirty="0"/>
+              <a:t>주소</a:t>
+            </a:r>
+            <a:r>
+              <a:rPr kumimoji="1" lang="ko-KR" altLang="en-US" dirty="0"/>
+              <a:t>로 데이터페이지를 참조</a:t>
+            </a:r>
+            <a:endParaRPr kumimoji="1" lang="ja-JP" altLang="en-US" dirty="0"/>
+          </a:p>
+        </p:txBody>
+      </p:sp>
+      <p:sp>
+        <p:nvSpPr>
+          <p:cNvPr id="39" name="テキスト ボックス 38">
+            <a:extLst>
+              <a:ext uri="{FF2B5EF4-FFF2-40B4-BE49-F238E27FC236}">
+                <a16:creationId xmlns:a16="http://schemas.microsoft.com/office/drawing/2014/main" id="{37BBDA55-4A75-42C3-A1CF-86268E72CC5D}"/>
+              </a:ext>
+            </a:extLst>
+          </p:cNvPr>
+          <p:cNvSpPr txBox="1"/>
+          <p:nvPr/>
+        </p:nvSpPr>
+        <p:spPr>
+          <a:xfrm>
+            <a:off x="-106616" y="3603968"/>
+            <a:ext cx="2132340" cy="369332"/>
+          </a:xfrm>
+          <a:prstGeom prst="rect">
+            <a:avLst/>
+          </a:prstGeom>
+          <a:noFill/>
+        </p:spPr>
+        <p:txBody>
+          <a:bodyPr wrap="square" rtlCol="0">
+            <a:spAutoFit/>
+          </a:bodyPr>
+          <a:lstStyle/>
+          <a:p>
+            <a:r>
+              <a:rPr lang="en-US" altLang="ko-KR" dirty="0"/>
+              <a:t>1~5</a:t>
+            </a:r>
+            <a:r>
+              <a:rPr lang="ko-KR" altLang="en-US" dirty="0"/>
+              <a:t>를 반으로 쪼갬</a:t>
+            </a:r>
+            <a:endParaRPr kumimoji="1" lang="ja-JP" altLang="en-US" dirty="0"/>
+          </a:p>
+        </p:txBody>
+      </p:sp>
+    </p:spTree>
+    <p:extLst>
+      <p:ext uri="{BB962C8B-B14F-4D97-AF65-F5344CB8AC3E}">
+        <p14:creationId xmlns:p14="http://schemas.microsoft.com/office/powerpoint/2010/main" val="2615624377"/>
+      </p:ext>
+    </p:extLst>
+  </p:cSld>
+  <p:clrMapOvr>
+    <a:masterClrMapping/>
+  </p:clrMapOvr>
+</p:sld>
+</file>
+
+<file path=ppt/slides/slide4.xml><?xml version="1.0" encoding="utf-8"?>
 <p:sld xmlns:a="http://schemas.openxmlformats.org/drawingml/2006/main" xmlns:r="http://schemas.openxmlformats.org/officeDocument/2006/relationships" xmlns:p="http://schemas.openxmlformats.org/presentationml/2006/main">
   <p:cSld>
     <p:spTree>
@@ -11345,7 +14061,7 @@
 </p:sld>
 </file>
 
-<file path=ppt/slides/slide4.xml><?xml version="1.0" encoding="utf-8"?>
+<file path=ppt/slides/slide5.xml><?xml version="1.0" encoding="utf-8"?>
 <p:sld xmlns:a="http://schemas.openxmlformats.org/drawingml/2006/main" xmlns:r="http://schemas.openxmlformats.org/officeDocument/2006/relationships" xmlns:p="http://schemas.openxmlformats.org/presentationml/2006/main">
   <p:cSld>
     <p:spTree>
@@ -12656,7 +15372,7 @@
 </p:sld>
 </file>
 
-<file path=ppt/slides/slide5.xml><?xml version="1.0" encoding="utf-8"?>
+<file path=ppt/slides/slide6.xml><?xml version="1.0" encoding="utf-8"?>
 <p:sld xmlns:a="http://schemas.openxmlformats.org/drawingml/2006/main" xmlns:r="http://schemas.openxmlformats.org/officeDocument/2006/relationships" xmlns:p="http://schemas.openxmlformats.org/presentationml/2006/main">
   <p:cSld>
     <p:spTree>
@@ -14660,7 +17376,7 @@
 </p:sld>
 </file>
 
-<file path=ppt/slides/slide6.xml><?xml version="1.0" encoding="utf-8"?>
+<file path=ppt/slides/slide7.xml><?xml version="1.0" encoding="utf-8"?>
 <p:sld xmlns:a="http://schemas.openxmlformats.org/drawingml/2006/main" xmlns:r="http://schemas.openxmlformats.org/officeDocument/2006/relationships" xmlns:p="http://schemas.openxmlformats.org/presentationml/2006/main">
   <p:cSld>
     <p:spTree>
@@ -16405,7 +19121,7 @@
 </p:sld>
 </file>
 
-<file path=ppt/slides/slide7.xml><?xml version="1.0" encoding="utf-8"?>
+<file path=ppt/slides/slide8.xml><?xml version="1.0" encoding="utf-8"?>
 <p:sld xmlns:a="http://schemas.openxmlformats.org/drawingml/2006/main" xmlns:r="http://schemas.openxmlformats.org/officeDocument/2006/relationships" xmlns:p="http://schemas.openxmlformats.org/presentationml/2006/main">
   <p:cSld>
     <p:spTree>
@@ -18525,7 +21241,7 @@
 </p:sld>
 </file>
 
-<file path=ppt/slides/slide8.xml><?xml version="1.0" encoding="utf-8"?>
+<file path=ppt/slides/slide9.xml><?xml version="1.0" encoding="utf-8"?>
 <p:sld xmlns:a="http://schemas.openxmlformats.org/drawingml/2006/main" xmlns:r="http://schemas.openxmlformats.org/officeDocument/2006/relationships" xmlns:p="http://schemas.openxmlformats.org/presentationml/2006/main">
   <p:cSld>
     <p:spTree>
